--- a/Lógica e Programação/Módulo 03 - Framework/Aula 19 - Bootsrap/Consumindo API.pptx
+++ b/Lógica e Programação/Módulo 03 - Framework/Aula 19 - Bootsrap/Consumindo API.pptx
@@ -5,10 +5,10 @@
     <p:sldMasterId id="2147483677" r:id="rId1"/>
   </p:sldMasterIdLst>
   <p:notesMasterIdLst>
-    <p:notesMasterId r:id="rId15"/>
+    <p:notesMasterId r:id="rId11"/>
   </p:notesMasterIdLst>
   <p:handoutMasterIdLst>
-    <p:handoutMasterId r:id="rId16"/>
+    <p:handoutMasterId r:id="rId12"/>
   </p:handoutMasterIdLst>
   <p:sldIdLst>
     <p:sldId id="256" r:id="rId2"/>
@@ -20,10 +20,6 @@
     <p:sldId id="262" r:id="rId8"/>
     <p:sldId id="263" r:id="rId9"/>
     <p:sldId id="264" r:id="rId10"/>
-    <p:sldId id="267" r:id="rId11"/>
-    <p:sldId id="265" r:id="rId12"/>
-    <p:sldId id="266" r:id="rId13"/>
-    <p:sldId id="268" r:id="rId14"/>
   </p:sldIdLst>
   <p:sldSz cx="12192000" cy="6858000"/>
   <p:notesSz cx="6888163" cy="10020300"/>
@@ -238,7 +234,7 @@
           <a:p>
             <a:fld id="{0F28648D-752F-4D9E-8EC2-61293C3E9BC7}" type="datetimeFigureOut">
               <a:rPr lang="pt-BR" smtClean="0"/>
-              <a:t>03/03/2025</a:t>
+              <a:t>04/04/2025</a:t>
             </a:fld>
             <a:endParaRPr lang="pt-BR"/>
           </a:p>
@@ -415,7 +411,7 @@
           <a:p>
             <a:fld id="{C67E822F-2664-47C4-8404-83B1D4D0E6EE}" type="datetimeFigureOut">
               <a:rPr lang="pt-BR" smtClean="0"/>
-              <a:t>03/03/2025</a:t>
+              <a:t>04/04/2025</a:t>
             </a:fld>
             <a:endParaRPr lang="pt-BR"/>
           </a:p>
@@ -1118,7 +1114,7 @@
           <a:p>
             <a:fld id="{CDD55C27-F8C6-4481-8569-CAC50CAE9F1F}" type="datetimeFigureOut">
               <a:rPr lang="pt-BR" smtClean="0"/>
-              <a:t>03/03/2025</a:t>
+              <a:t>04/04/2025</a:t>
             </a:fld>
             <a:endParaRPr lang="pt-BR"/>
           </a:p>
@@ -1608,7 +1604,7 @@
           <a:p>
             <a:fld id="{CDD55C27-F8C6-4481-8569-CAC50CAE9F1F}" type="datetimeFigureOut">
               <a:rPr lang="pt-BR" smtClean="0"/>
-              <a:t>03/03/2025</a:t>
+              <a:t>04/04/2025</a:t>
             </a:fld>
             <a:endParaRPr lang="pt-BR"/>
           </a:p>
@@ -1911,7 +1907,7 @@
           <a:p>
             <a:fld id="{CDD55C27-F8C6-4481-8569-CAC50CAE9F1F}" type="datetimeFigureOut">
               <a:rPr lang="pt-BR" smtClean="0"/>
-              <a:t>03/03/2025</a:t>
+              <a:t>04/04/2025</a:t>
             </a:fld>
             <a:endParaRPr lang="pt-BR"/>
           </a:p>
@@ -2362,7 +2358,7 @@
           <a:p>
             <a:fld id="{CDD55C27-F8C6-4481-8569-CAC50CAE9F1F}" type="datetimeFigureOut">
               <a:rPr lang="pt-BR" smtClean="0"/>
-              <a:t>03/03/2025</a:t>
+              <a:t>04/04/2025</a:t>
             </a:fld>
             <a:endParaRPr lang="pt-BR"/>
           </a:p>
@@ -2535,7 +2531,7 @@
           <a:p>
             <a:fld id="{CDD55C27-F8C6-4481-8569-CAC50CAE9F1F}" type="datetimeFigureOut">
               <a:rPr lang="pt-BR" smtClean="0"/>
-              <a:t>03/03/2025</a:t>
+              <a:t>04/04/2025</a:t>
             </a:fld>
             <a:endParaRPr lang="pt-BR"/>
           </a:p>
@@ -2672,7 +2668,7 @@
           <a:p>
             <a:fld id="{CDD55C27-F8C6-4481-8569-CAC50CAE9F1F}" type="datetimeFigureOut">
               <a:rPr lang="pt-BR" smtClean="0"/>
-              <a:t>03/03/2025</a:t>
+              <a:t>04/04/2025</a:t>
             </a:fld>
             <a:endParaRPr lang="pt-BR"/>
           </a:p>
@@ -3016,7 +3012,7 @@
           <a:p>
             <a:fld id="{CDD55C27-F8C6-4481-8569-CAC50CAE9F1F}" type="datetimeFigureOut">
               <a:rPr lang="pt-BR" smtClean="0"/>
-              <a:t>03/03/2025</a:t>
+              <a:t>04/04/2025</a:t>
             </a:fld>
             <a:endParaRPr lang="pt-BR"/>
           </a:p>
@@ -3337,7 +3333,7 @@
           <a:p>
             <a:fld id="{CDD55C27-F8C6-4481-8569-CAC50CAE9F1F}" type="datetimeFigureOut">
               <a:rPr lang="pt-BR" smtClean="0"/>
-              <a:t>03/03/2025</a:t>
+              <a:t>04/04/2025</a:t>
             </a:fld>
             <a:endParaRPr lang="pt-BR"/>
           </a:p>
@@ -3903,11 +3899,11 @@
           <a:p>
             <a:r>
               <a:rPr lang="pt-BR" sz="5400" dirty="0"/>
-              <a:t>Consumo de APIs com </a:t>
+              <a:t>Primeiros Passos com </a:t>
             </a:r>
             <a:r>
               <a:rPr lang="pt-BR" sz="5400" dirty="0" err="1"/>
-              <a:t>JavaScript</a:t>
+              <a:t>Bootstrap</a:t>
             </a:r>
             <a:endParaRPr lang="pt-BR" sz="5400" dirty="0"/>
           </a:p>
@@ -3950,1908 +3946,6 @@
     <p:extLst>
       <p:ext uri="{BB962C8B-B14F-4D97-AF65-F5344CB8AC3E}">
         <p14:creationId xmlns:p14="http://schemas.microsoft.com/office/powerpoint/2010/main" val="4046982407"/>
-      </p:ext>
-    </p:extLst>
-  </p:cSld>
-  <p:clrMapOvr>
-    <a:masterClrMapping/>
-  </p:clrMapOvr>
-</p:sld>
-</file>
-
-<file path=ppt/slides/slide10.xml><?xml version="1.0" encoding="utf-8"?>
-<p:sld xmlns:a="http://schemas.openxmlformats.org/drawingml/2006/main" xmlns:r="http://schemas.openxmlformats.org/officeDocument/2006/relationships" xmlns:p="http://schemas.openxmlformats.org/presentationml/2006/main">
-  <p:cSld>
-    <p:spTree>
-      <p:nvGrpSpPr>
-        <p:cNvPr id="1" name=""/>
-        <p:cNvGrpSpPr/>
-        <p:nvPr/>
-      </p:nvGrpSpPr>
-      <p:grpSpPr>
-        <a:xfrm>
-          <a:off x="0" y="0"/>
-          <a:ext cx="0" cy="0"/>
-          <a:chOff x="0" y="0"/>
-          <a:chExt cx="0" cy="0"/>
-        </a:xfrm>
-      </p:grpSpPr>
-      <p:sp>
-        <p:nvSpPr>
-          <p:cNvPr id="2" name="Título 1">
-            <a:extLst>
-              <a:ext uri="{FF2B5EF4-FFF2-40B4-BE49-F238E27FC236}">
-                <a16:creationId xmlns:a16="http://schemas.microsoft.com/office/drawing/2014/main" id="{A4BF9065-5612-482D-AB9F-4C11F3C20617}"/>
-              </a:ext>
-            </a:extLst>
-          </p:cNvPr>
-          <p:cNvSpPr>
-            <a:spLocks noGrp="1"/>
-          </p:cNvSpPr>
-          <p:nvPr>
-            <p:ph type="title"/>
-          </p:nvPr>
-        </p:nvSpPr>
-        <p:spPr/>
-        <p:txBody>
-          <a:bodyPr/>
-          <a:lstStyle/>
-          <a:p>
-            <a:r>
-              <a:rPr lang="pt-BR" dirty="0"/>
-              <a:t>Convertendo uma </a:t>
-            </a:r>
-            <a:r>
-              <a:rPr lang="pt-BR" dirty="0" err="1"/>
-              <a:t>Promisse</a:t>
-            </a:r>
-            <a:r>
-              <a:rPr lang="pt-BR" dirty="0"/>
-              <a:t> para JSON </a:t>
-            </a:r>
-          </a:p>
-        </p:txBody>
-      </p:sp>
-      <p:sp>
-        <p:nvSpPr>
-          <p:cNvPr id="3" name="Espaço Reservado para Conteúdo 2">
-            <a:extLst>
-              <a:ext uri="{FF2B5EF4-FFF2-40B4-BE49-F238E27FC236}">
-                <a16:creationId xmlns:a16="http://schemas.microsoft.com/office/drawing/2014/main" id="{892768B0-3F64-4EF9-BBB4-8B537812AA53}"/>
-              </a:ext>
-            </a:extLst>
-          </p:cNvPr>
-          <p:cNvSpPr>
-            <a:spLocks noGrp="1"/>
-          </p:cNvSpPr>
-          <p:nvPr>
-            <p:ph idx="1"/>
-          </p:nvPr>
-        </p:nvSpPr>
-        <p:spPr/>
-        <p:txBody>
-          <a:bodyPr/>
-          <a:lstStyle/>
-          <a:p>
-            <a:r>
-              <a:rPr lang="pt-BR" dirty="0"/>
-              <a:t>Para converter uma </a:t>
-            </a:r>
-            <a:r>
-              <a:rPr lang="pt-BR" dirty="0" err="1"/>
-              <a:t>Promise</a:t>
-            </a:r>
-            <a:r>
-              <a:rPr lang="pt-BR" dirty="0"/>
-              <a:t> para JSON, utilizamos o método .</a:t>
-            </a:r>
-            <a:r>
-              <a:rPr lang="pt-BR" dirty="0" err="1"/>
-              <a:t>json</a:t>
-            </a:r>
-            <a:r>
-              <a:rPr lang="pt-BR" dirty="0"/>
-              <a:t>(), que transforma a resposta de uma requisição assíncrona em um objeto </a:t>
-            </a:r>
-            <a:r>
-              <a:rPr lang="pt-BR" dirty="0" err="1"/>
-              <a:t>JavaScript</a:t>
-            </a:r>
-            <a:r>
-              <a:rPr lang="pt-BR" dirty="0"/>
-              <a:t> manipulável. Como a conversão também é assíncrona, usamos </a:t>
-            </a:r>
-            <a:r>
-              <a:rPr lang="pt-BR" dirty="0" err="1"/>
-              <a:t>await</a:t>
-            </a:r>
-            <a:r>
-              <a:rPr lang="pt-BR" dirty="0"/>
-              <a:t> para garantir que os dados sejam processados antes de seguir com a execução do código.</a:t>
-            </a:r>
-          </a:p>
-        </p:txBody>
-      </p:sp>
-      <p:sp>
-        <p:nvSpPr>
-          <p:cNvPr id="4" name="Retângulo 3">
-            <a:extLst>
-              <a:ext uri="{FF2B5EF4-FFF2-40B4-BE49-F238E27FC236}">
-                <a16:creationId xmlns:a16="http://schemas.microsoft.com/office/drawing/2014/main" id="{7D5A86E9-352D-43D7-95A2-C6671B86E06B}"/>
-              </a:ext>
-            </a:extLst>
-          </p:cNvPr>
-          <p:cNvSpPr/>
-          <p:nvPr/>
-        </p:nvSpPr>
-        <p:spPr>
-          <a:xfrm>
-            <a:off x="1504950" y="3949185"/>
-            <a:ext cx="9182100" cy="646331"/>
-          </a:xfrm>
-          <a:prstGeom prst="rect">
-            <a:avLst/>
-          </a:prstGeom>
-        </p:spPr>
-        <p:txBody>
-          <a:bodyPr wrap="square">
-            <a:spAutoFit/>
-          </a:bodyPr>
-          <a:lstStyle/>
-          <a:p>
-            <a:r>
-              <a:rPr lang="en-US" dirty="0">
-                <a:solidFill>
-                  <a:srgbClr val="0000FF"/>
-                </a:solidFill>
-                <a:latin typeface="Consolas" panose="020B0609020204030204" pitchFamily="49" charset="0"/>
-              </a:rPr>
-              <a:t>let</a:t>
-            </a:r>
-            <a:r>
-              <a:rPr lang="en-US" dirty="0">
-                <a:solidFill>
-                  <a:srgbClr val="000000"/>
-                </a:solidFill>
-                <a:latin typeface="Consolas" panose="020B0609020204030204" pitchFamily="49" charset="0"/>
-              </a:rPr>
-              <a:t> </a:t>
-            </a:r>
-            <a:r>
-              <a:rPr lang="en-US" dirty="0" err="1">
-                <a:solidFill>
-                  <a:srgbClr val="000000"/>
-                </a:solidFill>
-                <a:latin typeface="Consolas" panose="020B0609020204030204" pitchFamily="49" charset="0"/>
-              </a:rPr>
-              <a:t>consultaCEP</a:t>
-            </a:r>
-            <a:r>
-              <a:rPr lang="en-US" dirty="0">
-                <a:solidFill>
-                  <a:srgbClr val="000000"/>
-                </a:solidFill>
-                <a:latin typeface="Consolas" panose="020B0609020204030204" pitchFamily="49" charset="0"/>
-              </a:rPr>
-              <a:t> = </a:t>
-            </a:r>
-            <a:r>
-              <a:rPr lang="en-US" dirty="0">
-                <a:solidFill>
-                  <a:srgbClr val="0000FF"/>
-                </a:solidFill>
-                <a:latin typeface="Consolas" panose="020B0609020204030204" pitchFamily="49" charset="0"/>
-              </a:rPr>
-              <a:t>await</a:t>
-            </a:r>
-            <a:r>
-              <a:rPr lang="en-US" dirty="0">
-                <a:solidFill>
-                  <a:srgbClr val="000000"/>
-                </a:solidFill>
-                <a:latin typeface="Consolas" panose="020B0609020204030204" pitchFamily="49" charset="0"/>
-              </a:rPr>
-              <a:t> fetch(</a:t>
-            </a:r>
-            <a:r>
-              <a:rPr lang="en-US" dirty="0">
-                <a:solidFill>
-                  <a:srgbClr val="A31515"/>
-                </a:solidFill>
-                <a:latin typeface="Consolas" panose="020B0609020204030204" pitchFamily="49" charset="0"/>
-              </a:rPr>
-              <a:t>`https://viacep.com.br/</a:t>
-            </a:r>
-            <a:r>
-              <a:rPr lang="en-US" dirty="0" err="1">
-                <a:solidFill>
-                  <a:srgbClr val="A31515"/>
-                </a:solidFill>
-                <a:latin typeface="Consolas" panose="020B0609020204030204" pitchFamily="49" charset="0"/>
-              </a:rPr>
-              <a:t>ws</a:t>
-            </a:r>
-            <a:r>
-              <a:rPr lang="en-US" dirty="0">
-                <a:solidFill>
-                  <a:srgbClr val="A31515"/>
-                </a:solidFill>
-                <a:latin typeface="Consolas" panose="020B0609020204030204" pitchFamily="49" charset="0"/>
-              </a:rPr>
-              <a:t>/</a:t>
-            </a:r>
-            <a:r>
-              <a:rPr lang="en-US" dirty="0">
-                <a:solidFill>
-                  <a:srgbClr val="0000FF"/>
-                </a:solidFill>
-                <a:latin typeface="Consolas" panose="020B0609020204030204" pitchFamily="49" charset="0"/>
-              </a:rPr>
-              <a:t>${</a:t>
-            </a:r>
-            <a:r>
-              <a:rPr lang="en-US" dirty="0">
-                <a:solidFill>
-                  <a:srgbClr val="000000"/>
-                </a:solidFill>
-                <a:latin typeface="Consolas" panose="020B0609020204030204" pitchFamily="49" charset="0"/>
-              </a:rPr>
-              <a:t>cep</a:t>
-            </a:r>
-            <a:r>
-              <a:rPr lang="en-US" dirty="0">
-                <a:solidFill>
-                  <a:srgbClr val="0000FF"/>
-                </a:solidFill>
-                <a:latin typeface="Consolas" panose="020B0609020204030204" pitchFamily="49" charset="0"/>
-              </a:rPr>
-              <a:t>}</a:t>
-            </a:r>
-            <a:r>
-              <a:rPr lang="en-US" dirty="0">
-                <a:solidFill>
-                  <a:srgbClr val="A31515"/>
-                </a:solidFill>
-                <a:latin typeface="Consolas" panose="020B0609020204030204" pitchFamily="49" charset="0"/>
-              </a:rPr>
-              <a:t>/json/`</a:t>
-            </a:r>
-            <a:r>
-              <a:rPr lang="en-US" dirty="0">
-                <a:solidFill>
-                  <a:srgbClr val="000000"/>
-                </a:solidFill>
-                <a:latin typeface="Consolas" panose="020B0609020204030204" pitchFamily="49" charset="0"/>
-              </a:rPr>
-              <a:t>);</a:t>
-            </a:r>
-          </a:p>
-          <a:p>
-            <a:r>
-              <a:rPr lang="en-US" dirty="0">
-                <a:solidFill>
-                  <a:srgbClr val="0000FF"/>
-                </a:solidFill>
-                <a:latin typeface="Consolas" panose="020B0609020204030204" pitchFamily="49" charset="0"/>
-              </a:rPr>
-              <a:t>let</a:t>
-            </a:r>
-            <a:r>
-              <a:rPr lang="en-US" dirty="0">
-                <a:solidFill>
-                  <a:srgbClr val="000000"/>
-                </a:solidFill>
-                <a:latin typeface="Consolas" panose="020B0609020204030204" pitchFamily="49" charset="0"/>
-              </a:rPr>
-              <a:t> </a:t>
-            </a:r>
-            <a:r>
-              <a:rPr lang="en-US" dirty="0" err="1">
-                <a:solidFill>
-                  <a:srgbClr val="000000"/>
-                </a:solidFill>
-                <a:latin typeface="Consolas" panose="020B0609020204030204" pitchFamily="49" charset="0"/>
-              </a:rPr>
-              <a:t>resultadoCEP</a:t>
-            </a:r>
-            <a:r>
-              <a:rPr lang="en-US" dirty="0">
-                <a:solidFill>
-                  <a:srgbClr val="000000"/>
-                </a:solidFill>
-                <a:latin typeface="Consolas" panose="020B0609020204030204" pitchFamily="49" charset="0"/>
-              </a:rPr>
-              <a:t> = </a:t>
-            </a:r>
-            <a:r>
-              <a:rPr lang="en-US" dirty="0">
-                <a:solidFill>
-                  <a:srgbClr val="0000FF"/>
-                </a:solidFill>
-                <a:latin typeface="Consolas" panose="020B0609020204030204" pitchFamily="49" charset="0"/>
-              </a:rPr>
-              <a:t>await </a:t>
-            </a:r>
-            <a:r>
-              <a:rPr lang="en-US" dirty="0" err="1">
-                <a:solidFill>
-                  <a:srgbClr val="000000"/>
-                </a:solidFill>
-                <a:latin typeface="Consolas" panose="020B0609020204030204" pitchFamily="49" charset="0"/>
-              </a:rPr>
-              <a:t>consultaCEP.json</a:t>
-            </a:r>
-            <a:r>
-              <a:rPr lang="en-US" dirty="0">
-                <a:solidFill>
-                  <a:srgbClr val="000000"/>
-                </a:solidFill>
-                <a:latin typeface="Consolas" panose="020B0609020204030204" pitchFamily="49" charset="0"/>
-              </a:rPr>
-              <a:t>();</a:t>
-            </a:r>
-            <a:endParaRPr lang="en-US" b="0" dirty="0">
-              <a:solidFill>
-                <a:srgbClr val="000000"/>
-              </a:solidFill>
-              <a:effectLst/>
-              <a:latin typeface="Consolas" panose="020B0609020204030204" pitchFamily="49" charset="0"/>
-            </a:endParaRPr>
-          </a:p>
-        </p:txBody>
-      </p:sp>
-    </p:spTree>
-    <p:extLst>
-      <p:ext uri="{BB962C8B-B14F-4D97-AF65-F5344CB8AC3E}">
-        <p14:creationId xmlns:p14="http://schemas.microsoft.com/office/powerpoint/2010/main" val="4031250300"/>
-      </p:ext>
-    </p:extLst>
-  </p:cSld>
-  <p:clrMapOvr>
-    <a:masterClrMapping/>
-  </p:clrMapOvr>
-</p:sld>
-</file>
-
-<file path=ppt/slides/slide11.xml><?xml version="1.0" encoding="utf-8"?>
-<p:sld xmlns:a="http://schemas.openxmlformats.org/drawingml/2006/main" xmlns:r="http://schemas.openxmlformats.org/officeDocument/2006/relationships" xmlns:p="http://schemas.openxmlformats.org/presentationml/2006/main">
-  <p:cSld>
-    <p:spTree>
-      <p:nvGrpSpPr>
-        <p:cNvPr id="1" name=""/>
-        <p:cNvGrpSpPr/>
-        <p:nvPr/>
-      </p:nvGrpSpPr>
-      <p:grpSpPr>
-        <a:xfrm>
-          <a:off x="0" y="0"/>
-          <a:ext cx="0" cy="0"/>
-          <a:chOff x="0" y="0"/>
-          <a:chExt cx="0" cy="0"/>
-        </a:xfrm>
-      </p:grpSpPr>
-      <p:sp>
-        <p:nvSpPr>
-          <p:cNvPr id="2" name="Título 1">
-            <a:extLst>
-              <a:ext uri="{FF2B5EF4-FFF2-40B4-BE49-F238E27FC236}">
-                <a16:creationId xmlns:a16="http://schemas.microsoft.com/office/drawing/2014/main" id="{E466C54C-9501-480D-B70D-C427F93AFB87}"/>
-              </a:ext>
-            </a:extLst>
-          </p:cNvPr>
-          <p:cNvSpPr>
-            <a:spLocks noGrp="1"/>
-          </p:cNvSpPr>
-          <p:nvPr>
-            <p:ph type="title"/>
-          </p:nvPr>
-        </p:nvSpPr>
-        <p:spPr/>
-        <p:txBody>
-          <a:bodyPr/>
-          <a:lstStyle/>
-          <a:p>
-            <a:r>
-              <a:rPr lang="pt-BR" dirty="0"/>
-              <a:t> O que é </a:t>
-            </a:r>
-            <a:r>
-              <a:rPr lang="pt-BR" dirty="0" err="1"/>
-              <a:t>try</a:t>
-            </a:r>
-            <a:r>
-              <a:rPr lang="pt-BR" dirty="0"/>
-              <a:t>...catch?</a:t>
-            </a:r>
-          </a:p>
-        </p:txBody>
-      </p:sp>
-      <p:sp>
-        <p:nvSpPr>
-          <p:cNvPr id="3" name="Espaço Reservado para Conteúdo 2">
-            <a:extLst>
-              <a:ext uri="{FF2B5EF4-FFF2-40B4-BE49-F238E27FC236}">
-                <a16:creationId xmlns:a16="http://schemas.microsoft.com/office/drawing/2014/main" id="{D9770214-B038-4AA3-A92D-CF996BDD028A}"/>
-              </a:ext>
-            </a:extLst>
-          </p:cNvPr>
-          <p:cNvSpPr>
-            <a:spLocks noGrp="1"/>
-          </p:cNvSpPr>
-          <p:nvPr>
-            <p:ph idx="1"/>
-          </p:nvPr>
-        </p:nvSpPr>
-        <p:spPr>
-          <a:xfrm>
-            <a:off x="592347" y="1844675"/>
-            <a:ext cx="11007306" cy="2327275"/>
-          </a:xfrm>
-        </p:spPr>
-        <p:txBody>
-          <a:bodyPr/>
-          <a:lstStyle/>
-          <a:p>
-            <a:pPr>
-              <a:spcBef>
-                <a:spcPts val="0"/>
-              </a:spcBef>
-            </a:pPr>
-            <a:r>
-              <a:rPr lang="pt-BR" sz="1800" dirty="0"/>
-              <a:t>Ao trabalhar com </a:t>
-            </a:r>
-            <a:r>
-              <a:rPr lang="pt-BR" sz="1800" dirty="0" err="1"/>
-              <a:t>Promises</a:t>
-            </a:r>
-            <a:r>
-              <a:rPr lang="pt-BR" sz="1800" dirty="0"/>
-              <a:t> e operações assíncronas, erros podem acontecer, e o </a:t>
-            </a:r>
-            <a:r>
-              <a:rPr lang="pt-BR" sz="1800" dirty="0" err="1"/>
-              <a:t>try</a:t>
-            </a:r>
-            <a:r>
-              <a:rPr lang="pt-BR" sz="1800" dirty="0"/>
-              <a:t>...catch nos ajuda a capturá-los, evitando que o programa quebre. Esse mecanismo de tratamento de erros permite "tentar" executar um bloco de código (</a:t>
-            </a:r>
-            <a:r>
-              <a:rPr lang="pt-BR" sz="1800" dirty="0" err="1"/>
-              <a:t>try</a:t>
-            </a:r>
-            <a:r>
-              <a:rPr lang="pt-BR" sz="1800" dirty="0"/>
-              <a:t>) e, caso ocorra um erro, capturá-lo (catch) para tratá-lo de forma adequada. Sem o </a:t>
-            </a:r>
-            <a:r>
-              <a:rPr lang="pt-BR" sz="1800" dirty="0" err="1"/>
-              <a:t>try</a:t>
-            </a:r>
-            <a:r>
-              <a:rPr lang="pt-BR" sz="1800" dirty="0"/>
-              <a:t>...catch, um erro pode interromper toda a execução do código, prejudicando a experiência do usuário e dificultando a depuração.</a:t>
-            </a:r>
-          </a:p>
-          <a:p>
-            <a:pPr>
-              <a:spcBef>
-                <a:spcPts val="0"/>
-              </a:spcBef>
-            </a:pPr>
-            <a:r>
-              <a:rPr lang="pt-BR" sz="1800" dirty="0"/>
-              <a:t>Sintaxe:</a:t>
-            </a:r>
-          </a:p>
-        </p:txBody>
-      </p:sp>
-      <p:sp>
-        <p:nvSpPr>
-          <p:cNvPr id="5" name="Retângulo 4">
-            <a:extLst>
-              <a:ext uri="{FF2B5EF4-FFF2-40B4-BE49-F238E27FC236}">
-                <a16:creationId xmlns:a16="http://schemas.microsoft.com/office/drawing/2014/main" id="{276625E7-0554-4546-B7FC-7F430E347D22}"/>
-              </a:ext>
-            </a:extLst>
-          </p:cNvPr>
-          <p:cNvSpPr/>
-          <p:nvPr/>
-        </p:nvSpPr>
-        <p:spPr>
-          <a:xfrm>
-            <a:off x="4938712" y="4713632"/>
-            <a:ext cx="2314575" cy="1354217"/>
-          </a:xfrm>
-          <a:prstGeom prst="rect">
-            <a:avLst/>
-          </a:prstGeom>
-        </p:spPr>
-        <p:txBody>
-          <a:bodyPr wrap="square">
-            <a:spAutoFit/>
-          </a:bodyPr>
-          <a:lstStyle/>
-          <a:p>
-            <a:pPr>
-              <a:spcBef>
-                <a:spcPts val="150"/>
-              </a:spcBef>
-              <a:spcAft>
-                <a:spcPts val="150"/>
-              </a:spcAft>
-            </a:pPr>
-            <a:r>
-              <a:rPr lang="pt-BR" dirty="0" err="1">
-                <a:solidFill>
-                  <a:srgbClr val="0000FF"/>
-                </a:solidFill>
-                <a:latin typeface="Consolas" panose="020B0609020204030204" pitchFamily="49" charset="0"/>
-              </a:rPr>
-              <a:t>try</a:t>
-            </a:r>
-            <a:r>
-              <a:rPr lang="pt-BR" dirty="0">
-                <a:solidFill>
-                  <a:srgbClr val="000000"/>
-                </a:solidFill>
-                <a:latin typeface="Consolas" panose="020B0609020204030204" pitchFamily="49" charset="0"/>
-              </a:rPr>
-              <a:t> {</a:t>
-            </a:r>
-          </a:p>
-          <a:p>
-            <a:pPr>
-              <a:spcBef>
-                <a:spcPts val="150"/>
-              </a:spcBef>
-              <a:spcAft>
-                <a:spcPts val="150"/>
-              </a:spcAft>
-            </a:pPr>
-            <a:r>
-              <a:rPr lang="pt-BR" dirty="0">
-                <a:solidFill>
-                  <a:srgbClr val="000000"/>
-                </a:solidFill>
-                <a:latin typeface="Consolas" panose="020B0609020204030204" pitchFamily="49" charset="0"/>
-              </a:rPr>
-              <a:t>}</a:t>
-            </a:r>
-          </a:p>
-          <a:p>
-            <a:pPr>
-              <a:spcBef>
-                <a:spcPts val="150"/>
-              </a:spcBef>
-              <a:spcAft>
-                <a:spcPts val="150"/>
-              </a:spcAft>
-            </a:pPr>
-            <a:r>
-              <a:rPr lang="pt-BR" dirty="0">
-                <a:solidFill>
-                  <a:srgbClr val="0000FF"/>
-                </a:solidFill>
-                <a:latin typeface="Consolas" panose="020B0609020204030204" pitchFamily="49" charset="0"/>
-              </a:rPr>
-              <a:t>catch</a:t>
-            </a:r>
-            <a:r>
-              <a:rPr lang="pt-BR" dirty="0">
-                <a:solidFill>
-                  <a:srgbClr val="000000"/>
-                </a:solidFill>
-                <a:latin typeface="Consolas" panose="020B0609020204030204" pitchFamily="49" charset="0"/>
-              </a:rPr>
-              <a:t> (erro) { </a:t>
-            </a:r>
-          </a:p>
-          <a:p>
-            <a:pPr>
-              <a:spcBef>
-                <a:spcPts val="150"/>
-              </a:spcBef>
-              <a:spcAft>
-                <a:spcPts val="150"/>
-              </a:spcAft>
-            </a:pPr>
-            <a:r>
-              <a:rPr lang="pt-BR" dirty="0">
-                <a:solidFill>
-                  <a:srgbClr val="000000"/>
-                </a:solidFill>
-                <a:latin typeface="Consolas" panose="020B0609020204030204" pitchFamily="49" charset="0"/>
-              </a:rPr>
-              <a:t>}</a:t>
-            </a:r>
-            <a:endParaRPr lang="pt-BR" b="0" dirty="0">
-              <a:solidFill>
-                <a:srgbClr val="000000"/>
-              </a:solidFill>
-              <a:effectLst/>
-              <a:latin typeface="Consolas" panose="020B0609020204030204" pitchFamily="49" charset="0"/>
-            </a:endParaRPr>
-          </a:p>
-        </p:txBody>
-      </p:sp>
-    </p:spTree>
-    <p:extLst>
-      <p:ext uri="{BB962C8B-B14F-4D97-AF65-F5344CB8AC3E}">
-        <p14:creationId xmlns:p14="http://schemas.microsoft.com/office/powerpoint/2010/main" val="3254815897"/>
-      </p:ext>
-    </p:extLst>
-  </p:cSld>
-  <p:clrMapOvr>
-    <a:masterClrMapping/>
-  </p:clrMapOvr>
-</p:sld>
-</file>
-
-<file path=ppt/slides/slide12.xml><?xml version="1.0" encoding="utf-8"?>
-<p:sld xmlns:a="http://schemas.openxmlformats.org/drawingml/2006/main" xmlns:r="http://schemas.openxmlformats.org/officeDocument/2006/relationships" xmlns:p="http://schemas.openxmlformats.org/presentationml/2006/main">
-  <p:cSld>
-    <p:spTree>
-      <p:nvGrpSpPr>
-        <p:cNvPr id="1" name=""/>
-        <p:cNvGrpSpPr/>
-        <p:nvPr/>
-      </p:nvGrpSpPr>
-      <p:grpSpPr>
-        <a:xfrm>
-          <a:off x="0" y="0"/>
-          <a:ext cx="0" cy="0"/>
-          <a:chOff x="0" y="0"/>
-          <a:chExt cx="0" cy="0"/>
-        </a:xfrm>
-      </p:grpSpPr>
-      <p:sp>
-        <p:nvSpPr>
-          <p:cNvPr id="2" name="Título 1">
-            <a:extLst>
-              <a:ext uri="{FF2B5EF4-FFF2-40B4-BE49-F238E27FC236}">
-                <a16:creationId xmlns:a16="http://schemas.microsoft.com/office/drawing/2014/main" id="{E466C54C-9501-480D-B70D-C427F93AFB87}"/>
-              </a:ext>
-            </a:extLst>
-          </p:cNvPr>
-          <p:cNvSpPr>
-            <a:spLocks noGrp="1"/>
-          </p:cNvSpPr>
-          <p:nvPr>
-            <p:ph type="title"/>
-          </p:nvPr>
-        </p:nvSpPr>
-        <p:spPr/>
-        <p:txBody>
-          <a:bodyPr/>
-          <a:lstStyle/>
-          <a:p>
-            <a:r>
-              <a:rPr lang="pt-BR" dirty="0"/>
-              <a:t>Exemplo com </a:t>
-            </a:r>
-            <a:r>
-              <a:rPr lang="pt-BR" dirty="0" err="1"/>
-              <a:t>Promisse</a:t>
-            </a:r>
-            <a:endParaRPr lang="pt-BR" dirty="0"/>
-          </a:p>
-        </p:txBody>
-      </p:sp>
-      <p:sp>
-        <p:nvSpPr>
-          <p:cNvPr id="7" name="Retângulo 6">
-            <a:extLst>
-              <a:ext uri="{FF2B5EF4-FFF2-40B4-BE49-F238E27FC236}">
-                <a16:creationId xmlns:a16="http://schemas.microsoft.com/office/drawing/2014/main" id="{4B81BB7B-6459-462A-BF50-A53A3DA34A04}"/>
-              </a:ext>
-            </a:extLst>
-          </p:cNvPr>
-          <p:cNvSpPr/>
-          <p:nvPr/>
-        </p:nvSpPr>
-        <p:spPr>
-          <a:xfrm>
-            <a:off x="1188980" y="2138037"/>
-            <a:ext cx="9814040" cy="3970318"/>
-          </a:xfrm>
-          <a:prstGeom prst="rect">
-            <a:avLst/>
-          </a:prstGeom>
-        </p:spPr>
-        <p:txBody>
-          <a:bodyPr wrap="square">
-            <a:spAutoFit/>
-          </a:bodyPr>
-          <a:lstStyle/>
-          <a:p>
-            <a:r>
-              <a:rPr lang="pt-BR" dirty="0" err="1">
-                <a:solidFill>
-                  <a:srgbClr val="0000FF"/>
-                </a:solidFill>
-                <a:latin typeface="Consolas" panose="020B0609020204030204" pitchFamily="49" charset="0"/>
-              </a:rPr>
-              <a:t>async</a:t>
-            </a:r>
-            <a:r>
-              <a:rPr lang="pt-BR" dirty="0">
-                <a:solidFill>
-                  <a:srgbClr val="000000"/>
-                </a:solidFill>
-                <a:latin typeface="Consolas" panose="020B0609020204030204" pitchFamily="49" charset="0"/>
-              </a:rPr>
-              <a:t> </a:t>
-            </a:r>
-            <a:r>
-              <a:rPr lang="pt-BR" dirty="0" err="1">
-                <a:solidFill>
-                  <a:srgbClr val="0000FF"/>
-                </a:solidFill>
-                <a:latin typeface="Consolas" panose="020B0609020204030204" pitchFamily="49" charset="0"/>
-              </a:rPr>
-              <a:t>function</a:t>
-            </a:r>
-            <a:r>
-              <a:rPr lang="pt-BR" dirty="0">
-                <a:solidFill>
-                  <a:srgbClr val="000000"/>
-                </a:solidFill>
-                <a:latin typeface="Consolas" panose="020B0609020204030204" pitchFamily="49" charset="0"/>
-              </a:rPr>
-              <a:t> </a:t>
-            </a:r>
-            <a:r>
-              <a:rPr lang="pt-BR" dirty="0" err="1">
-                <a:solidFill>
-                  <a:srgbClr val="000000"/>
-                </a:solidFill>
-                <a:latin typeface="Consolas" panose="020B0609020204030204" pitchFamily="49" charset="0"/>
-              </a:rPr>
-              <a:t>buscaEndereco</a:t>
-            </a:r>
-            <a:r>
-              <a:rPr lang="pt-BR" dirty="0">
-                <a:solidFill>
-                  <a:srgbClr val="000000"/>
-                </a:solidFill>
-                <a:latin typeface="Consolas" panose="020B0609020204030204" pitchFamily="49" charset="0"/>
-              </a:rPr>
-              <a:t>(cep) {</a:t>
-            </a:r>
-          </a:p>
-          <a:p>
-            <a:r>
-              <a:rPr lang="pt-BR" dirty="0">
-                <a:solidFill>
-                  <a:srgbClr val="000000"/>
-                </a:solidFill>
-                <a:latin typeface="Consolas" panose="020B0609020204030204" pitchFamily="49" charset="0"/>
-              </a:rPr>
-              <a:t>    </a:t>
-            </a:r>
-            <a:r>
-              <a:rPr lang="pt-BR" dirty="0" err="1">
-                <a:solidFill>
-                  <a:srgbClr val="0000FF"/>
-                </a:solidFill>
-                <a:latin typeface="Consolas" panose="020B0609020204030204" pitchFamily="49" charset="0"/>
-              </a:rPr>
-              <a:t>try</a:t>
-            </a:r>
-            <a:r>
-              <a:rPr lang="pt-BR" dirty="0">
-                <a:solidFill>
-                  <a:srgbClr val="000000"/>
-                </a:solidFill>
-                <a:latin typeface="Consolas" panose="020B0609020204030204" pitchFamily="49" charset="0"/>
-              </a:rPr>
-              <a:t> {</a:t>
-            </a:r>
-          </a:p>
-          <a:p>
-            <a:r>
-              <a:rPr lang="pt-BR" dirty="0">
-                <a:solidFill>
-                  <a:srgbClr val="000000"/>
-                </a:solidFill>
-                <a:latin typeface="Consolas" panose="020B0609020204030204" pitchFamily="49" charset="0"/>
-              </a:rPr>
-              <a:t>        </a:t>
-            </a:r>
-            <a:r>
-              <a:rPr lang="pt-BR" dirty="0" err="1">
-                <a:solidFill>
-                  <a:srgbClr val="0000FF"/>
-                </a:solidFill>
-                <a:latin typeface="Consolas" panose="020B0609020204030204" pitchFamily="49" charset="0"/>
-              </a:rPr>
-              <a:t>let</a:t>
-            </a:r>
-            <a:r>
-              <a:rPr lang="pt-BR" dirty="0">
-                <a:solidFill>
-                  <a:srgbClr val="000000"/>
-                </a:solidFill>
-                <a:latin typeface="Consolas" panose="020B0609020204030204" pitchFamily="49" charset="0"/>
-              </a:rPr>
-              <a:t> resposta = </a:t>
-            </a:r>
-            <a:r>
-              <a:rPr lang="pt-BR" dirty="0" err="1">
-                <a:solidFill>
-                  <a:srgbClr val="0000FF"/>
-                </a:solidFill>
-                <a:latin typeface="Consolas" panose="020B0609020204030204" pitchFamily="49" charset="0"/>
-              </a:rPr>
-              <a:t>await</a:t>
-            </a:r>
-            <a:r>
-              <a:rPr lang="pt-BR" dirty="0">
-                <a:solidFill>
-                  <a:srgbClr val="000000"/>
-                </a:solidFill>
-                <a:latin typeface="Consolas" panose="020B0609020204030204" pitchFamily="49" charset="0"/>
-              </a:rPr>
-              <a:t> </a:t>
-            </a:r>
-            <a:r>
-              <a:rPr lang="pt-BR" dirty="0" err="1">
-                <a:solidFill>
-                  <a:srgbClr val="000000"/>
-                </a:solidFill>
-                <a:latin typeface="Consolas" panose="020B0609020204030204" pitchFamily="49" charset="0"/>
-              </a:rPr>
-              <a:t>fetch</a:t>
-            </a:r>
-            <a:r>
-              <a:rPr lang="pt-BR" dirty="0">
-                <a:solidFill>
-                  <a:srgbClr val="000000"/>
-                </a:solidFill>
-                <a:latin typeface="Consolas" panose="020B0609020204030204" pitchFamily="49" charset="0"/>
-              </a:rPr>
-              <a:t>(</a:t>
-            </a:r>
-            <a:r>
-              <a:rPr lang="pt-BR" dirty="0">
-                <a:solidFill>
-                  <a:srgbClr val="A31515"/>
-                </a:solidFill>
-                <a:latin typeface="Consolas" panose="020B0609020204030204" pitchFamily="49" charset="0"/>
-              </a:rPr>
-              <a:t>`https://viacep.com.br/ws/</a:t>
-            </a:r>
-            <a:r>
-              <a:rPr lang="pt-BR" dirty="0">
-                <a:solidFill>
-                  <a:srgbClr val="0000FF"/>
-                </a:solidFill>
-                <a:latin typeface="Consolas" panose="020B0609020204030204" pitchFamily="49" charset="0"/>
-              </a:rPr>
-              <a:t>${</a:t>
-            </a:r>
-            <a:r>
-              <a:rPr lang="pt-BR" dirty="0">
-                <a:solidFill>
-                  <a:srgbClr val="000000"/>
-                </a:solidFill>
-                <a:latin typeface="Consolas" panose="020B0609020204030204" pitchFamily="49" charset="0"/>
-              </a:rPr>
-              <a:t>cep</a:t>
-            </a:r>
-            <a:r>
-              <a:rPr lang="pt-BR" dirty="0">
-                <a:solidFill>
-                  <a:srgbClr val="0000FF"/>
-                </a:solidFill>
-                <a:latin typeface="Consolas" panose="020B0609020204030204" pitchFamily="49" charset="0"/>
-              </a:rPr>
-              <a:t>}</a:t>
-            </a:r>
-            <a:r>
-              <a:rPr lang="pt-BR" dirty="0">
-                <a:solidFill>
-                  <a:srgbClr val="A31515"/>
-                </a:solidFill>
-                <a:latin typeface="Consolas" panose="020B0609020204030204" pitchFamily="49" charset="0"/>
-              </a:rPr>
-              <a:t>/</a:t>
-            </a:r>
-            <a:r>
-              <a:rPr lang="pt-BR" dirty="0" err="1">
-                <a:solidFill>
-                  <a:srgbClr val="A31515"/>
-                </a:solidFill>
-                <a:latin typeface="Consolas" panose="020B0609020204030204" pitchFamily="49" charset="0"/>
-              </a:rPr>
-              <a:t>json</a:t>
-            </a:r>
-            <a:r>
-              <a:rPr lang="pt-BR" dirty="0">
-                <a:solidFill>
-                  <a:srgbClr val="A31515"/>
-                </a:solidFill>
-                <a:latin typeface="Consolas" panose="020B0609020204030204" pitchFamily="49" charset="0"/>
-              </a:rPr>
-              <a:t>/`</a:t>
-            </a:r>
-            <a:r>
-              <a:rPr lang="pt-BR" dirty="0">
-                <a:solidFill>
-                  <a:srgbClr val="000000"/>
-                </a:solidFill>
-                <a:latin typeface="Consolas" panose="020B0609020204030204" pitchFamily="49" charset="0"/>
-              </a:rPr>
-              <a:t>);</a:t>
-            </a:r>
-          </a:p>
-          <a:p>
-            <a:r>
-              <a:rPr lang="pt-BR" dirty="0">
-                <a:solidFill>
-                  <a:srgbClr val="000000"/>
-                </a:solidFill>
-                <a:latin typeface="Consolas" panose="020B0609020204030204" pitchFamily="49" charset="0"/>
-              </a:rPr>
-              <a:t>        </a:t>
-            </a:r>
-            <a:r>
-              <a:rPr lang="pt-BR" dirty="0" err="1">
-                <a:solidFill>
-                  <a:srgbClr val="0000FF"/>
-                </a:solidFill>
-                <a:latin typeface="Consolas" panose="020B0609020204030204" pitchFamily="49" charset="0"/>
-              </a:rPr>
-              <a:t>let</a:t>
-            </a:r>
-            <a:r>
-              <a:rPr lang="pt-BR" dirty="0">
-                <a:solidFill>
-                  <a:srgbClr val="000000"/>
-                </a:solidFill>
-                <a:latin typeface="Consolas" panose="020B0609020204030204" pitchFamily="49" charset="0"/>
-              </a:rPr>
-              <a:t> dados = </a:t>
-            </a:r>
-            <a:r>
-              <a:rPr lang="pt-BR" dirty="0" err="1">
-                <a:solidFill>
-                  <a:srgbClr val="0000FF"/>
-                </a:solidFill>
-                <a:latin typeface="Consolas" panose="020B0609020204030204" pitchFamily="49" charset="0"/>
-              </a:rPr>
-              <a:t>await</a:t>
-            </a:r>
-            <a:r>
-              <a:rPr lang="pt-BR" dirty="0">
-                <a:solidFill>
-                  <a:srgbClr val="000000"/>
-                </a:solidFill>
-                <a:latin typeface="Consolas" panose="020B0609020204030204" pitchFamily="49" charset="0"/>
-              </a:rPr>
-              <a:t> </a:t>
-            </a:r>
-            <a:r>
-              <a:rPr lang="pt-BR" dirty="0" err="1">
-                <a:solidFill>
-                  <a:srgbClr val="000000"/>
-                </a:solidFill>
-                <a:latin typeface="Consolas" panose="020B0609020204030204" pitchFamily="49" charset="0"/>
-              </a:rPr>
-              <a:t>resposta.json</a:t>
-            </a:r>
-            <a:r>
-              <a:rPr lang="pt-BR" dirty="0">
-                <a:solidFill>
-                  <a:srgbClr val="000000"/>
-                </a:solidFill>
-                <a:latin typeface="Consolas" panose="020B0609020204030204" pitchFamily="49" charset="0"/>
-              </a:rPr>
-              <a:t>();</a:t>
-            </a:r>
-          </a:p>
-          <a:p>
-            <a:br>
-              <a:rPr lang="pt-BR" dirty="0">
-                <a:solidFill>
-                  <a:srgbClr val="000000"/>
-                </a:solidFill>
-                <a:latin typeface="Consolas" panose="020B0609020204030204" pitchFamily="49" charset="0"/>
-              </a:rPr>
-            </a:br>
-            <a:r>
-              <a:rPr lang="pt-BR" dirty="0">
-                <a:solidFill>
-                  <a:srgbClr val="000000"/>
-                </a:solidFill>
-                <a:latin typeface="Consolas" panose="020B0609020204030204" pitchFamily="49" charset="0"/>
-              </a:rPr>
-              <a:t>        </a:t>
-            </a:r>
-            <a:r>
-              <a:rPr lang="pt-BR" dirty="0">
-                <a:solidFill>
-                  <a:srgbClr val="0000FF"/>
-                </a:solidFill>
-                <a:latin typeface="Consolas" panose="020B0609020204030204" pitchFamily="49" charset="0"/>
-              </a:rPr>
-              <a:t>if</a:t>
-            </a:r>
-            <a:r>
-              <a:rPr lang="pt-BR" dirty="0">
-                <a:solidFill>
-                  <a:srgbClr val="000000"/>
-                </a:solidFill>
-                <a:latin typeface="Consolas" panose="020B0609020204030204" pitchFamily="49" charset="0"/>
-              </a:rPr>
-              <a:t> (</a:t>
-            </a:r>
-            <a:r>
-              <a:rPr lang="pt-BR" dirty="0" err="1">
-                <a:solidFill>
-                  <a:srgbClr val="000000"/>
-                </a:solidFill>
-                <a:latin typeface="Consolas" panose="020B0609020204030204" pitchFamily="49" charset="0"/>
-              </a:rPr>
-              <a:t>dados.erro</a:t>
-            </a:r>
-            <a:r>
-              <a:rPr lang="pt-BR" dirty="0">
-                <a:solidFill>
-                  <a:srgbClr val="000000"/>
-                </a:solidFill>
-                <a:latin typeface="Consolas" panose="020B0609020204030204" pitchFamily="49" charset="0"/>
-              </a:rPr>
-              <a:t>) { </a:t>
-            </a:r>
-          </a:p>
-          <a:p>
-            <a:r>
-              <a:rPr lang="pt-BR" dirty="0">
-                <a:solidFill>
-                  <a:srgbClr val="000000"/>
-                </a:solidFill>
-                <a:latin typeface="Consolas" panose="020B0609020204030204" pitchFamily="49" charset="0"/>
-              </a:rPr>
-              <a:t>            </a:t>
-            </a:r>
-            <a:r>
-              <a:rPr lang="pt-BR" dirty="0" err="1">
-                <a:solidFill>
-                  <a:srgbClr val="0000FF"/>
-                </a:solidFill>
-                <a:latin typeface="Consolas" panose="020B0609020204030204" pitchFamily="49" charset="0"/>
-              </a:rPr>
-              <a:t>throw</a:t>
-            </a:r>
-            <a:r>
-              <a:rPr lang="pt-BR" dirty="0">
-                <a:solidFill>
-                  <a:srgbClr val="000000"/>
-                </a:solidFill>
-                <a:latin typeface="Consolas" panose="020B0609020204030204" pitchFamily="49" charset="0"/>
-              </a:rPr>
-              <a:t> </a:t>
-            </a:r>
-            <a:r>
-              <a:rPr lang="pt-BR" dirty="0">
-                <a:solidFill>
-                  <a:srgbClr val="0000FF"/>
-                </a:solidFill>
-                <a:latin typeface="Consolas" panose="020B0609020204030204" pitchFamily="49" charset="0"/>
-              </a:rPr>
-              <a:t>new</a:t>
-            </a:r>
-            <a:r>
-              <a:rPr lang="pt-BR" dirty="0">
-                <a:solidFill>
-                  <a:srgbClr val="000000"/>
-                </a:solidFill>
-                <a:latin typeface="Consolas" panose="020B0609020204030204" pitchFamily="49" charset="0"/>
-              </a:rPr>
-              <a:t> </a:t>
-            </a:r>
-            <a:r>
-              <a:rPr lang="pt-BR" dirty="0" err="1">
-                <a:solidFill>
-                  <a:srgbClr val="000000"/>
-                </a:solidFill>
-                <a:latin typeface="Consolas" panose="020B0609020204030204" pitchFamily="49" charset="0"/>
-              </a:rPr>
-              <a:t>Error</a:t>
-            </a:r>
-            <a:r>
-              <a:rPr lang="pt-BR" dirty="0">
-                <a:solidFill>
-                  <a:srgbClr val="000000"/>
-                </a:solidFill>
-                <a:latin typeface="Consolas" panose="020B0609020204030204" pitchFamily="49" charset="0"/>
-              </a:rPr>
-              <a:t>(</a:t>
-            </a:r>
-            <a:r>
-              <a:rPr lang="pt-BR" dirty="0">
-                <a:solidFill>
-                  <a:srgbClr val="A31515"/>
-                </a:solidFill>
-                <a:latin typeface="Consolas" panose="020B0609020204030204" pitchFamily="49" charset="0"/>
-              </a:rPr>
-              <a:t>"CEP inexistente"</a:t>
-            </a:r>
-            <a:r>
-              <a:rPr lang="pt-BR" dirty="0">
-                <a:solidFill>
-                  <a:srgbClr val="000000"/>
-                </a:solidFill>
-                <a:latin typeface="Consolas" panose="020B0609020204030204" pitchFamily="49" charset="0"/>
-              </a:rPr>
-              <a:t>);</a:t>
-            </a:r>
-          </a:p>
-          <a:p>
-            <a:r>
-              <a:rPr lang="pt-BR" dirty="0">
-                <a:solidFill>
-                  <a:srgbClr val="000000"/>
-                </a:solidFill>
-                <a:latin typeface="Consolas" panose="020B0609020204030204" pitchFamily="49" charset="0"/>
-              </a:rPr>
-              <a:t>        }</a:t>
-            </a:r>
-          </a:p>
-          <a:p>
-            <a:br>
-              <a:rPr lang="pt-BR" dirty="0">
-                <a:solidFill>
-                  <a:srgbClr val="000000"/>
-                </a:solidFill>
-                <a:latin typeface="Consolas" panose="020B0609020204030204" pitchFamily="49" charset="0"/>
-              </a:rPr>
-            </a:br>
-            <a:r>
-              <a:rPr lang="pt-BR" dirty="0">
-                <a:solidFill>
-                  <a:srgbClr val="000000"/>
-                </a:solidFill>
-                <a:latin typeface="Consolas" panose="020B0609020204030204" pitchFamily="49" charset="0"/>
-              </a:rPr>
-              <a:t>        console.log(dados);</a:t>
-            </a:r>
-          </a:p>
-          <a:p>
-            <a:r>
-              <a:rPr lang="pt-BR" dirty="0">
-                <a:solidFill>
-                  <a:srgbClr val="000000"/>
-                </a:solidFill>
-                <a:latin typeface="Consolas" panose="020B0609020204030204" pitchFamily="49" charset="0"/>
-              </a:rPr>
-              <a:t>    } </a:t>
-            </a:r>
-            <a:r>
-              <a:rPr lang="pt-BR" dirty="0">
-                <a:solidFill>
-                  <a:srgbClr val="0000FF"/>
-                </a:solidFill>
-                <a:latin typeface="Consolas" panose="020B0609020204030204" pitchFamily="49" charset="0"/>
-              </a:rPr>
-              <a:t>catch</a:t>
-            </a:r>
-            <a:r>
-              <a:rPr lang="pt-BR" dirty="0">
-                <a:solidFill>
-                  <a:srgbClr val="000000"/>
-                </a:solidFill>
-                <a:latin typeface="Consolas" panose="020B0609020204030204" pitchFamily="49" charset="0"/>
-              </a:rPr>
-              <a:t> (erro) {</a:t>
-            </a:r>
-          </a:p>
-          <a:p>
-            <a:r>
-              <a:rPr lang="pt-BR" dirty="0">
-                <a:solidFill>
-                  <a:srgbClr val="000000"/>
-                </a:solidFill>
-                <a:latin typeface="Consolas" panose="020B0609020204030204" pitchFamily="49" charset="0"/>
-              </a:rPr>
-              <a:t>        </a:t>
-            </a:r>
-            <a:r>
-              <a:rPr lang="pt-BR" dirty="0" err="1">
-                <a:solidFill>
-                  <a:srgbClr val="000000"/>
-                </a:solidFill>
-                <a:latin typeface="Consolas" panose="020B0609020204030204" pitchFamily="49" charset="0"/>
-              </a:rPr>
-              <a:t>console.error</a:t>
-            </a:r>
-            <a:r>
-              <a:rPr lang="pt-BR" dirty="0">
-                <a:solidFill>
-                  <a:srgbClr val="000000"/>
-                </a:solidFill>
-                <a:latin typeface="Consolas" panose="020B0609020204030204" pitchFamily="49" charset="0"/>
-              </a:rPr>
-              <a:t>(</a:t>
-            </a:r>
-            <a:r>
-              <a:rPr lang="pt-BR" dirty="0">
-                <a:solidFill>
-                  <a:srgbClr val="A31515"/>
-                </a:solidFill>
-                <a:latin typeface="Consolas" panose="020B0609020204030204" pitchFamily="49" charset="0"/>
-              </a:rPr>
-              <a:t>"Erro ao buscar o CEP:"</a:t>
-            </a:r>
-            <a:r>
-              <a:rPr lang="pt-BR" dirty="0">
-                <a:solidFill>
-                  <a:srgbClr val="000000"/>
-                </a:solidFill>
-                <a:latin typeface="Consolas" panose="020B0609020204030204" pitchFamily="49" charset="0"/>
-              </a:rPr>
-              <a:t>, </a:t>
-            </a:r>
-            <a:r>
-              <a:rPr lang="pt-BR" dirty="0" err="1">
-                <a:solidFill>
-                  <a:srgbClr val="000000"/>
-                </a:solidFill>
-                <a:latin typeface="Consolas" panose="020B0609020204030204" pitchFamily="49" charset="0"/>
-              </a:rPr>
-              <a:t>erro.message</a:t>
-            </a:r>
-            <a:r>
-              <a:rPr lang="pt-BR" dirty="0">
-                <a:solidFill>
-                  <a:srgbClr val="000000"/>
-                </a:solidFill>
-                <a:latin typeface="Consolas" panose="020B0609020204030204" pitchFamily="49" charset="0"/>
-              </a:rPr>
-              <a:t>);</a:t>
-            </a:r>
-          </a:p>
-          <a:p>
-            <a:r>
-              <a:rPr lang="pt-BR" dirty="0">
-                <a:solidFill>
-                  <a:srgbClr val="000000"/>
-                </a:solidFill>
-                <a:latin typeface="Consolas" panose="020B0609020204030204" pitchFamily="49" charset="0"/>
-              </a:rPr>
-              <a:t>    }</a:t>
-            </a:r>
-          </a:p>
-          <a:p>
-            <a:r>
-              <a:rPr lang="pt-BR" b="0" dirty="0">
-                <a:solidFill>
-                  <a:srgbClr val="000000"/>
-                </a:solidFill>
-                <a:effectLst/>
-                <a:latin typeface="Consolas" panose="020B0609020204030204" pitchFamily="49" charset="0"/>
-              </a:rPr>
-              <a:t>}</a:t>
-            </a:r>
-          </a:p>
-        </p:txBody>
-      </p:sp>
-    </p:spTree>
-    <p:extLst>
-      <p:ext uri="{BB962C8B-B14F-4D97-AF65-F5344CB8AC3E}">
-        <p14:creationId xmlns:p14="http://schemas.microsoft.com/office/powerpoint/2010/main" val="2085637933"/>
-      </p:ext>
-    </p:extLst>
-  </p:cSld>
-  <p:clrMapOvr>
-    <a:masterClrMapping/>
-  </p:clrMapOvr>
-</p:sld>
-</file>
-
-<file path=ppt/slides/slide13.xml><?xml version="1.0" encoding="utf-8"?>
-<p:sld xmlns:a="http://schemas.openxmlformats.org/drawingml/2006/main" xmlns:r="http://schemas.openxmlformats.org/officeDocument/2006/relationships" xmlns:p="http://schemas.openxmlformats.org/presentationml/2006/main">
-  <p:cSld>
-    <p:spTree>
-      <p:nvGrpSpPr>
-        <p:cNvPr id="1" name=""/>
-        <p:cNvGrpSpPr/>
-        <p:nvPr/>
-      </p:nvGrpSpPr>
-      <p:grpSpPr>
-        <a:xfrm>
-          <a:off x="0" y="0"/>
-          <a:ext cx="0" cy="0"/>
-          <a:chOff x="0" y="0"/>
-          <a:chExt cx="0" cy="0"/>
-        </a:xfrm>
-      </p:grpSpPr>
-      <p:sp>
-        <p:nvSpPr>
-          <p:cNvPr id="2" name="Título 1">
-            <a:extLst>
-              <a:ext uri="{FF2B5EF4-FFF2-40B4-BE49-F238E27FC236}">
-                <a16:creationId xmlns:a16="http://schemas.microsoft.com/office/drawing/2014/main" id="{6C641606-8D52-40E3-9E26-74BF33E60F6C}"/>
-              </a:ext>
-            </a:extLst>
-          </p:cNvPr>
-          <p:cNvSpPr>
-            <a:spLocks noGrp="1"/>
-          </p:cNvSpPr>
-          <p:nvPr>
-            <p:ph type="title"/>
-          </p:nvPr>
-        </p:nvSpPr>
-        <p:spPr/>
-        <p:txBody>
-          <a:bodyPr/>
-          <a:lstStyle/>
-          <a:p>
-            <a:r>
-              <a:rPr lang="pt-BR" dirty="0"/>
-              <a:t>O que é o </a:t>
-            </a:r>
-            <a:r>
-              <a:rPr lang="pt-BR" dirty="0" err="1"/>
-              <a:t>throw</a:t>
-            </a:r>
-            <a:r>
-              <a:rPr lang="pt-BR" dirty="0"/>
-              <a:t> </a:t>
-            </a:r>
-            <a:r>
-              <a:rPr lang="pt-BR" dirty="0" err="1"/>
-              <a:t>Error</a:t>
-            </a:r>
-            <a:r>
-              <a:rPr lang="pt-BR" dirty="0"/>
-              <a:t> ?</a:t>
-            </a:r>
-            <a:br>
-              <a:rPr lang="pt-BR" dirty="0"/>
-            </a:br>
-            <a:endParaRPr lang="pt-BR" dirty="0"/>
-          </a:p>
-        </p:txBody>
-      </p:sp>
-      <p:sp>
-        <p:nvSpPr>
-          <p:cNvPr id="3" name="Espaço Reservado para Conteúdo 2">
-            <a:extLst>
-              <a:ext uri="{FF2B5EF4-FFF2-40B4-BE49-F238E27FC236}">
-                <a16:creationId xmlns:a16="http://schemas.microsoft.com/office/drawing/2014/main" id="{B71C57F1-A168-43A8-B1FD-4676008AA6BB}"/>
-              </a:ext>
-            </a:extLst>
-          </p:cNvPr>
-          <p:cNvSpPr>
-            <a:spLocks noGrp="1"/>
-          </p:cNvSpPr>
-          <p:nvPr>
-            <p:ph idx="1"/>
-          </p:nvPr>
-        </p:nvSpPr>
-        <p:spPr>
-          <a:xfrm>
-            <a:off x="592347" y="1844675"/>
-            <a:ext cx="11007306" cy="1584325"/>
-          </a:xfrm>
-        </p:spPr>
-        <p:txBody>
-          <a:bodyPr/>
-          <a:lstStyle/>
-          <a:p>
-            <a:r>
-              <a:rPr lang="pt-BR" dirty="0"/>
-              <a:t>O </a:t>
-            </a:r>
-            <a:r>
-              <a:rPr lang="pt-BR" dirty="0" err="1"/>
-              <a:t>throw</a:t>
-            </a:r>
-            <a:r>
-              <a:rPr lang="pt-BR" dirty="0"/>
-              <a:t> </a:t>
-            </a:r>
-            <a:r>
-              <a:rPr lang="pt-BR" dirty="0" err="1"/>
-              <a:t>Error</a:t>
-            </a:r>
-            <a:r>
-              <a:rPr lang="pt-BR" dirty="0"/>
-              <a:t> em </a:t>
-            </a:r>
-            <a:r>
-              <a:rPr lang="pt-BR" dirty="0" err="1"/>
-              <a:t>JavaScript</a:t>
-            </a:r>
-            <a:r>
-              <a:rPr lang="pt-BR" dirty="0"/>
-              <a:t> é usado para lançar um erro manualmente. Quando um erro é lançado, a execução do código é interrompida imediatamente, e o programa busca um bloco catch para lidar com esse erro.</a:t>
-            </a:r>
-          </a:p>
-        </p:txBody>
-      </p:sp>
-      <p:sp>
-        <p:nvSpPr>
-          <p:cNvPr id="5" name="Retângulo 4">
-            <a:extLst>
-              <a:ext uri="{FF2B5EF4-FFF2-40B4-BE49-F238E27FC236}">
-                <a16:creationId xmlns:a16="http://schemas.microsoft.com/office/drawing/2014/main" id="{35FEC75F-F0AC-458C-A8CE-872EC947C6B9}"/>
-              </a:ext>
-            </a:extLst>
-          </p:cNvPr>
-          <p:cNvSpPr/>
-          <p:nvPr/>
-        </p:nvSpPr>
-        <p:spPr>
-          <a:xfrm>
-            <a:off x="1019176" y="3348841"/>
-            <a:ext cx="10296524" cy="3139321"/>
-          </a:xfrm>
-          <a:prstGeom prst="rect">
-            <a:avLst/>
-          </a:prstGeom>
-        </p:spPr>
-        <p:txBody>
-          <a:bodyPr wrap="square">
-            <a:spAutoFit/>
-          </a:bodyPr>
-          <a:lstStyle/>
-          <a:p>
-            <a:r>
-              <a:rPr lang="pt-BR" dirty="0" err="1">
-                <a:solidFill>
-                  <a:srgbClr val="0000FF"/>
-                </a:solidFill>
-                <a:latin typeface="Consolas" panose="020B0609020204030204" pitchFamily="49" charset="0"/>
-              </a:rPr>
-              <a:t>try</a:t>
-            </a:r>
-            <a:r>
-              <a:rPr lang="pt-BR" dirty="0">
-                <a:solidFill>
-                  <a:srgbClr val="000000"/>
-                </a:solidFill>
-                <a:latin typeface="Consolas" panose="020B0609020204030204" pitchFamily="49" charset="0"/>
-              </a:rPr>
-              <a:t> {</a:t>
-            </a:r>
-          </a:p>
-          <a:p>
-            <a:pPr indent="457200"/>
-            <a:r>
-              <a:rPr lang="pt-BR" dirty="0" err="1">
-                <a:solidFill>
-                  <a:srgbClr val="0000FF"/>
-                </a:solidFill>
-                <a:latin typeface="Consolas" panose="020B0609020204030204" pitchFamily="49" charset="0"/>
-              </a:rPr>
-              <a:t>let</a:t>
-            </a:r>
-            <a:r>
-              <a:rPr lang="pt-BR" dirty="0">
-                <a:solidFill>
-                  <a:srgbClr val="000000"/>
-                </a:solidFill>
-                <a:latin typeface="Consolas" panose="020B0609020204030204" pitchFamily="49" charset="0"/>
-              </a:rPr>
-              <a:t> resposta = </a:t>
-            </a:r>
-            <a:r>
-              <a:rPr lang="pt-BR" dirty="0" err="1">
-                <a:solidFill>
-                  <a:srgbClr val="0000FF"/>
-                </a:solidFill>
-                <a:latin typeface="Consolas" panose="020B0609020204030204" pitchFamily="49" charset="0"/>
-              </a:rPr>
-              <a:t>await</a:t>
-            </a:r>
-            <a:r>
-              <a:rPr lang="pt-BR" dirty="0">
-                <a:solidFill>
-                  <a:srgbClr val="000000"/>
-                </a:solidFill>
-                <a:latin typeface="Consolas" panose="020B0609020204030204" pitchFamily="49" charset="0"/>
-              </a:rPr>
-              <a:t> </a:t>
-            </a:r>
-            <a:r>
-              <a:rPr lang="pt-BR" dirty="0" err="1">
-                <a:solidFill>
-                  <a:srgbClr val="000000"/>
-                </a:solidFill>
-                <a:latin typeface="Consolas" panose="020B0609020204030204" pitchFamily="49" charset="0"/>
-              </a:rPr>
-              <a:t>fetch</a:t>
-            </a:r>
-            <a:r>
-              <a:rPr lang="pt-BR" dirty="0">
-                <a:solidFill>
-                  <a:srgbClr val="000000"/>
-                </a:solidFill>
-                <a:latin typeface="Consolas" panose="020B0609020204030204" pitchFamily="49" charset="0"/>
-              </a:rPr>
-              <a:t>(</a:t>
-            </a:r>
-            <a:r>
-              <a:rPr lang="pt-BR" dirty="0">
-                <a:solidFill>
-                  <a:srgbClr val="A31515"/>
-                </a:solidFill>
-                <a:latin typeface="Consolas" panose="020B0609020204030204" pitchFamily="49" charset="0"/>
-              </a:rPr>
-              <a:t>`https://viacep.com.br/ws/</a:t>
-            </a:r>
-            <a:r>
-              <a:rPr lang="pt-BR" dirty="0">
-                <a:solidFill>
-                  <a:srgbClr val="0000FF"/>
-                </a:solidFill>
-                <a:latin typeface="Consolas" panose="020B0609020204030204" pitchFamily="49" charset="0"/>
-              </a:rPr>
-              <a:t>${</a:t>
-            </a:r>
-            <a:r>
-              <a:rPr lang="pt-BR" dirty="0">
-                <a:solidFill>
-                  <a:srgbClr val="000000"/>
-                </a:solidFill>
-                <a:latin typeface="Consolas" panose="020B0609020204030204" pitchFamily="49" charset="0"/>
-              </a:rPr>
-              <a:t>cep</a:t>
-            </a:r>
-            <a:r>
-              <a:rPr lang="pt-BR" dirty="0">
-                <a:solidFill>
-                  <a:srgbClr val="0000FF"/>
-                </a:solidFill>
-                <a:latin typeface="Consolas" panose="020B0609020204030204" pitchFamily="49" charset="0"/>
-              </a:rPr>
-              <a:t>}</a:t>
-            </a:r>
-            <a:r>
-              <a:rPr lang="pt-BR" dirty="0">
-                <a:solidFill>
-                  <a:srgbClr val="A31515"/>
-                </a:solidFill>
-                <a:latin typeface="Consolas" panose="020B0609020204030204" pitchFamily="49" charset="0"/>
-              </a:rPr>
-              <a:t>/</a:t>
-            </a:r>
-            <a:r>
-              <a:rPr lang="pt-BR" dirty="0" err="1">
-                <a:solidFill>
-                  <a:srgbClr val="A31515"/>
-                </a:solidFill>
-                <a:latin typeface="Consolas" panose="020B0609020204030204" pitchFamily="49" charset="0"/>
-              </a:rPr>
-              <a:t>json</a:t>
-            </a:r>
-            <a:r>
-              <a:rPr lang="pt-BR" dirty="0">
-                <a:solidFill>
-                  <a:srgbClr val="A31515"/>
-                </a:solidFill>
-                <a:latin typeface="Consolas" panose="020B0609020204030204" pitchFamily="49" charset="0"/>
-              </a:rPr>
-              <a:t>/`</a:t>
-            </a:r>
-            <a:r>
-              <a:rPr lang="pt-BR" dirty="0">
-                <a:solidFill>
-                  <a:srgbClr val="000000"/>
-                </a:solidFill>
-                <a:latin typeface="Consolas" panose="020B0609020204030204" pitchFamily="49" charset="0"/>
-              </a:rPr>
-              <a:t>);</a:t>
-            </a:r>
-          </a:p>
-          <a:p>
-            <a:pPr indent="457200"/>
-            <a:r>
-              <a:rPr lang="pt-BR" dirty="0" err="1">
-                <a:solidFill>
-                  <a:srgbClr val="0000FF"/>
-                </a:solidFill>
-                <a:latin typeface="Consolas" panose="020B0609020204030204" pitchFamily="49" charset="0"/>
-              </a:rPr>
-              <a:t>let</a:t>
-            </a:r>
-            <a:r>
-              <a:rPr lang="pt-BR" dirty="0">
-                <a:solidFill>
-                  <a:srgbClr val="000000"/>
-                </a:solidFill>
-                <a:latin typeface="Consolas" panose="020B0609020204030204" pitchFamily="49" charset="0"/>
-              </a:rPr>
-              <a:t> dados = </a:t>
-            </a:r>
-            <a:r>
-              <a:rPr lang="pt-BR" dirty="0" err="1">
-                <a:solidFill>
-                  <a:srgbClr val="0000FF"/>
-                </a:solidFill>
-                <a:latin typeface="Consolas" panose="020B0609020204030204" pitchFamily="49" charset="0"/>
-              </a:rPr>
-              <a:t>await</a:t>
-            </a:r>
-            <a:r>
-              <a:rPr lang="pt-BR" dirty="0">
-                <a:solidFill>
-                  <a:srgbClr val="000000"/>
-                </a:solidFill>
-                <a:latin typeface="Consolas" panose="020B0609020204030204" pitchFamily="49" charset="0"/>
-              </a:rPr>
-              <a:t> </a:t>
-            </a:r>
-            <a:r>
-              <a:rPr lang="pt-BR" dirty="0" err="1">
-                <a:solidFill>
-                  <a:srgbClr val="000000"/>
-                </a:solidFill>
-                <a:latin typeface="Consolas" panose="020B0609020204030204" pitchFamily="49" charset="0"/>
-              </a:rPr>
-              <a:t>resposta.json</a:t>
-            </a:r>
-            <a:r>
-              <a:rPr lang="pt-BR" dirty="0">
-                <a:solidFill>
-                  <a:srgbClr val="000000"/>
-                </a:solidFill>
-                <a:latin typeface="Consolas" panose="020B0609020204030204" pitchFamily="49" charset="0"/>
-              </a:rPr>
-              <a:t>();</a:t>
-            </a:r>
-          </a:p>
-          <a:p>
-            <a:pPr indent="457200"/>
-            <a:endParaRPr lang="pt-BR" dirty="0">
-              <a:solidFill>
-                <a:srgbClr val="000000"/>
-              </a:solidFill>
-              <a:latin typeface="Consolas" panose="020B0609020204030204" pitchFamily="49" charset="0"/>
-            </a:endParaRPr>
-          </a:p>
-          <a:p>
-            <a:pPr indent="457200"/>
-            <a:r>
-              <a:rPr lang="pt-BR" dirty="0">
-                <a:solidFill>
-                  <a:srgbClr val="0000FF"/>
-                </a:solidFill>
-                <a:latin typeface="Consolas" panose="020B0609020204030204" pitchFamily="49" charset="0"/>
-              </a:rPr>
-              <a:t>if</a:t>
-            </a:r>
-            <a:r>
-              <a:rPr lang="pt-BR" dirty="0">
-                <a:solidFill>
-                  <a:srgbClr val="000000"/>
-                </a:solidFill>
-                <a:latin typeface="Consolas" panose="020B0609020204030204" pitchFamily="49" charset="0"/>
-              </a:rPr>
-              <a:t> (</a:t>
-            </a:r>
-            <a:r>
-              <a:rPr lang="pt-BR" dirty="0" err="1">
-                <a:solidFill>
-                  <a:srgbClr val="000000"/>
-                </a:solidFill>
-                <a:latin typeface="Consolas" panose="020B0609020204030204" pitchFamily="49" charset="0"/>
-              </a:rPr>
-              <a:t>dados.erro</a:t>
-            </a:r>
-            <a:r>
-              <a:rPr lang="pt-BR" dirty="0">
-                <a:solidFill>
-                  <a:srgbClr val="000000"/>
-                </a:solidFill>
-                <a:latin typeface="Consolas" panose="020B0609020204030204" pitchFamily="49" charset="0"/>
-              </a:rPr>
-              <a:t>) { </a:t>
-            </a:r>
-          </a:p>
-          <a:p>
-            <a:pPr indent="914400"/>
-            <a:r>
-              <a:rPr lang="pt-BR" dirty="0" err="1">
-                <a:solidFill>
-                  <a:srgbClr val="0000FF"/>
-                </a:solidFill>
-                <a:latin typeface="Consolas" panose="020B0609020204030204" pitchFamily="49" charset="0"/>
-              </a:rPr>
-              <a:t>throw</a:t>
-            </a:r>
-            <a:r>
-              <a:rPr lang="pt-BR" dirty="0">
-                <a:solidFill>
-                  <a:srgbClr val="000000"/>
-                </a:solidFill>
-                <a:latin typeface="Consolas" panose="020B0609020204030204" pitchFamily="49" charset="0"/>
-              </a:rPr>
-              <a:t> </a:t>
-            </a:r>
-            <a:r>
-              <a:rPr lang="pt-BR" dirty="0">
-                <a:solidFill>
-                  <a:srgbClr val="0000FF"/>
-                </a:solidFill>
-                <a:latin typeface="Consolas" panose="020B0609020204030204" pitchFamily="49" charset="0"/>
-              </a:rPr>
-              <a:t>new</a:t>
-            </a:r>
-            <a:r>
-              <a:rPr lang="pt-BR" dirty="0">
-                <a:solidFill>
-                  <a:srgbClr val="000000"/>
-                </a:solidFill>
-                <a:latin typeface="Consolas" panose="020B0609020204030204" pitchFamily="49" charset="0"/>
-              </a:rPr>
-              <a:t> </a:t>
-            </a:r>
-            <a:r>
-              <a:rPr lang="pt-BR" dirty="0" err="1">
-                <a:solidFill>
-                  <a:srgbClr val="000000"/>
-                </a:solidFill>
-                <a:latin typeface="Consolas" panose="020B0609020204030204" pitchFamily="49" charset="0"/>
-              </a:rPr>
-              <a:t>Error</a:t>
-            </a:r>
-            <a:r>
-              <a:rPr lang="pt-BR" dirty="0">
-                <a:solidFill>
-                  <a:srgbClr val="000000"/>
-                </a:solidFill>
-                <a:latin typeface="Consolas" panose="020B0609020204030204" pitchFamily="49" charset="0"/>
-              </a:rPr>
-              <a:t>(</a:t>
-            </a:r>
-            <a:r>
-              <a:rPr lang="pt-BR" dirty="0">
-                <a:solidFill>
-                  <a:srgbClr val="A31515"/>
-                </a:solidFill>
-                <a:latin typeface="Consolas" panose="020B0609020204030204" pitchFamily="49" charset="0"/>
-              </a:rPr>
-              <a:t>"CEP inexistente"</a:t>
-            </a:r>
-            <a:r>
-              <a:rPr lang="pt-BR" dirty="0">
-                <a:solidFill>
-                  <a:srgbClr val="000000"/>
-                </a:solidFill>
-                <a:latin typeface="Consolas" panose="020B0609020204030204" pitchFamily="49" charset="0"/>
-              </a:rPr>
-              <a:t>);</a:t>
-            </a:r>
-          </a:p>
-          <a:p>
-            <a:pPr indent="457200"/>
-            <a:r>
-              <a:rPr lang="pt-BR" dirty="0">
-                <a:solidFill>
-                  <a:srgbClr val="000000"/>
-                </a:solidFill>
-                <a:latin typeface="Consolas" panose="020B0609020204030204" pitchFamily="49" charset="0"/>
-              </a:rPr>
-              <a:t>}</a:t>
-            </a:r>
-          </a:p>
-          <a:p>
-            <a:endParaRPr lang="pt-BR" dirty="0">
-              <a:solidFill>
-                <a:srgbClr val="000000"/>
-              </a:solidFill>
-              <a:latin typeface="Consolas" panose="020B0609020204030204" pitchFamily="49" charset="0"/>
-            </a:endParaRPr>
-          </a:p>
-          <a:p>
-            <a:r>
-              <a:rPr lang="pt-BR" dirty="0">
-                <a:solidFill>
-                  <a:srgbClr val="000000"/>
-                </a:solidFill>
-                <a:latin typeface="Consolas" panose="020B0609020204030204" pitchFamily="49" charset="0"/>
-              </a:rPr>
-              <a:t>} </a:t>
-            </a:r>
-            <a:r>
-              <a:rPr lang="pt-BR" dirty="0">
-                <a:solidFill>
-                  <a:srgbClr val="0000FF"/>
-                </a:solidFill>
-                <a:latin typeface="Consolas" panose="020B0609020204030204" pitchFamily="49" charset="0"/>
-              </a:rPr>
-              <a:t>catch</a:t>
-            </a:r>
-            <a:r>
-              <a:rPr lang="pt-BR" dirty="0">
-                <a:solidFill>
-                  <a:srgbClr val="000000"/>
-                </a:solidFill>
-                <a:latin typeface="Consolas" panose="020B0609020204030204" pitchFamily="49" charset="0"/>
-              </a:rPr>
-              <a:t> (erro) {</a:t>
-            </a:r>
-          </a:p>
-          <a:p>
-            <a:pPr indent="457200"/>
-            <a:r>
-              <a:rPr lang="pt-BR" dirty="0" err="1">
-                <a:solidFill>
-                  <a:srgbClr val="000000"/>
-                </a:solidFill>
-                <a:latin typeface="Consolas" panose="020B0609020204030204" pitchFamily="49" charset="0"/>
-              </a:rPr>
-              <a:t>console.error</a:t>
-            </a:r>
-            <a:r>
-              <a:rPr lang="pt-BR" dirty="0">
-                <a:solidFill>
-                  <a:srgbClr val="000000"/>
-                </a:solidFill>
-                <a:latin typeface="Consolas" panose="020B0609020204030204" pitchFamily="49" charset="0"/>
-              </a:rPr>
-              <a:t>(</a:t>
-            </a:r>
-            <a:r>
-              <a:rPr lang="pt-BR" dirty="0">
-                <a:solidFill>
-                  <a:srgbClr val="A31515"/>
-                </a:solidFill>
-                <a:latin typeface="Consolas" panose="020B0609020204030204" pitchFamily="49" charset="0"/>
-              </a:rPr>
-              <a:t>"Erro ao buscar o CEP:"</a:t>
-            </a:r>
-            <a:r>
-              <a:rPr lang="pt-BR" dirty="0">
-                <a:solidFill>
-                  <a:srgbClr val="000000"/>
-                </a:solidFill>
-                <a:latin typeface="Consolas" panose="020B0609020204030204" pitchFamily="49" charset="0"/>
-              </a:rPr>
-              <a:t>, </a:t>
-            </a:r>
-            <a:r>
-              <a:rPr lang="pt-BR" dirty="0" err="1">
-                <a:solidFill>
-                  <a:srgbClr val="000000"/>
-                </a:solidFill>
-                <a:latin typeface="Consolas" panose="020B0609020204030204" pitchFamily="49" charset="0"/>
-              </a:rPr>
-              <a:t>erro.message</a:t>
-            </a:r>
-            <a:r>
-              <a:rPr lang="pt-BR" dirty="0">
-                <a:solidFill>
-                  <a:srgbClr val="000000"/>
-                </a:solidFill>
-                <a:latin typeface="Consolas" panose="020B0609020204030204" pitchFamily="49" charset="0"/>
-              </a:rPr>
-              <a:t>);</a:t>
-            </a:r>
-          </a:p>
-          <a:p>
-            <a:r>
-              <a:rPr lang="pt-BR" dirty="0">
-                <a:solidFill>
-                  <a:srgbClr val="000000"/>
-                </a:solidFill>
-                <a:latin typeface="Consolas" panose="020B0609020204030204" pitchFamily="49" charset="0"/>
-              </a:rPr>
-              <a:t>}</a:t>
-            </a:r>
-          </a:p>
-        </p:txBody>
-      </p:sp>
-    </p:spTree>
-    <p:extLst>
-      <p:ext uri="{BB962C8B-B14F-4D97-AF65-F5344CB8AC3E}">
-        <p14:creationId xmlns:p14="http://schemas.microsoft.com/office/powerpoint/2010/main" val="684554935"/>
       </p:ext>
     </p:extLst>
   </p:cSld>
@@ -5883,7 +3977,7 @@
           <p:cNvPr id="2" name="Título 1">
             <a:extLst>
               <a:ext uri="{FF2B5EF4-FFF2-40B4-BE49-F238E27FC236}">
-                <a16:creationId xmlns:a16="http://schemas.microsoft.com/office/drawing/2014/main" id="{DFBBC94D-3630-498C-A00A-2202A6D6054E}"/>
+                <a16:creationId xmlns:a16="http://schemas.microsoft.com/office/drawing/2014/main" id="{364C4847-2314-4031-821F-BBDBF8B7F7F4}"/>
               </a:ext>
             </a:extLst>
           </p:cNvPr>
@@ -5901,7 +3995,15 @@
           <a:p>
             <a:r>
               <a:rPr lang="pt-BR" dirty="0"/>
-              <a:t>O que é uma API ?</a:t>
+              <a:t>O que é o </a:t>
+            </a:r>
+            <a:r>
+              <a:rPr lang="pt-BR" dirty="0" err="1"/>
+              <a:t>Bootstrap</a:t>
+            </a:r>
+            <a:r>
+              <a:rPr lang="pt-BR" dirty="0"/>
+              <a:t> ?</a:t>
             </a:r>
           </a:p>
         </p:txBody>
@@ -5911,7 +4013,7 @@
           <p:cNvPr id="3" name="Espaço Reservado para Conteúdo 2">
             <a:extLst>
               <a:ext uri="{FF2B5EF4-FFF2-40B4-BE49-F238E27FC236}">
-                <a16:creationId xmlns:a16="http://schemas.microsoft.com/office/drawing/2014/main" id="{83A9BF02-7583-49C1-ABA2-9069727D5F46}"/>
+                <a16:creationId xmlns:a16="http://schemas.microsoft.com/office/drawing/2014/main" id="{33AFB43F-F4E2-47C0-8622-3237C2F66B93}"/>
               </a:ext>
             </a:extLst>
           </p:cNvPr>
@@ -5922,527 +4024,93 @@
             <p:ph idx="1"/>
           </p:nvPr>
         </p:nvSpPr>
-        <p:spPr>
-          <a:xfrm>
-            <a:off x="592347" y="1844675"/>
-            <a:ext cx="11007306" cy="1978388"/>
-          </a:xfrm>
-        </p:spPr>
+        <p:spPr/>
         <p:txBody>
           <a:bodyPr/>
           <a:lstStyle/>
           <a:p>
-            <a:pPr>
+            <a:r>
+              <a:rPr lang="pt-BR" dirty="0" err="1"/>
+              <a:t>Bootstrap</a:t>
+            </a:r>
+            <a:r>
+              <a:rPr lang="pt-BR" dirty="0"/>
+              <a:t> é um framework front-</a:t>
+            </a:r>
+            <a:r>
+              <a:rPr lang="pt-BR" dirty="0" err="1"/>
+              <a:t>end</a:t>
+            </a:r>
+            <a:r>
+              <a:rPr lang="pt-BR" dirty="0"/>
+              <a:t> que facilita o desenvolvimento de interfaces web modernas, rápidas e responsivas, composto pelas seguintes tecnologias:</a:t>
+            </a:r>
+          </a:p>
+          <a:p>
+            <a:pPr marL="1028700" lvl="1" indent="-342900">
+              <a:spcBef>
+                <a:spcPts val="1000"/>
+              </a:spcBef>
+            </a:pPr>
+            <a:r>
+              <a:rPr lang="pt-BR" dirty="0"/>
+              <a:t>HTML (estrutura)</a:t>
+            </a:r>
+          </a:p>
+          <a:p>
+            <a:pPr marL="1028700" lvl="1" indent="-342900">
               <a:spcBef>
                 <a:spcPts val="0"/>
               </a:spcBef>
             </a:pPr>
             <a:r>
               <a:rPr lang="pt-BR" dirty="0"/>
-              <a:t>API (</a:t>
-            </a:r>
-            <a:r>
-              <a:rPr lang="pt-BR" dirty="0" err="1"/>
-              <a:t>Application</a:t>
-            </a:r>
-            <a:r>
-              <a:rPr lang="pt-BR" dirty="0"/>
-              <a:t> </a:t>
-            </a:r>
-            <a:r>
-              <a:rPr lang="pt-BR" dirty="0" err="1"/>
-              <a:t>Programming</a:t>
-            </a:r>
-            <a:r>
-              <a:rPr lang="pt-BR" dirty="0"/>
-              <a:t> Interface, ou Interface de Programação de Aplicações) é um conjunto de regras e definições que permite que diferentes sistemas e aplicações se comuniquem entre si.</a:t>
-            </a:r>
-          </a:p>
-          <a:p>
-            <a:pPr>
+              <a:t>CSS (estilo)</a:t>
+            </a:r>
+          </a:p>
+          <a:p>
+            <a:pPr marL="1028700" lvl="1" indent="-342900">
               <a:spcBef>
                 <a:spcPts val="0"/>
               </a:spcBef>
             </a:pPr>
             <a:r>
-              <a:rPr lang="pt-BR" dirty="0"/>
-              <a:t>Ela funciona como um intermediário que recebe uma solicitação (</a:t>
-            </a:r>
-            <a:r>
               <a:rPr lang="pt-BR" dirty="0" err="1"/>
-              <a:t>request</a:t>
-            </a:r>
-            <a:r>
-              <a:rPr lang="pt-BR" dirty="0"/>
-              <a:t>), processa essa solicitação e retorna uma resposta (response).</a:t>
-            </a:r>
-          </a:p>
-        </p:txBody>
-      </p:sp>
-      <p:pic>
-        <p:nvPicPr>
-          <p:cNvPr id="9" name="Imagem 8">
-            <a:extLst>
-              <a:ext uri="{FF2B5EF4-FFF2-40B4-BE49-F238E27FC236}">
-                <a16:creationId xmlns:a16="http://schemas.microsoft.com/office/drawing/2014/main" id="{73AB85A0-3188-4586-8077-725E1EAA38CE}"/>
-              </a:ext>
-            </a:extLst>
-          </p:cNvPr>
-          <p:cNvPicPr>
-            <a:picLocks noChangeAspect="1"/>
-          </p:cNvPicPr>
-          <p:nvPr/>
-        </p:nvPicPr>
-        <p:blipFill>
-          <a:blip r:embed="rId2">
-            <a:extLst>
-              <a:ext uri="{28A0092B-C50C-407E-A947-70E740481C1C}">
-                <a14:useLocalDpi xmlns:a14="http://schemas.microsoft.com/office/drawing/2010/main" val="0"/>
-              </a:ext>
-            </a:extLst>
-          </a:blip>
-          <a:stretch>
-            <a:fillRect/>
-          </a:stretch>
-        </p:blipFill>
-        <p:spPr>
-          <a:xfrm>
-            <a:off x="2029402" y="4622379"/>
-            <a:ext cx="1080000" cy="1080000"/>
-          </a:xfrm>
-          <a:prstGeom prst="rect">
-            <a:avLst/>
-          </a:prstGeom>
-        </p:spPr>
-      </p:pic>
-      <p:pic>
-        <p:nvPicPr>
-          <p:cNvPr id="11" name="Imagem 10">
-            <a:extLst>
-              <a:ext uri="{FF2B5EF4-FFF2-40B4-BE49-F238E27FC236}">
-                <a16:creationId xmlns:a16="http://schemas.microsoft.com/office/drawing/2014/main" id="{A9FF9E80-5371-4AD4-8C49-36EDFE84FDBC}"/>
-              </a:ext>
-            </a:extLst>
-          </p:cNvPr>
-          <p:cNvPicPr>
-            <a:picLocks noChangeAspect="1"/>
-          </p:cNvPicPr>
-          <p:nvPr/>
-        </p:nvPicPr>
-        <p:blipFill>
-          <a:blip r:embed="rId3">
-            <a:extLst>
-              <a:ext uri="{28A0092B-C50C-407E-A947-70E740481C1C}">
-                <a14:useLocalDpi xmlns:a14="http://schemas.microsoft.com/office/drawing/2010/main" val="0"/>
-              </a:ext>
-            </a:extLst>
-          </a:blip>
-          <a:stretch>
-            <a:fillRect/>
-          </a:stretch>
-        </p:blipFill>
-        <p:spPr>
-          <a:xfrm>
-            <a:off x="8542600" y="4622379"/>
-            <a:ext cx="1080000" cy="1080000"/>
-          </a:xfrm>
-          <a:prstGeom prst="rect">
-            <a:avLst/>
-          </a:prstGeom>
-        </p:spPr>
-      </p:pic>
-      <p:pic>
-        <p:nvPicPr>
-          <p:cNvPr id="13" name="Imagem 12">
-            <a:extLst>
-              <a:ext uri="{FF2B5EF4-FFF2-40B4-BE49-F238E27FC236}">
-                <a16:creationId xmlns:a16="http://schemas.microsoft.com/office/drawing/2014/main" id="{A8F71259-1908-4EBE-B9C7-32A908EBAC47}"/>
-              </a:ext>
-            </a:extLst>
-          </p:cNvPr>
-          <p:cNvPicPr>
-            <a:picLocks noChangeAspect="1"/>
-          </p:cNvPicPr>
-          <p:nvPr/>
-        </p:nvPicPr>
-        <p:blipFill>
-          <a:blip r:embed="rId4">
-            <a:extLst>
-              <a:ext uri="{28A0092B-C50C-407E-A947-70E740481C1C}">
-                <a14:useLocalDpi xmlns:a14="http://schemas.microsoft.com/office/drawing/2010/main" val="0"/>
-              </a:ext>
-            </a:extLst>
-          </a:blip>
-          <a:stretch>
-            <a:fillRect/>
-          </a:stretch>
-        </p:blipFill>
-        <p:spPr>
-          <a:xfrm>
-            <a:off x="5286002" y="4622379"/>
-            <a:ext cx="1080000" cy="1080000"/>
-          </a:xfrm>
-          <a:prstGeom prst="rect">
-            <a:avLst/>
-          </a:prstGeom>
-        </p:spPr>
-      </p:pic>
-      <p:cxnSp>
-        <p:nvCxnSpPr>
-          <p:cNvPr id="15" name="Conector de Seta Reta 14">
-            <a:extLst>
-              <a:ext uri="{FF2B5EF4-FFF2-40B4-BE49-F238E27FC236}">
-                <a16:creationId xmlns:a16="http://schemas.microsoft.com/office/drawing/2014/main" id="{E22AF104-2538-4BC5-9615-9E6115FFBCF8}"/>
-              </a:ext>
-            </a:extLst>
-          </p:cNvPr>
-          <p:cNvCxnSpPr>
-            <a:cxnSpLocks/>
-          </p:cNvCxnSpPr>
-          <p:nvPr/>
-        </p:nvCxnSpPr>
-        <p:spPr>
-          <a:xfrm>
-            <a:off x="3207702" y="4979499"/>
-            <a:ext cx="1980000" cy="0"/>
-          </a:xfrm>
-          <a:prstGeom prst="straightConnector1">
-            <a:avLst/>
-          </a:prstGeom>
-          <a:ln w="28575">
-            <a:solidFill>
-              <a:schemeClr val="tx1">
-                <a:lumMod val="95000"/>
-                <a:lumOff val="5000"/>
-              </a:schemeClr>
-            </a:solidFill>
-            <a:tailEnd type="triangle"/>
-          </a:ln>
-        </p:spPr>
-        <p:style>
-          <a:lnRef idx="1">
-            <a:schemeClr val="accent1"/>
-          </a:lnRef>
-          <a:fillRef idx="0">
-            <a:schemeClr val="accent1"/>
-          </a:fillRef>
-          <a:effectRef idx="0">
-            <a:schemeClr val="accent1"/>
-          </a:effectRef>
-          <a:fontRef idx="minor">
-            <a:schemeClr val="tx1"/>
-          </a:fontRef>
-        </p:style>
-      </p:cxnSp>
-      <p:cxnSp>
-        <p:nvCxnSpPr>
-          <p:cNvPr id="16" name="Conector de Seta Reta 15">
-            <a:extLst>
-              <a:ext uri="{FF2B5EF4-FFF2-40B4-BE49-F238E27FC236}">
-                <a16:creationId xmlns:a16="http://schemas.microsoft.com/office/drawing/2014/main" id="{14CBF28F-36D2-48EA-96BF-E50483F6A8B3}"/>
-              </a:ext>
-            </a:extLst>
-          </p:cNvPr>
-          <p:cNvCxnSpPr>
-            <a:cxnSpLocks/>
-          </p:cNvCxnSpPr>
-          <p:nvPr/>
-        </p:nvCxnSpPr>
-        <p:spPr>
-          <a:xfrm>
-            <a:off x="6464302" y="4979499"/>
-            <a:ext cx="1980000" cy="0"/>
-          </a:xfrm>
-          <a:prstGeom prst="straightConnector1">
-            <a:avLst/>
-          </a:prstGeom>
-          <a:ln w="28575">
-            <a:solidFill>
-              <a:schemeClr val="tx1">
-                <a:lumMod val="95000"/>
-                <a:lumOff val="5000"/>
-              </a:schemeClr>
-            </a:solidFill>
-            <a:tailEnd type="triangle"/>
-          </a:ln>
-        </p:spPr>
-        <p:style>
-          <a:lnRef idx="1">
-            <a:schemeClr val="accent1"/>
-          </a:lnRef>
-          <a:fillRef idx="0">
-            <a:schemeClr val="accent1"/>
-          </a:fillRef>
-          <a:effectRef idx="0">
-            <a:schemeClr val="accent1"/>
-          </a:effectRef>
-          <a:fontRef idx="minor">
-            <a:schemeClr val="tx1"/>
-          </a:fontRef>
-        </p:style>
-      </p:cxnSp>
-      <p:cxnSp>
-        <p:nvCxnSpPr>
-          <p:cNvPr id="17" name="Conector de Seta Reta 16">
-            <a:extLst>
-              <a:ext uri="{FF2B5EF4-FFF2-40B4-BE49-F238E27FC236}">
-                <a16:creationId xmlns:a16="http://schemas.microsoft.com/office/drawing/2014/main" id="{3312B63D-245E-4FE5-8C4E-6AF242C59C49}"/>
-              </a:ext>
-            </a:extLst>
-          </p:cNvPr>
-          <p:cNvCxnSpPr>
-            <a:cxnSpLocks/>
-          </p:cNvCxnSpPr>
-          <p:nvPr/>
-        </p:nvCxnSpPr>
-        <p:spPr>
-          <a:xfrm flipH="1">
-            <a:off x="3207702" y="5340905"/>
-            <a:ext cx="1980000" cy="0"/>
-          </a:xfrm>
-          <a:prstGeom prst="straightConnector1">
-            <a:avLst/>
-          </a:prstGeom>
-          <a:ln w="28575">
-            <a:solidFill>
-              <a:schemeClr val="tx1">
-                <a:lumMod val="95000"/>
-                <a:lumOff val="5000"/>
-              </a:schemeClr>
-            </a:solidFill>
-            <a:tailEnd type="triangle"/>
-          </a:ln>
-        </p:spPr>
-        <p:style>
-          <a:lnRef idx="1">
-            <a:schemeClr val="accent1"/>
-          </a:lnRef>
-          <a:fillRef idx="0">
-            <a:schemeClr val="accent1"/>
-          </a:fillRef>
-          <a:effectRef idx="0">
-            <a:schemeClr val="accent1"/>
-          </a:effectRef>
-          <a:fontRef idx="minor">
-            <a:schemeClr val="tx1"/>
-          </a:fontRef>
-        </p:style>
-      </p:cxnSp>
-      <p:cxnSp>
-        <p:nvCxnSpPr>
-          <p:cNvPr id="18" name="Conector de Seta Reta 17">
-            <a:extLst>
-              <a:ext uri="{FF2B5EF4-FFF2-40B4-BE49-F238E27FC236}">
-                <a16:creationId xmlns:a16="http://schemas.microsoft.com/office/drawing/2014/main" id="{C65F895A-F8F6-43E4-9E3E-79FF545CA042}"/>
-              </a:ext>
-            </a:extLst>
-          </p:cNvPr>
-          <p:cNvCxnSpPr>
-            <a:cxnSpLocks/>
-          </p:cNvCxnSpPr>
-          <p:nvPr/>
-        </p:nvCxnSpPr>
-        <p:spPr>
-          <a:xfrm flipH="1">
-            <a:off x="6464302" y="5340905"/>
-            <a:ext cx="1980000" cy="0"/>
-          </a:xfrm>
-          <a:prstGeom prst="straightConnector1">
-            <a:avLst/>
-          </a:prstGeom>
-          <a:ln w="28575">
-            <a:solidFill>
-              <a:schemeClr val="tx1">
-                <a:lumMod val="95000"/>
-                <a:lumOff val="5000"/>
-              </a:schemeClr>
-            </a:solidFill>
-            <a:tailEnd type="triangle"/>
-          </a:ln>
-        </p:spPr>
-        <p:style>
-          <a:lnRef idx="1">
-            <a:schemeClr val="accent1"/>
-          </a:lnRef>
-          <a:fillRef idx="0">
-            <a:schemeClr val="accent1"/>
-          </a:fillRef>
-          <a:effectRef idx="0">
-            <a:schemeClr val="accent1"/>
-          </a:effectRef>
-          <a:fontRef idx="minor">
-            <a:schemeClr val="tx1"/>
-          </a:fontRef>
-        </p:style>
-      </p:cxnSp>
-      <p:sp>
-        <p:nvSpPr>
-          <p:cNvPr id="19" name="Retângulo 18">
-            <a:extLst>
-              <a:ext uri="{FF2B5EF4-FFF2-40B4-BE49-F238E27FC236}">
-                <a16:creationId xmlns:a16="http://schemas.microsoft.com/office/drawing/2014/main" id="{CA2DDDCF-DA35-42DE-B3C0-64207E632297}"/>
-              </a:ext>
-            </a:extLst>
-          </p:cNvPr>
-          <p:cNvSpPr/>
-          <p:nvPr/>
-        </p:nvSpPr>
-        <p:spPr>
-          <a:xfrm>
-            <a:off x="3771945" y="4606205"/>
-            <a:ext cx="851515" cy="369332"/>
-          </a:xfrm>
-          <a:prstGeom prst="rect">
-            <a:avLst/>
-          </a:prstGeom>
-        </p:spPr>
-        <p:txBody>
-          <a:bodyPr wrap="none">
-            <a:spAutoFit/>
-          </a:bodyPr>
-          <a:lstStyle/>
-          <a:p>
-            <a:r>
-              <a:rPr lang="pt-BR" dirty="0" err="1">
-                <a:latin typeface="Times New Roman" panose="02020603050405020304" pitchFamily="18" charset="0"/>
-                <a:cs typeface="Times New Roman" panose="02020603050405020304" pitchFamily="18" charset="0"/>
-              </a:rPr>
-              <a:t>request</a:t>
-            </a:r>
-            <a:endParaRPr lang="pt-BR" dirty="0">
-              <a:latin typeface="Times New Roman" panose="02020603050405020304" pitchFamily="18" charset="0"/>
-              <a:cs typeface="Times New Roman" panose="02020603050405020304" pitchFamily="18" charset="0"/>
-            </a:endParaRPr>
-          </a:p>
-        </p:txBody>
-      </p:sp>
-      <p:sp>
-        <p:nvSpPr>
-          <p:cNvPr id="20" name="Retângulo 19">
-            <a:extLst>
-              <a:ext uri="{FF2B5EF4-FFF2-40B4-BE49-F238E27FC236}">
-                <a16:creationId xmlns:a16="http://schemas.microsoft.com/office/drawing/2014/main" id="{74D5C7F8-046F-4CD0-B826-D31D7F3903F9}"/>
-              </a:ext>
-            </a:extLst>
-          </p:cNvPr>
-          <p:cNvSpPr/>
-          <p:nvPr/>
-        </p:nvSpPr>
-        <p:spPr>
-          <a:xfrm>
-            <a:off x="7028545" y="4606205"/>
-            <a:ext cx="851515" cy="369332"/>
-          </a:xfrm>
-          <a:prstGeom prst="rect">
-            <a:avLst/>
-          </a:prstGeom>
-        </p:spPr>
-        <p:txBody>
-          <a:bodyPr wrap="none">
-            <a:spAutoFit/>
-          </a:bodyPr>
-          <a:lstStyle/>
-          <a:p>
-            <a:r>
-              <a:rPr lang="pt-BR" dirty="0" err="1">
-                <a:latin typeface="Times New Roman" panose="02020603050405020304" pitchFamily="18" charset="0"/>
-                <a:cs typeface="Times New Roman" panose="02020603050405020304" pitchFamily="18" charset="0"/>
-              </a:rPr>
-              <a:t>request</a:t>
-            </a:r>
-            <a:endParaRPr lang="pt-BR" dirty="0">
-              <a:latin typeface="Times New Roman" panose="02020603050405020304" pitchFamily="18" charset="0"/>
-              <a:cs typeface="Times New Roman" panose="02020603050405020304" pitchFamily="18" charset="0"/>
-            </a:endParaRPr>
-          </a:p>
-        </p:txBody>
-      </p:sp>
-      <p:sp>
-        <p:nvSpPr>
-          <p:cNvPr id="21" name="Retângulo 20">
-            <a:extLst>
-              <a:ext uri="{FF2B5EF4-FFF2-40B4-BE49-F238E27FC236}">
-                <a16:creationId xmlns:a16="http://schemas.microsoft.com/office/drawing/2014/main" id="{58056D9D-3A95-449C-8D3F-73221A463C39}"/>
-              </a:ext>
-            </a:extLst>
-          </p:cNvPr>
-          <p:cNvSpPr/>
-          <p:nvPr/>
-        </p:nvSpPr>
-        <p:spPr>
-          <a:xfrm>
-            <a:off x="3771945" y="5351927"/>
-            <a:ext cx="902811" cy="369332"/>
-          </a:xfrm>
-          <a:prstGeom prst="rect">
-            <a:avLst/>
-          </a:prstGeom>
-        </p:spPr>
-        <p:txBody>
-          <a:bodyPr wrap="none">
-            <a:spAutoFit/>
-          </a:bodyPr>
-          <a:lstStyle/>
-          <a:p>
-            <a:r>
-              <a:rPr lang="pt-BR" dirty="0" err="1">
-                <a:latin typeface="Times New Roman" panose="02020603050405020304" pitchFamily="18" charset="0"/>
-                <a:cs typeface="Times New Roman" panose="02020603050405020304" pitchFamily="18" charset="0"/>
-              </a:rPr>
-              <a:t>reponse</a:t>
-            </a:r>
-            <a:endParaRPr lang="pt-BR" dirty="0">
-              <a:latin typeface="Times New Roman" panose="02020603050405020304" pitchFamily="18" charset="0"/>
-              <a:cs typeface="Times New Roman" panose="02020603050405020304" pitchFamily="18" charset="0"/>
-            </a:endParaRPr>
-          </a:p>
-        </p:txBody>
-      </p:sp>
-      <p:sp>
-        <p:nvSpPr>
-          <p:cNvPr id="22" name="Retângulo 21">
-            <a:extLst>
-              <a:ext uri="{FF2B5EF4-FFF2-40B4-BE49-F238E27FC236}">
-                <a16:creationId xmlns:a16="http://schemas.microsoft.com/office/drawing/2014/main" id="{70AEF8D3-EA9C-42AD-8EB4-D296ADFE0F06}"/>
-              </a:ext>
-            </a:extLst>
-          </p:cNvPr>
-          <p:cNvSpPr/>
-          <p:nvPr/>
-        </p:nvSpPr>
-        <p:spPr>
-          <a:xfrm>
-            <a:off x="7002897" y="5351927"/>
-            <a:ext cx="902811" cy="369332"/>
-          </a:xfrm>
-          <a:prstGeom prst="rect">
-            <a:avLst/>
-          </a:prstGeom>
-        </p:spPr>
-        <p:txBody>
-          <a:bodyPr wrap="none">
-            <a:spAutoFit/>
-          </a:bodyPr>
-          <a:lstStyle/>
-          <a:p>
-            <a:r>
-              <a:rPr lang="pt-BR" dirty="0" err="1">
-                <a:latin typeface="Times New Roman" panose="02020603050405020304" pitchFamily="18" charset="0"/>
-                <a:cs typeface="Times New Roman" panose="02020603050405020304" pitchFamily="18" charset="0"/>
-              </a:rPr>
-              <a:t>reponse</a:t>
-            </a:r>
-            <a:endParaRPr lang="pt-BR" dirty="0">
-              <a:latin typeface="Times New Roman" panose="02020603050405020304" pitchFamily="18" charset="0"/>
-              <a:cs typeface="Times New Roman" panose="02020603050405020304" pitchFamily="18" charset="0"/>
-            </a:endParaRPr>
+              <a:t>JavaScript</a:t>
+            </a:r>
+            <a:r>
+              <a:rPr lang="pt-BR" dirty="0"/>
+              <a:t> (interatividade)</a:t>
+            </a:r>
+          </a:p>
+          <a:p>
+            <a:r>
+              <a:rPr lang="pt-BR" sz="1800" dirty="0"/>
+              <a:t>Um </a:t>
+            </a:r>
+            <a:r>
+              <a:rPr lang="pt-BR" sz="1800" b="1" dirty="0"/>
+              <a:t>framework</a:t>
+            </a:r>
+            <a:r>
+              <a:rPr lang="pt-BR" sz="1800" dirty="0"/>
+              <a:t> (ou "estrutura de trabalho", em tradução livre) é um </a:t>
+            </a:r>
+            <a:r>
+              <a:rPr lang="pt-BR" sz="1800" b="1" dirty="0"/>
+              <a:t>conjunto de ferramentas, códigos prontos e regras</a:t>
+            </a:r>
+            <a:r>
+              <a:rPr lang="pt-BR" sz="1800" dirty="0"/>
+              <a:t> que ajudam os desenvolvedores a construir aplicações de forma mais rápida, organizada e padronizada.</a:t>
+            </a:r>
           </a:p>
         </p:txBody>
       </p:sp>
     </p:spTree>
     <p:extLst>
       <p:ext uri="{BB962C8B-B14F-4D97-AF65-F5344CB8AC3E}">
-        <p14:creationId xmlns:p14="http://schemas.microsoft.com/office/powerpoint/2010/main" val="4177980662"/>
+        <p14:creationId xmlns:p14="http://schemas.microsoft.com/office/powerpoint/2010/main" val="788238189"/>
       </p:ext>
     </p:extLst>
   </p:cSld>
@@ -6474,7 +4142,7 @@
           <p:cNvPr id="2" name="Título 1">
             <a:extLst>
               <a:ext uri="{FF2B5EF4-FFF2-40B4-BE49-F238E27FC236}">
-                <a16:creationId xmlns:a16="http://schemas.microsoft.com/office/drawing/2014/main" id="{DFBBC94D-3630-498C-A00A-2202A6D6054E}"/>
+                <a16:creationId xmlns:a16="http://schemas.microsoft.com/office/drawing/2014/main" id="{63239A7F-BCDF-43C9-8442-68E2635BD6D7}"/>
               </a:ext>
             </a:extLst>
           </p:cNvPr>
@@ -6492,1047 +4160,205 @@
           <a:p>
             <a:r>
               <a:rPr lang="pt-BR" dirty="0"/>
-              <a:t>Exemplo com o mundo real</a:t>
-            </a:r>
-          </a:p>
-        </p:txBody>
-      </p:sp>
-      <p:pic>
-        <p:nvPicPr>
-          <p:cNvPr id="9" name="Imagem 8">
-            <a:extLst>
-              <a:ext uri="{FF2B5EF4-FFF2-40B4-BE49-F238E27FC236}">
-                <a16:creationId xmlns:a16="http://schemas.microsoft.com/office/drawing/2014/main" id="{73AB85A0-3188-4586-8077-725E1EAA38CE}"/>
-              </a:ext>
-            </a:extLst>
-          </p:cNvPr>
-          <p:cNvPicPr>
-            <a:picLocks noChangeAspect="1"/>
-          </p:cNvPicPr>
-          <p:nvPr/>
-        </p:nvPicPr>
-        <p:blipFill>
-          <a:blip r:embed="rId2">
-            <a:extLst>
-              <a:ext uri="{28A0092B-C50C-407E-A947-70E740481C1C}">
-                <a14:useLocalDpi xmlns:a14="http://schemas.microsoft.com/office/drawing/2010/main" val="0"/>
-              </a:ext>
-            </a:extLst>
-          </a:blip>
-          <a:stretch>
-            <a:fillRect/>
-          </a:stretch>
-        </p:blipFill>
+              <a:t> Como surgiu o </a:t>
+            </a:r>
+            <a:r>
+              <a:rPr lang="pt-BR" dirty="0" err="1"/>
+              <a:t>Bootstrap</a:t>
+            </a:r>
+            <a:endParaRPr lang="pt-BR" dirty="0"/>
+          </a:p>
+        </p:txBody>
+      </p:sp>
+      <p:sp>
+        <p:nvSpPr>
+          <p:cNvPr id="3" name="Espaço Reservado para Conteúdo 2">
+            <a:extLst>
+              <a:ext uri="{FF2B5EF4-FFF2-40B4-BE49-F238E27FC236}">
+                <a16:creationId xmlns:a16="http://schemas.microsoft.com/office/drawing/2014/main" id="{BF1C002E-63F8-482C-96E8-77A8CE39EE06}"/>
+              </a:ext>
+            </a:extLst>
+          </p:cNvPr>
+          <p:cNvSpPr>
+            <a:spLocks noGrp="1"/>
+          </p:cNvSpPr>
+          <p:nvPr>
+            <p:ph idx="1"/>
+          </p:nvPr>
+        </p:nvSpPr>
         <p:spPr>
           <a:xfrm>
-            <a:off x="2299368" y="2521168"/>
-            <a:ext cx="1080000" cy="1080000"/>
+            <a:off x="592347" y="1844674"/>
+            <a:ext cx="11007306" cy="4835525"/>
           </a:xfrm>
-          <a:prstGeom prst="rect">
-            <a:avLst/>
-          </a:prstGeom>
         </p:spPr>
-      </p:pic>
-      <p:pic>
-        <p:nvPicPr>
-          <p:cNvPr id="11" name="Imagem 10">
-            <a:extLst>
-              <a:ext uri="{FF2B5EF4-FFF2-40B4-BE49-F238E27FC236}">
-                <a16:creationId xmlns:a16="http://schemas.microsoft.com/office/drawing/2014/main" id="{A9FF9E80-5371-4AD4-8C49-36EDFE84FDBC}"/>
-              </a:ext>
-            </a:extLst>
-          </p:cNvPr>
-          <p:cNvPicPr>
-            <a:picLocks noChangeAspect="1"/>
-          </p:cNvPicPr>
-          <p:nvPr/>
-        </p:nvPicPr>
-        <p:blipFill>
-          <a:blip r:embed="rId3">
-            <a:extLst>
-              <a:ext uri="{28A0092B-C50C-407E-A947-70E740481C1C}">
-                <a14:useLocalDpi xmlns:a14="http://schemas.microsoft.com/office/drawing/2010/main" val="0"/>
-              </a:ext>
-            </a:extLst>
-          </a:blip>
-          <a:stretch>
-            <a:fillRect/>
-          </a:stretch>
-        </p:blipFill>
-        <p:spPr>
-          <a:xfrm>
-            <a:off x="8812566" y="2521168"/>
-            <a:ext cx="1080000" cy="1080000"/>
-          </a:xfrm>
-          <a:prstGeom prst="rect">
-            <a:avLst/>
-          </a:prstGeom>
-        </p:spPr>
-      </p:pic>
-      <p:pic>
-        <p:nvPicPr>
-          <p:cNvPr id="13" name="Imagem 12">
-            <a:extLst>
-              <a:ext uri="{FF2B5EF4-FFF2-40B4-BE49-F238E27FC236}">
-                <a16:creationId xmlns:a16="http://schemas.microsoft.com/office/drawing/2014/main" id="{A8F71259-1908-4EBE-B9C7-32A908EBAC47}"/>
-              </a:ext>
-            </a:extLst>
-          </p:cNvPr>
-          <p:cNvPicPr>
-            <a:picLocks noChangeAspect="1"/>
-          </p:cNvPicPr>
-          <p:nvPr/>
-        </p:nvPicPr>
-        <p:blipFill>
-          <a:blip r:embed="rId4">
-            <a:extLst>
-              <a:ext uri="{28A0092B-C50C-407E-A947-70E740481C1C}">
-                <a14:useLocalDpi xmlns:a14="http://schemas.microsoft.com/office/drawing/2010/main" val="0"/>
-              </a:ext>
-            </a:extLst>
-          </a:blip>
-          <a:stretch>
-            <a:fillRect/>
-          </a:stretch>
-        </p:blipFill>
-        <p:spPr>
-          <a:xfrm>
-            <a:off x="5555966" y="2521168"/>
-            <a:ext cx="1080000" cy="1080000"/>
-          </a:xfrm>
-          <a:prstGeom prst="rect">
-            <a:avLst/>
-          </a:prstGeom>
-        </p:spPr>
-      </p:pic>
-      <p:grpSp>
-        <p:nvGrpSpPr>
-          <p:cNvPr id="34" name="Agrupar 33">
-            <a:extLst>
-              <a:ext uri="{FF2B5EF4-FFF2-40B4-BE49-F238E27FC236}">
-                <a16:creationId xmlns:a16="http://schemas.microsoft.com/office/drawing/2014/main" id="{05A1C4F2-D6F1-45A3-84DE-369E348D11D1}"/>
-              </a:ext>
-            </a:extLst>
-          </p:cNvPr>
-          <p:cNvGrpSpPr/>
-          <p:nvPr/>
-        </p:nvGrpSpPr>
-        <p:grpSpPr>
-          <a:xfrm>
-            <a:off x="3477667" y="2504994"/>
-            <a:ext cx="1980000" cy="1115054"/>
-            <a:chOff x="3477668" y="2089427"/>
-            <a:chExt cx="1980000" cy="1115054"/>
-          </a:xfrm>
-        </p:grpSpPr>
-        <p:cxnSp>
-          <p:nvCxnSpPr>
-            <p:cNvPr id="15" name="Conector de Seta Reta 14">
-              <a:extLst>
-                <a:ext uri="{FF2B5EF4-FFF2-40B4-BE49-F238E27FC236}">
-                  <a16:creationId xmlns:a16="http://schemas.microsoft.com/office/drawing/2014/main" id="{E22AF104-2538-4BC5-9615-9E6115FFBCF8}"/>
-                </a:ext>
-              </a:extLst>
-            </p:cNvPr>
-            <p:cNvCxnSpPr>
-              <a:cxnSpLocks/>
-            </p:cNvCxnSpPr>
-            <p:nvPr/>
-          </p:nvCxnSpPr>
-          <p:spPr>
-            <a:xfrm>
-              <a:off x="3477668" y="2462721"/>
-              <a:ext cx="1980000" cy="0"/>
-            </a:xfrm>
-            <a:prstGeom prst="straightConnector1">
-              <a:avLst/>
-            </a:prstGeom>
-            <a:ln w="28575">
-              <a:solidFill>
-                <a:schemeClr val="tx1">
-                  <a:lumMod val="95000"/>
-                  <a:lumOff val="5000"/>
-                </a:schemeClr>
-              </a:solidFill>
-              <a:tailEnd type="triangle"/>
-            </a:ln>
-          </p:spPr>
-          <p:style>
-            <a:lnRef idx="1">
-              <a:schemeClr val="accent1"/>
-            </a:lnRef>
-            <a:fillRef idx="0">
-              <a:schemeClr val="accent1"/>
-            </a:fillRef>
-            <a:effectRef idx="0">
-              <a:schemeClr val="accent1"/>
-            </a:effectRef>
-            <a:fontRef idx="minor">
-              <a:schemeClr val="tx1"/>
-            </a:fontRef>
-          </p:style>
-        </p:cxnSp>
-        <p:cxnSp>
-          <p:nvCxnSpPr>
-            <p:cNvPr id="17" name="Conector de Seta Reta 16">
-              <a:extLst>
-                <a:ext uri="{FF2B5EF4-FFF2-40B4-BE49-F238E27FC236}">
-                  <a16:creationId xmlns:a16="http://schemas.microsoft.com/office/drawing/2014/main" id="{3312B63D-245E-4FE5-8C4E-6AF242C59C49}"/>
-                </a:ext>
-              </a:extLst>
-            </p:cNvPr>
-            <p:cNvCxnSpPr>
-              <a:cxnSpLocks/>
-            </p:cNvCxnSpPr>
-            <p:nvPr/>
-          </p:nvCxnSpPr>
-          <p:spPr>
-            <a:xfrm flipH="1">
-              <a:off x="3477668" y="2824127"/>
-              <a:ext cx="1980000" cy="0"/>
-            </a:xfrm>
-            <a:prstGeom prst="straightConnector1">
-              <a:avLst/>
-            </a:prstGeom>
-            <a:ln w="28575">
-              <a:solidFill>
-                <a:schemeClr val="tx1">
-                  <a:lumMod val="95000"/>
-                  <a:lumOff val="5000"/>
-                </a:schemeClr>
-              </a:solidFill>
-              <a:tailEnd type="triangle"/>
-            </a:ln>
-          </p:spPr>
-          <p:style>
-            <a:lnRef idx="1">
-              <a:schemeClr val="accent1"/>
-            </a:lnRef>
-            <a:fillRef idx="0">
-              <a:schemeClr val="accent1"/>
-            </a:fillRef>
-            <a:effectRef idx="0">
-              <a:schemeClr val="accent1"/>
-            </a:effectRef>
-            <a:fontRef idx="minor">
-              <a:schemeClr val="tx1"/>
-            </a:fontRef>
-          </p:style>
-        </p:cxnSp>
-        <p:sp>
-          <p:nvSpPr>
-            <p:cNvPr id="19" name="Retângulo 18">
-              <a:extLst>
-                <a:ext uri="{FF2B5EF4-FFF2-40B4-BE49-F238E27FC236}">
-                  <a16:creationId xmlns:a16="http://schemas.microsoft.com/office/drawing/2014/main" id="{CA2DDDCF-DA35-42DE-B3C0-64207E632297}"/>
-                </a:ext>
-              </a:extLst>
-            </p:cNvPr>
-            <p:cNvSpPr/>
-            <p:nvPr/>
-          </p:nvSpPr>
-          <p:spPr>
-            <a:xfrm>
-              <a:off x="4041911" y="2089427"/>
-              <a:ext cx="851515" cy="369332"/>
-            </a:xfrm>
-            <a:prstGeom prst="rect">
-              <a:avLst/>
-            </a:prstGeom>
-          </p:spPr>
-          <p:txBody>
-            <a:bodyPr wrap="none">
-              <a:spAutoFit/>
-            </a:bodyPr>
-            <a:lstStyle/>
-            <a:p>
-              <a:r>
-                <a:rPr lang="pt-BR" dirty="0" err="1">
-                  <a:latin typeface="Times New Roman" panose="02020603050405020304" pitchFamily="18" charset="0"/>
-                  <a:cs typeface="Times New Roman" panose="02020603050405020304" pitchFamily="18" charset="0"/>
-                </a:rPr>
-                <a:t>request</a:t>
-              </a:r>
-              <a:endParaRPr lang="pt-BR" dirty="0">
-                <a:latin typeface="Times New Roman" panose="02020603050405020304" pitchFamily="18" charset="0"/>
-                <a:cs typeface="Times New Roman" panose="02020603050405020304" pitchFamily="18" charset="0"/>
-              </a:endParaRPr>
-            </a:p>
-          </p:txBody>
-        </p:sp>
-        <p:sp>
-          <p:nvSpPr>
-            <p:cNvPr id="21" name="Retângulo 20">
-              <a:extLst>
-                <a:ext uri="{FF2B5EF4-FFF2-40B4-BE49-F238E27FC236}">
-                  <a16:creationId xmlns:a16="http://schemas.microsoft.com/office/drawing/2014/main" id="{58056D9D-3A95-449C-8D3F-73221A463C39}"/>
-                </a:ext>
-              </a:extLst>
-            </p:cNvPr>
-            <p:cNvSpPr/>
-            <p:nvPr/>
-          </p:nvSpPr>
-          <p:spPr>
-            <a:xfrm>
-              <a:off x="3971379" y="2835149"/>
-              <a:ext cx="992579" cy="369332"/>
-            </a:xfrm>
-            <a:prstGeom prst="rect">
-              <a:avLst/>
-            </a:prstGeom>
-          </p:spPr>
-          <p:txBody>
-            <a:bodyPr wrap="none">
-              <a:spAutoFit/>
-            </a:bodyPr>
-            <a:lstStyle/>
-            <a:p>
-              <a:r>
-                <a:rPr lang="pt-BR" dirty="0">
-                  <a:latin typeface="Times New Roman" panose="02020603050405020304" pitchFamily="18" charset="0"/>
-                  <a:cs typeface="Times New Roman" panose="02020603050405020304" pitchFamily="18" charset="0"/>
-                </a:rPr>
-                <a:t>response</a:t>
-              </a:r>
-            </a:p>
-          </p:txBody>
-        </p:sp>
-      </p:grpSp>
-      <p:grpSp>
-        <p:nvGrpSpPr>
-          <p:cNvPr id="35" name="Agrupar 34">
-            <a:extLst>
-              <a:ext uri="{FF2B5EF4-FFF2-40B4-BE49-F238E27FC236}">
-                <a16:creationId xmlns:a16="http://schemas.microsoft.com/office/drawing/2014/main" id="{DA600B1E-C020-4E5C-A226-F46501157864}"/>
-              </a:ext>
-            </a:extLst>
-          </p:cNvPr>
-          <p:cNvGrpSpPr/>
-          <p:nvPr/>
-        </p:nvGrpSpPr>
-        <p:grpSpPr>
-          <a:xfrm>
-            <a:off x="6734265" y="2504994"/>
-            <a:ext cx="1980000" cy="1115054"/>
-            <a:chOff x="6734268" y="2089427"/>
-            <a:chExt cx="1980000" cy="1115054"/>
-          </a:xfrm>
-        </p:grpSpPr>
-        <p:cxnSp>
-          <p:nvCxnSpPr>
-            <p:cNvPr id="16" name="Conector de Seta Reta 15">
-              <a:extLst>
-                <a:ext uri="{FF2B5EF4-FFF2-40B4-BE49-F238E27FC236}">
-                  <a16:creationId xmlns:a16="http://schemas.microsoft.com/office/drawing/2014/main" id="{14CBF28F-36D2-48EA-96BF-E50483F6A8B3}"/>
-                </a:ext>
-              </a:extLst>
-            </p:cNvPr>
-            <p:cNvCxnSpPr>
-              <a:cxnSpLocks/>
-            </p:cNvCxnSpPr>
-            <p:nvPr/>
-          </p:nvCxnSpPr>
-          <p:spPr>
-            <a:xfrm>
-              <a:off x="6734268" y="2462721"/>
-              <a:ext cx="1980000" cy="0"/>
-            </a:xfrm>
-            <a:prstGeom prst="straightConnector1">
-              <a:avLst/>
-            </a:prstGeom>
-            <a:ln w="28575">
-              <a:solidFill>
-                <a:schemeClr val="tx1">
-                  <a:lumMod val="95000"/>
-                  <a:lumOff val="5000"/>
-                </a:schemeClr>
-              </a:solidFill>
-              <a:tailEnd type="triangle"/>
-            </a:ln>
-          </p:spPr>
-          <p:style>
-            <a:lnRef idx="1">
-              <a:schemeClr val="accent1"/>
-            </a:lnRef>
-            <a:fillRef idx="0">
-              <a:schemeClr val="accent1"/>
-            </a:fillRef>
-            <a:effectRef idx="0">
-              <a:schemeClr val="accent1"/>
-            </a:effectRef>
-            <a:fontRef idx="minor">
-              <a:schemeClr val="tx1"/>
-            </a:fontRef>
-          </p:style>
-        </p:cxnSp>
-        <p:cxnSp>
-          <p:nvCxnSpPr>
-            <p:cNvPr id="18" name="Conector de Seta Reta 17">
-              <a:extLst>
-                <a:ext uri="{FF2B5EF4-FFF2-40B4-BE49-F238E27FC236}">
-                  <a16:creationId xmlns:a16="http://schemas.microsoft.com/office/drawing/2014/main" id="{C65F895A-F8F6-43E4-9E3E-79FF545CA042}"/>
-                </a:ext>
-              </a:extLst>
-            </p:cNvPr>
-            <p:cNvCxnSpPr>
-              <a:cxnSpLocks/>
-            </p:cNvCxnSpPr>
-            <p:nvPr/>
-          </p:nvCxnSpPr>
-          <p:spPr>
-            <a:xfrm flipH="1">
-              <a:off x="6734268" y="2824127"/>
-              <a:ext cx="1980000" cy="0"/>
-            </a:xfrm>
-            <a:prstGeom prst="straightConnector1">
-              <a:avLst/>
-            </a:prstGeom>
-            <a:ln w="28575">
-              <a:solidFill>
-                <a:schemeClr val="tx1">
-                  <a:lumMod val="95000"/>
-                  <a:lumOff val="5000"/>
-                </a:schemeClr>
-              </a:solidFill>
-              <a:tailEnd type="triangle"/>
-            </a:ln>
-          </p:spPr>
-          <p:style>
-            <a:lnRef idx="1">
-              <a:schemeClr val="accent1"/>
-            </a:lnRef>
-            <a:fillRef idx="0">
-              <a:schemeClr val="accent1"/>
-            </a:fillRef>
-            <a:effectRef idx="0">
-              <a:schemeClr val="accent1"/>
-            </a:effectRef>
-            <a:fontRef idx="minor">
-              <a:schemeClr val="tx1"/>
-            </a:fontRef>
-          </p:style>
-        </p:cxnSp>
-        <p:sp>
-          <p:nvSpPr>
-            <p:cNvPr id="20" name="Retângulo 19">
-              <a:extLst>
-                <a:ext uri="{FF2B5EF4-FFF2-40B4-BE49-F238E27FC236}">
-                  <a16:creationId xmlns:a16="http://schemas.microsoft.com/office/drawing/2014/main" id="{74D5C7F8-046F-4CD0-B826-D31D7F3903F9}"/>
-                </a:ext>
-              </a:extLst>
-            </p:cNvPr>
-            <p:cNvSpPr/>
-            <p:nvPr/>
-          </p:nvSpPr>
-          <p:spPr>
-            <a:xfrm>
-              <a:off x="7298511" y="2089427"/>
-              <a:ext cx="851515" cy="369332"/>
-            </a:xfrm>
-            <a:prstGeom prst="rect">
-              <a:avLst/>
-            </a:prstGeom>
-          </p:spPr>
-          <p:txBody>
-            <a:bodyPr wrap="none">
-              <a:spAutoFit/>
-            </a:bodyPr>
-            <a:lstStyle/>
-            <a:p>
-              <a:r>
-                <a:rPr lang="pt-BR" dirty="0" err="1">
-                  <a:latin typeface="Times New Roman" panose="02020603050405020304" pitchFamily="18" charset="0"/>
-                  <a:cs typeface="Times New Roman" panose="02020603050405020304" pitchFamily="18" charset="0"/>
-                </a:rPr>
-                <a:t>request</a:t>
-              </a:r>
-              <a:endParaRPr lang="pt-BR" dirty="0">
-                <a:latin typeface="Times New Roman" panose="02020603050405020304" pitchFamily="18" charset="0"/>
-                <a:cs typeface="Times New Roman" panose="02020603050405020304" pitchFamily="18" charset="0"/>
-              </a:endParaRPr>
-            </a:p>
-          </p:txBody>
-        </p:sp>
-        <p:sp>
-          <p:nvSpPr>
-            <p:cNvPr id="22" name="Retângulo 21">
-              <a:extLst>
-                <a:ext uri="{FF2B5EF4-FFF2-40B4-BE49-F238E27FC236}">
-                  <a16:creationId xmlns:a16="http://schemas.microsoft.com/office/drawing/2014/main" id="{70AEF8D3-EA9C-42AD-8EB4-D296ADFE0F06}"/>
-                </a:ext>
-              </a:extLst>
-            </p:cNvPr>
-            <p:cNvSpPr/>
-            <p:nvPr/>
-          </p:nvSpPr>
-          <p:spPr>
-            <a:xfrm>
-              <a:off x="7272863" y="2835149"/>
-              <a:ext cx="902811" cy="369332"/>
-            </a:xfrm>
-            <a:prstGeom prst="rect">
-              <a:avLst/>
-            </a:prstGeom>
-          </p:spPr>
-          <p:txBody>
-            <a:bodyPr wrap="none">
-              <a:spAutoFit/>
-            </a:bodyPr>
-            <a:lstStyle/>
-            <a:p>
-              <a:r>
-                <a:rPr lang="pt-BR" dirty="0" err="1">
-                  <a:latin typeface="Times New Roman" panose="02020603050405020304" pitchFamily="18" charset="0"/>
-                  <a:cs typeface="Times New Roman" panose="02020603050405020304" pitchFamily="18" charset="0"/>
-                </a:rPr>
-                <a:t>reponse</a:t>
-              </a:r>
-              <a:endParaRPr lang="pt-BR" dirty="0">
-                <a:latin typeface="Times New Roman" panose="02020603050405020304" pitchFamily="18" charset="0"/>
-                <a:cs typeface="Times New Roman" panose="02020603050405020304" pitchFamily="18" charset="0"/>
-              </a:endParaRPr>
-            </a:p>
-          </p:txBody>
-        </p:sp>
-      </p:grpSp>
-      <p:pic>
-        <p:nvPicPr>
-          <p:cNvPr id="7" name="Imagem 6">
-            <a:extLst>
-              <a:ext uri="{FF2B5EF4-FFF2-40B4-BE49-F238E27FC236}">
-                <a16:creationId xmlns:a16="http://schemas.microsoft.com/office/drawing/2014/main" id="{5D738ADD-39E2-47D0-BE88-E3CA3EF34CBC}"/>
-              </a:ext>
-            </a:extLst>
-          </p:cNvPr>
-          <p:cNvPicPr>
-            <a:picLocks noChangeAspect="1"/>
-          </p:cNvPicPr>
-          <p:nvPr/>
-        </p:nvPicPr>
-        <p:blipFill>
-          <a:blip r:embed="rId5">
-            <a:extLst>
-              <a:ext uri="{28A0092B-C50C-407E-A947-70E740481C1C}">
-                <a14:useLocalDpi xmlns:a14="http://schemas.microsoft.com/office/drawing/2010/main" val="0"/>
-              </a:ext>
-            </a:extLst>
-          </a:blip>
-          <a:stretch>
-            <a:fillRect/>
-          </a:stretch>
-        </p:blipFill>
-        <p:spPr>
-          <a:xfrm>
-            <a:off x="2299368" y="4454009"/>
-            <a:ext cx="1080000" cy="1080000"/>
-          </a:xfrm>
-          <a:prstGeom prst="rect">
-            <a:avLst/>
-          </a:prstGeom>
-        </p:spPr>
-      </p:pic>
-      <p:pic>
-        <p:nvPicPr>
-          <p:cNvPr id="10" name="Imagem 9">
-            <a:extLst>
-              <a:ext uri="{FF2B5EF4-FFF2-40B4-BE49-F238E27FC236}">
-                <a16:creationId xmlns:a16="http://schemas.microsoft.com/office/drawing/2014/main" id="{CD784BB9-E261-4801-B8B1-615F8EBEA9A8}"/>
-              </a:ext>
-            </a:extLst>
-          </p:cNvPr>
-          <p:cNvPicPr>
-            <a:picLocks noChangeAspect="1"/>
-          </p:cNvPicPr>
-          <p:nvPr/>
-        </p:nvPicPr>
-        <p:blipFill>
-          <a:blip r:embed="rId6">
-            <a:extLst>
-              <a:ext uri="{28A0092B-C50C-407E-A947-70E740481C1C}">
-                <a14:useLocalDpi xmlns:a14="http://schemas.microsoft.com/office/drawing/2010/main" val="0"/>
-              </a:ext>
-            </a:extLst>
-          </a:blip>
-          <a:stretch>
-            <a:fillRect/>
-          </a:stretch>
-        </p:blipFill>
-        <p:spPr>
-          <a:xfrm>
-            <a:off x="5555966" y="4454009"/>
-            <a:ext cx="1080000" cy="1080000"/>
-          </a:xfrm>
-          <a:prstGeom prst="rect">
-            <a:avLst/>
-          </a:prstGeom>
-        </p:spPr>
-      </p:pic>
-      <p:pic>
-        <p:nvPicPr>
-          <p:cNvPr id="14" name="Imagem 13">
-            <a:extLst>
-              <a:ext uri="{FF2B5EF4-FFF2-40B4-BE49-F238E27FC236}">
-                <a16:creationId xmlns:a16="http://schemas.microsoft.com/office/drawing/2014/main" id="{EC14F329-561C-42C4-9E8D-2DDB1E60A945}"/>
-              </a:ext>
-            </a:extLst>
-          </p:cNvPr>
-          <p:cNvPicPr>
-            <a:picLocks noChangeAspect="1"/>
-          </p:cNvPicPr>
-          <p:nvPr/>
-        </p:nvPicPr>
-        <p:blipFill>
-          <a:blip r:embed="rId7">
-            <a:extLst>
-              <a:ext uri="{28A0092B-C50C-407E-A947-70E740481C1C}">
-                <a14:useLocalDpi xmlns:a14="http://schemas.microsoft.com/office/drawing/2010/main" val="0"/>
-              </a:ext>
-            </a:extLst>
-          </a:blip>
-          <a:stretch>
-            <a:fillRect/>
-          </a:stretch>
-        </p:blipFill>
-        <p:spPr>
-          <a:xfrm>
-            <a:off x="8812566" y="4454009"/>
-            <a:ext cx="1080000" cy="1080000"/>
-          </a:xfrm>
-          <a:prstGeom prst="rect">
-            <a:avLst/>
-          </a:prstGeom>
-        </p:spPr>
-      </p:pic>
-      <p:grpSp>
-        <p:nvGrpSpPr>
-          <p:cNvPr id="33" name="Agrupar 32">
-            <a:extLst>
-              <a:ext uri="{FF2B5EF4-FFF2-40B4-BE49-F238E27FC236}">
-                <a16:creationId xmlns:a16="http://schemas.microsoft.com/office/drawing/2014/main" id="{9F2C79CE-06FE-4CD6-9ADC-E8BA6B79D26F}"/>
-              </a:ext>
-            </a:extLst>
-          </p:cNvPr>
-          <p:cNvGrpSpPr/>
-          <p:nvPr/>
-        </p:nvGrpSpPr>
-        <p:grpSpPr>
-          <a:xfrm>
-            <a:off x="3477667" y="4478075"/>
-            <a:ext cx="1980000" cy="1115054"/>
-            <a:chOff x="3477668" y="4788155"/>
-            <a:chExt cx="1980000" cy="1115054"/>
-          </a:xfrm>
-        </p:grpSpPr>
-        <p:cxnSp>
-          <p:nvCxnSpPr>
-            <p:cNvPr id="23" name="Conector de Seta Reta 22">
-              <a:extLst>
-                <a:ext uri="{FF2B5EF4-FFF2-40B4-BE49-F238E27FC236}">
-                  <a16:creationId xmlns:a16="http://schemas.microsoft.com/office/drawing/2014/main" id="{38C5F1E2-CD4C-4837-9917-FC9030EE1752}"/>
-                </a:ext>
-              </a:extLst>
-            </p:cNvPr>
-            <p:cNvCxnSpPr>
-              <a:cxnSpLocks/>
-            </p:cNvCxnSpPr>
-            <p:nvPr/>
-          </p:nvCxnSpPr>
-          <p:spPr>
-            <a:xfrm>
-              <a:off x="3477668" y="5161449"/>
-              <a:ext cx="1980000" cy="0"/>
-            </a:xfrm>
-            <a:prstGeom prst="straightConnector1">
-              <a:avLst/>
-            </a:prstGeom>
-            <a:ln w="28575">
-              <a:solidFill>
-                <a:schemeClr val="tx1">
-                  <a:lumMod val="95000"/>
-                  <a:lumOff val="5000"/>
-                </a:schemeClr>
-              </a:solidFill>
-              <a:tailEnd type="triangle"/>
-            </a:ln>
-          </p:spPr>
-          <p:style>
-            <a:lnRef idx="1">
-              <a:schemeClr val="accent1"/>
-            </a:lnRef>
-            <a:fillRef idx="0">
-              <a:schemeClr val="accent1"/>
-            </a:fillRef>
-            <a:effectRef idx="0">
-              <a:schemeClr val="accent1"/>
-            </a:effectRef>
-            <a:fontRef idx="minor">
-              <a:schemeClr val="tx1"/>
-            </a:fontRef>
-          </p:style>
-        </p:cxnSp>
-        <p:cxnSp>
-          <p:nvCxnSpPr>
-            <p:cNvPr id="24" name="Conector de Seta Reta 23">
-              <a:extLst>
-                <a:ext uri="{FF2B5EF4-FFF2-40B4-BE49-F238E27FC236}">
-                  <a16:creationId xmlns:a16="http://schemas.microsoft.com/office/drawing/2014/main" id="{90577E20-0B9A-43F2-BFA4-78C0315C8924}"/>
-                </a:ext>
-              </a:extLst>
-            </p:cNvPr>
-            <p:cNvCxnSpPr>
-              <a:cxnSpLocks/>
-            </p:cNvCxnSpPr>
-            <p:nvPr/>
-          </p:nvCxnSpPr>
-          <p:spPr>
-            <a:xfrm flipH="1">
-              <a:off x="3477668" y="5522855"/>
-              <a:ext cx="1980000" cy="0"/>
-            </a:xfrm>
-            <a:prstGeom prst="straightConnector1">
-              <a:avLst/>
-            </a:prstGeom>
-            <a:ln w="28575">
-              <a:solidFill>
-                <a:schemeClr val="tx1">
-                  <a:lumMod val="95000"/>
-                  <a:lumOff val="5000"/>
-                </a:schemeClr>
-              </a:solidFill>
-              <a:tailEnd type="triangle"/>
-            </a:ln>
-          </p:spPr>
-          <p:style>
-            <a:lnRef idx="1">
-              <a:schemeClr val="accent1"/>
-            </a:lnRef>
-            <a:fillRef idx="0">
-              <a:schemeClr val="accent1"/>
-            </a:fillRef>
-            <a:effectRef idx="0">
-              <a:schemeClr val="accent1"/>
-            </a:effectRef>
-            <a:fontRef idx="minor">
-              <a:schemeClr val="tx1"/>
-            </a:fontRef>
-          </p:style>
-        </p:cxnSp>
-        <p:sp>
-          <p:nvSpPr>
-            <p:cNvPr id="25" name="Retângulo 24">
-              <a:extLst>
-                <a:ext uri="{FF2B5EF4-FFF2-40B4-BE49-F238E27FC236}">
-                  <a16:creationId xmlns:a16="http://schemas.microsoft.com/office/drawing/2014/main" id="{41143AFF-11C6-4F48-9C19-19D6B0BEC295}"/>
-                </a:ext>
-              </a:extLst>
-            </p:cNvPr>
-            <p:cNvSpPr/>
-            <p:nvPr/>
-          </p:nvSpPr>
-          <p:spPr>
-            <a:xfrm>
-              <a:off x="4041911" y="4788155"/>
-              <a:ext cx="851515" cy="369332"/>
-            </a:xfrm>
-            <a:prstGeom prst="rect">
-              <a:avLst/>
-            </a:prstGeom>
-          </p:spPr>
-          <p:txBody>
-            <a:bodyPr wrap="none">
-              <a:spAutoFit/>
-            </a:bodyPr>
-            <a:lstStyle/>
-            <a:p>
-              <a:r>
-                <a:rPr lang="pt-BR" dirty="0" err="1">
-                  <a:latin typeface="Times New Roman" panose="02020603050405020304" pitchFamily="18" charset="0"/>
-                  <a:cs typeface="Times New Roman" panose="02020603050405020304" pitchFamily="18" charset="0"/>
-                </a:rPr>
-                <a:t>request</a:t>
-              </a:r>
-              <a:endParaRPr lang="pt-BR" dirty="0">
-                <a:latin typeface="Times New Roman" panose="02020603050405020304" pitchFamily="18" charset="0"/>
-                <a:cs typeface="Times New Roman" panose="02020603050405020304" pitchFamily="18" charset="0"/>
-              </a:endParaRPr>
-            </a:p>
-          </p:txBody>
-        </p:sp>
-        <p:sp>
-          <p:nvSpPr>
-            <p:cNvPr id="26" name="Retângulo 25">
-              <a:extLst>
-                <a:ext uri="{FF2B5EF4-FFF2-40B4-BE49-F238E27FC236}">
-                  <a16:creationId xmlns:a16="http://schemas.microsoft.com/office/drawing/2014/main" id="{62B1EBE9-BFA5-4E97-BFCC-2B802F45D393}"/>
-                </a:ext>
-              </a:extLst>
-            </p:cNvPr>
-            <p:cNvSpPr/>
-            <p:nvPr/>
-          </p:nvSpPr>
-          <p:spPr>
-            <a:xfrm>
-              <a:off x="3971379" y="5533877"/>
-              <a:ext cx="992579" cy="369332"/>
-            </a:xfrm>
-            <a:prstGeom prst="rect">
-              <a:avLst/>
-            </a:prstGeom>
-          </p:spPr>
-          <p:txBody>
-            <a:bodyPr wrap="none">
-              <a:spAutoFit/>
-            </a:bodyPr>
-            <a:lstStyle/>
-            <a:p>
-              <a:r>
-                <a:rPr lang="pt-BR" dirty="0">
-                  <a:latin typeface="Times New Roman" panose="02020603050405020304" pitchFamily="18" charset="0"/>
-                  <a:cs typeface="Times New Roman" panose="02020603050405020304" pitchFamily="18" charset="0"/>
-                </a:rPr>
-                <a:t>response</a:t>
-              </a:r>
-            </a:p>
-          </p:txBody>
-        </p:sp>
-      </p:grpSp>
-      <p:pic>
-        <p:nvPicPr>
-          <p:cNvPr id="27" name="Imagem 26">
-            <a:extLst>
-              <a:ext uri="{FF2B5EF4-FFF2-40B4-BE49-F238E27FC236}">
-                <a16:creationId xmlns:a16="http://schemas.microsoft.com/office/drawing/2014/main" id="{BF2DF894-CD93-4A4D-863E-97739676180A}"/>
-              </a:ext>
-            </a:extLst>
-          </p:cNvPr>
-          <p:cNvPicPr>
-            <a:picLocks noChangeAspect="1"/>
-          </p:cNvPicPr>
-          <p:nvPr/>
-        </p:nvPicPr>
-        <p:blipFill>
-          <a:blip r:embed="rId7">
-            <a:extLst>
-              <a:ext uri="{28A0092B-C50C-407E-A947-70E740481C1C}">
-                <a14:useLocalDpi xmlns:a14="http://schemas.microsoft.com/office/drawing/2010/main" val="0"/>
-              </a:ext>
-            </a:extLst>
-          </a:blip>
-          <a:stretch>
-            <a:fillRect/>
-          </a:stretch>
-        </p:blipFill>
-        <p:spPr>
-          <a:xfrm>
-            <a:off x="8812566" y="7462817"/>
-            <a:ext cx="1080000" cy="1080000"/>
-          </a:xfrm>
-          <a:prstGeom prst="rect">
-            <a:avLst/>
-          </a:prstGeom>
-        </p:spPr>
-      </p:pic>
-      <p:grpSp>
-        <p:nvGrpSpPr>
-          <p:cNvPr id="32" name="Agrupar 31">
-            <a:extLst>
-              <a:ext uri="{FF2B5EF4-FFF2-40B4-BE49-F238E27FC236}">
-                <a16:creationId xmlns:a16="http://schemas.microsoft.com/office/drawing/2014/main" id="{1298BC37-51BC-4243-BD52-0A05AC90507A}"/>
-              </a:ext>
-            </a:extLst>
-          </p:cNvPr>
-          <p:cNvGrpSpPr/>
-          <p:nvPr/>
-        </p:nvGrpSpPr>
-        <p:grpSpPr>
-          <a:xfrm>
-            <a:off x="6734265" y="4478075"/>
-            <a:ext cx="1980000" cy="1115054"/>
-            <a:chOff x="6832566" y="4788155"/>
-            <a:chExt cx="1980000" cy="1115054"/>
-          </a:xfrm>
-        </p:grpSpPr>
-        <p:cxnSp>
-          <p:nvCxnSpPr>
-            <p:cNvPr id="28" name="Conector de Seta Reta 27">
-              <a:extLst>
-                <a:ext uri="{FF2B5EF4-FFF2-40B4-BE49-F238E27FC236}">
-                  <a16:creationId xmlns:a16="http://schemas.microsoft.com/office/drawing/2014/main" id="{12B6D63E-7A2F-488C-AE78-4F4C6E6BEBD1}"/>
-                </a:ext>
-              </a:extLst>
-            </p:cNvPr>
-            <p:cNvCxnSpPr>
-              <a:cxnSpLocks/>
-            </p:cNvCxnSpPr>
-            <p:nvPr/>
-          </p:nvCxnSpPr>
-          <p:spPr>
-            <a:xfrm>
-              <a:off x="6832566" y="5161449"/>
-              <a:ext cx="1980000" cy="0"/>
-            </a:xfrm>
-            <a:prstGeom prst="straightConnector1">
-              <a:avLst/>
-            </a:prstGeom>
-            <a:ln w="28575">
-              <a:solidFill>
-                <a:schemeClr val="tx1">
-                  <a:lumMod val="95000"/>
-                  <a:lumOff val="5000"/>
-                </a:schemeClr>
-              </a:solidFill>
-              <a:tailEnd type="triangle"/>
-            </a:ln>
-          </p:spPr>
-          <p:style>
-            <a:lnRef idx="1">
-              <a:schemeClr val="accent1"/>
-            </a:lnRef>
-            <a:fillRef idx="0">
-              <a:schemeClr val="accent1"/>
-            </a:fillRef>
-            <a:effectRef idx="0">
-              <a:schemeClr val="accent1"/>
-            </a:effectRef>
-            <a:fontRef idx="minor">
-              <a:schemeClr val="tx1"/>
-            </a:fontRef>
-          </p:style>
-        </p:cxnSp>
-        <p:cxnSp>
-          <p:nvCxnSpPr>
-            <p:cNvPr id="29" name="Conector de Seta Reta 28">
-              <a:extLst>
-                <a:ext uri="{FF2B5EF4-FFF2-40B4-BE49-F238E27FC236}">
-                  <a16:creationId xmlns:a16="http://schemas.microsoft.com/office/drawing/2014/main" id="{464F244F-ECE2-4A1B-BEB5-6CF43160E519}"/>
-                </a:ext>
-              </a:extLst>
-            </p:cNvPr>
-            <p:cNvCxnSpPr>
-              <a:cxnSpLocks/>
-            </p:cNvCxnSpPr>
-            <p:nvPr/>
-          </p:nvCxnSpPr>
-          <p:spPr>
-            <a:xfrm flipH="1">
-              <a:off x="6832566" y="5522855"/>
-              <a:ext cx="1980000" cy="0"/>
-            </a:xfrm>
-            <a:prstGeom prst="straightConnector1">
-              <a:avLst/>
-            </a:prstGeom>
-            <a:ln w="28575">
-              <a:solidFill>
-                <a:schemeClr val="tx1">
-                  <a:lumMod val="95000"/>
-                  <a:lumOff val="5000"/>
-                </a:schemeClr>
-              </a:solidFill>
-              <a:tailEnd type="triangle"/>
-            </a:ln>
-          </p:spPr>
-          <p:style>
-            <a:lnRef idx="1">
-              <a:schemeClr val="accent1"/>
-            </a:lnRef>
-            <a:fillRef idx="0">
-              <a:schemeClr val="accent1"/>
-            </a:fillRef>
-            <a:effectRef idx="0">
-              <a:schemeClr val="accent1"/>
-            </a:effectRef>
-            <a:fontRef idx="minor">
-              <a:schemeClr val="tx1"/>
-            </a:fontRef>
-          </p:style>
-        </p:cxnSp>
-        <p:sp>
-          <p:nvSpPr>
-            <p:cNvPr id="30" name="Retângulo 29">
-              <a:extLst>
-                <a:ext uri="{FF2B5EF4-FFF2-40B4-BE49-F238E27FC236}">
-                  <a16:creationId xmlns:a16="http://schemas.microsoft.com/office/drawing/2014/main" id="{F63735C2-FE40-4050-BD99-A2B775601892}"/>
-                </a:ext>
-              </a:extLst>
-            </p:cNvPr>
-            <p:cNvSpPr/>
-            <p:nvPr/>
-          </p:nvSpPr>
-          <p:spPr>
-            <a:xfrm>
-              <a:off x="7396809" y="4788155"/>
-              <a:ext cx="851515" cy="369332"/>
-            </a:xfrm>
-            <a:prstGeom prst="rect">
-              <a:avLst/>
-            </a:prstGeom>
-          </p:spPr>
-          <p:txBody>
-            <a:bodyPr wrap="none">
-              <a:spAutoFit/>
-            </a:bodyPr>
-            <a:lstStyle/>
-            <a:p>
-              <a:r>
-                <a:rPr lang="pt-BR" dirty="0" err="1">
-                  <a:latin typeface="Times New Roman" panose="02020603050405020304" pitchFamily="18" charset="0"/>
-                  <a:cs typeface="Times New Roman" panose="02020603050405020304" pitchFamily="18" charset="0"/>
-                </a:rPr>
-                <a:t>request</a:t>
-              </a:r>
-              <a:endParaRPr lang="pt-BR" dirty="0">
-                <a:latin typeface="Times New Roman" panose="02020603050405020304" pitchFamily="18" charset="0"/>
-                <a:cs typeface="Times New Roman" panose="02020603050405020304" pitchFamily="18" charset="0"/>
-              </a:endParaRPr>
-            </a:p>
-          </p:txBody>
-        </p:sp>
-        <p:sp>
-          <p:nvSpPr>
-            <p:cNvPr id="31" name="Retângulo 30">
-              <a:extLst>
-                <a:ext uri="{FF2B5EF4-FFF2-40B4-BE49-F238E27FC236}">
-                  <a16:creationId xmlns:a16="http://schemas.microsoft.com/office/drawing/2014/main" id="{6B381306-6B39-4BB7-BA95-A85B4E61D15A}"/>
-                </a:ext>
-              </a:extLst>
-            </p:cNvPr>
-            <p:cNvSpPr/>
-            <p:nvPr/>
-          </p:nvSpPr>
-          <p:spPr>
-            <a:xfrm>
-              <a:off x="7371161" y="5533877"/>
-              <a:ext cx="902811" cy="369332"/>
-            </a:xfrm>
-            <a:prstGeom prst="rect">
-              <a:avLst/>
-            </a:prstGeom>
-          </p:spPr>
-          <p:txBody>
-            <a:bodyPr wrap="none">
-              <a:spAutoFit/>
-            </a:bodyPr>
-            <a:lstStyle/>
-            <a:p>
-              <a:r>
-                <a:rPr lang="pt-BR" dirty="0" err="1">
-                  <a:latin typeface="Times New Roman" panose="02020603050405020304" pitchFamily="18" charset="0"/>
-                  <a:cs typeface="Times New Roman" panose="02020603050405020304" pitchFamily="18" charset="0"/>
-                </a:rPr>
-                <a:t>reponse</a:t>
-              </a:r>
-              <a:endParaRPr lang="pt-BR" dirty="0">
-                <a:latin typeface="Times New Roman" panose="02020603050405020304" pitchFamily="18" charset="0"/>
-                <a:cs typeface="Times New Roman" panose="02020603050405020304" pitchFamily="18" charset="0"/>
-              </a:endParaRPr>
-            </a:p>
-          </p:txBody>
-        </p:sp>
-      </p:grpSp>
+        <p:txBody>
+          <a:bodyPr/>
+          <a:lstStyle/>
+          <a:p>
+            <a:r>
+              <a:rPr lang="pt-BR" dirty="0"/>
+              <a:t>Antes de se tornar o framework amplamente utilizado que conhecemos hoje, o </a:t>
+            </a:r>
+            <a:r>
+              <a:rPr lang="pt-BR" dirty="0" err="1"/>
+              <a:t>Bootstrap</a:t>
+            </a:r>
+            <a:r>
+              <a:rPr lang="pt-BR" dirty="0"/>
+              <a:t> nasceu como uma solução interna no Twitter. Veja como ele evoluiu:</a:t>
+            </a:r>
+          </a:p>
+          <a:p>
+            <a:pPr marL="457200" lvl="1" indent="0">
+              <a:spcBef>
+                <a:spcPts val="1000"/>
+              </a:spcBef>
+              <a:buNone/>
+            </a:pPr>
+            <a:r>
+              <a:rPr lang="pt-BR" b="1" dirty="0"/>
+              <a:t>📜 Origem:</a:t>
+            </a:r>
+            <a:endParaRPr lang="pt-BR" dirty="0"/>
+          </a:p>
+          <a:p>
+            <a:pPr lvl="2">
+              <a:spcBef>
+                <a:spcPts val="0"/>
+              </a:spcBef>
+            </a:pPr>
+            <a:r>
+              <a:rPr lang="pt-BR" dirty="0"/>
+              <a:t>Criado por Mark Otto e Jacob Thornton (engenheiros do Twitter).</a:t>
+            </a:r>
+          </a:p>
+          <a:p>
+            <a:pPr lvl="2">
+              <a:spcBef>
+                <a:spcPts val="0"/>
+              </a:spcBef>
+            </a:pPr>
+            <a:r>
+              <a:rPr lang="pt-BR" dirty="0"/>
+              <a:t>Inicialmente chamado de </a:t>
+            </a:r>
+            <a:r>
+              <a:rPr lang="pt-BR" b="1" dirty="0"/>
+              <a:t>"Twitter </a:t>
+            </a:r>
+            <a:r>
+              <a:rPr lang="pt-BR" b="1" dirty="0" err="1"/>
+              <a:t>Blueprint</a:t>
+            </a:r>
+            <a:r>
+              <a:rPr lang="pt-BR" b="1" dirty="0"/>
+              <a:t>"</a:t>
+            </a:r>
+            <a:r>
+              <a:rPr lang="pt-BR" dirty="0"/>
+              <a:t>.</a:t>
+            </a:r>
+          </a:p>
+          <a:p>
+            <a:pPr marL="457200" lvl="1" indent="0">
+              <a:spcBef>
+                <a:spcPts val="0"/>
+              </a:spcBef>
+              <a:buNone/>
+            </a:pPr>
+            <a:r>
+              <a:rPr lang="pt-BR" b="1" dirty="0"/>
+              <a:t>🚀 Lançamento Público:</a:t>
+            </a:r>
+            <a:endParaRPr lang="pt-BR" dirty="0"/>
+          </a:p>
+          <a:p>
+            <a:pPr lvl="2">
+              <a:spcBef>
+                <a:spcPts val="0"/>
+              </a:spcBef>
+            </a:pPr>
+            <a:r>
+              <a:rPr lang="pt-BR" dirty="0"/>
+              <a:t>Tornado open </a:t>
+            </a:r>
+            <a:r>
+              <a:rPr lang="pt-BR" dirty="0" err="1"/>
+              <a:t>source</a:t>
+            </a:r>
+            <a:r>
+              <a:rPr lang="pt-BR" dirty="0"/>
+              <a:t> em </a:t>
+            </a:r>
+            <a:r>
+              <a:rPr lang="pt-BR" b="1" dirty="0"/>
+              <a:t>2011</a:t>
+            </a:r>
+            <a:r>
+              <a:rPr lang="pt-BR" dirty="0"/>
+              <a:t>.</a:t>
+            </a:r>
+          </a:p>
+          <a:p>
+            <a:pPr lvl="2">
+              <a:spcBef>
+                <a:spcPts val="0"/>
+              </a:spcBef>
+            </a:pPr>
+            <a:r>
+              <a:rPr lang="pt-BR" dirty="0"/>
+              <a:t>Ganhou popularidade rapidamente na comunidade de desenvolvedores.</a:t>
+            </a:r>
+          </a:p>
+          <a:p>
+            <a:pPr marL="457200" lvl="1" indent="0">
+              <a:spcBef>
+                <a:spcPts val="0"/>
+              </a:spcBef>
+              <a:buNone/>
+            </a:pPr>
+            <a:r>
+              <a:rPr lang="pt-BR" b="1" dirty="0"/>
+              <a:t>🎯 Objetivo Inicial:</a:t>
+            </a:r>
+            <a:endParaRPr lang="pt-BR" dirty="0"/>
+          </a:p>
+          <a:p>
+            <a:pPr lvl="2">
+              <a:spcBef>
+                <a:spcPts val="0"/>
+              </a:spcBef>
+            </a:pPr>
+            <a:r>
+              <a:rPr lang="pt-BR" b="1" dirty="0"/>
+              <a:t>Padronizar</a:t>
+            </a:r>
+            <a:r>
+              <a:rPr lang="pt-BR" dirty="0"/>
+              <a:t> a aparência e comportamento das ferramentas internas do Twitter.</a:t>
+            </a:r>
+          </a:p>
+          <a:p>
+            <a:pPr lvl="2">
+              <a:spcBef>
+                <a:spcPts val="0"/>
+              </a:spcBef>
+            </a:pPr>
+            <a:r>
+              <a:rPr lang="pt-BR" dirty="0"/>
+              <a:t>Facilitar o desenvolvimento de interfaces consistentes e responsivas.</a:t>
+            </a:r>
+          </a:p>
+          <a:p>
+            <a:endParaRPr lang="pt-BR" dirty="0"/>
+          </a:p>
+        </p:txBody>
+      </p:sp>
     </p:spTree>
     <p:extLst>
       <p:ext uri="{BB962C8B-B14F-4D97-AF65-F5344CB8AC3E}">
-        <p14:creationId xmlns:p14="http://schemas.microsoft.com/office/powerpoint/2010/main" val="2130251542"/>
+        <p14:creationId xmlns:p14="http://schemas.microsoft.com/office/powerpoint/2010/main" val="1830063481"/>
       </p:ext>
     </p:extLst>
   </p:cSld>
@@ -7564,7 +4390,7 @@
           <p:cNvPr id="2" name="Título 1">
             <a:extLst>
               <a:ext uri="{FF2B5EF4-FFF2-40B4-BE49-F238E27FC236}">
-                <a16:creationId xmlns:a16="http://schemas.microsoft.com/office/drawing/2014/main" id="{D18C1BD2-1860-4128-A38E-31FF7B7DDFE3}"/>
+                <a16:creationId xmlns:a16="http://schemas.microsoft.com/office/drawing/2014/main" id="{4684438D-6C3C-4C69-85D3-5CF586B4F7D2}"/>
               </a:ext>
             </a:extLst>
           </p:cNvPr>
@@ -7582,7 +4408,15 @@
           <a:p>
             <a:r>
               <a:rPr lang="pt-BR" dirty="0"/>
-              <a:t>O que são GET, POST, PUT e DELETE?</a:t>
+              <a:t>Open </a:t>
+            </a:r>
+            <a:r>
+              <a:rPr lang="pt-BR" dirty="0" err="1"/>
+              <a:t>Source</a:t>
+            </a:r>
+            <a:r>
+              <a:rPr lang="pt-BR" dirty="0"/>
+              <a:t> e Comunidade</a:t>
             </a:r>
           </a:p>
         </p:txBody>
@@ -7592,7 +4426,7 @@
           <p:cNvPr id="3" name="Espaço Reservado para Conteúdo 2">
             <a:extLst>
               <a:ext uri="{FF2B5EF4-FFF2-40B4-BE49-F238E27FC236}">
-                <a16:creationId xmlns:a16="http://schemas.microsoft.com/office/drawing/2014/main" id="{6B64F687-2EB1-4898-AF95-B06854DA8F57}"/>
+                <a16:creationId xmlns:a16="http://schemas.microsoft.com/office/drawing/2014/main" id="{77FFB28C-DCC0-4442-8781-B3800D7562DB}"/>
               </a:ext>
             </a:extLst>
           </p:cNvPr>
@@ -7603,66 +4437,215 @@
             <p:ph idx="1"/>
           </p:nvPr>
         </p:nvSpPr>
-        <p:spPr/>
+        <p:spPr>
+          <a:xfrm>
+            <a:off x="592347" y="1844674"/>
+            <a:ext cx="11007306" cy="4841875"/>
+          </a:xfrm>
+        </p:spPr>
         <p:txBody>
           <a:bodyPr/>
           <a:lstStyle/>
           <a:p>
             <a:r>
-              <a:rPr lang="pt-BR" dirty="0"/>
-              <a:t>Essas palavras representam os métodos HTTP, que são usados para comunicação entre clientes (como navegadores ou aplicativos) e servidores. Cada um desses métodos define uma ação específica a ser realizada em um recurso da API.</a:t>
-            </a:r>
-          </a:p>
-          <a:p>
-            <a:pPr marL="1028700" lvl="1" indent="-342900"/>
+              <a:rPr lang="pt-BR" sz="1800" dirty="0"/>
+              <a:t>O sucesso do </a:t>
+            </a:r>
+            <a:r>
+              <a:rPr lang="pt-BR" sz="1800" dirty="0" err="1"/>
+              <a:t>Bootstrap</a:t>
+            </a:r>
+            <a:r>
+              <a:rPr lang="pt-BR" sz="1800" dirty="0"/>
+              <a:t> vai muito além do seu código. Parte do seu impacto global vem do fato de ser um projeto aberto e sustentado por uma comunidade ativa de desenvolvedores. Vamos entender por que isso é tão importante:</a:t>
+            </a:r>
+          </a:p>
+          <a:p>
+            <a:pPr marL="457200" lvl="1" indent="0">
+              <a:spcBef>
+                <a:spcPts val="1000"/>
+              </a:spcBef>
+              <a:buNone/>
+            </a:pPr>
+            <a:r>
+              <a:rPr lang="pt-BR" dirty="0"/>
+              <a:t>🔓 </a:t>
+            </a:r>
             <a:r>
               <a:rPr lang="pt-BR" b="1" dirty="0"/>
-              <a:t>GET  - </a:t>
-            </a:r>
-            <a:r>
-              <a:rPr lang="pt-BR" dirty="0"/>
-              <a:t>Busca dados em um servidor sem alterá-los, como ao consultar um CEP. </a:t>
-            </a:r>
-          </a:p>
-          <a:p>
-            <a:pPr marL="1028700" lvl="1" indent="-342900"/>
+              <a:t>Código Aberto (Open </a:t>
+            </a:r>
+            <a:r>
+              <a:rPr lang="pt-BR" b="1" dirty="0" err="1"/>
+              <a:t>Source</a:t>
+            </a:r>
             <a:r>
               <a:rPr lang="pt-BR" b="1" dirty="0"/>
-              <a:t>POST - </a:t>
-            </a:r>
-            <a:r>
-              <a:rPr lang="pt-BR" dirty="0"/>
-              <a:t>Envia informações para um servidor para criar um novo recurso, como cadastrar um usuário. </a:t>
-            </a:r>
-          </a:p>
-          <a:p>
-            <a:pPr marL="1028700" lvl="1" indent="-342900"/>
+              <a:t>):</a:t>
+            </a:r>
+            <a:endParaRPr lang="pt-BR" dirty="0"/>
+          </a:p>
+          <a:p>
+            <a:pPr lvl="2">
+              <a:spcBef>
+                <a:spcPts val="0"/>
+              </a:spcBef>
+            </a:pPr>
+            <a:r>
+              <a:rPr lang="pt-BR" dirty="0"/>
+              <a:t>Qualquer pessoa pode </a:t>
+            </a:r>
             <a:r>
               <a:rPr lang="pt-BR" b="1" dirty="0"/>
-              <a:t>PUT - </a:t>
-            </a:r>
-            <a:r>
-              <a:rPr lang="pt-BR" dirty="0"/>
-              <a:t>Atualiza completamente um recurso existente, substituindo seus dados. </a:t>
-            </a:r>
-          </a:p>
-          <a:p>
-            <a:pPr marL="1028700" lvl="1" indent="-342900"/>
+              <a:t>baixar, usar, modificar</a:t>
+            </a:r>
+            <a:r>
+              <a:rPr lang="pt-BR" dirty="0"/>
+              <a:t> e contribuir com o código.</a:t>
+            </a:r>
+          </a:p>
+          <a:p>
+            <a:pPr lvl="2">
+              <a:spcBef>
+                <a:spcPts val="0"/>
+              </a:spcBef>
+            </a:pPr>
             <a:r>
               <a:rPr lang="pt-BR" b="1" dirty="0"/>
-              <a:t>DELETE </a:t>
-            </a:r>
-            <a:r>
-              <a:rPr lang="pt-BR" dirty="0"/>
-              <a:t>- Remove um recurso de dentro de um servidor, como excluir uma conta. </a:t>
-            </a:r>
+              <a:t>Disponível no GitHub:</a:t>
+            </a:r>
+            <a:r>
+              <a:rPr lang="pt-BR" dirty="0"/>
+              <a:t> </a:t>
+            </a:r>
+            <a:r>
+              <a:rPr lang="pt-BR" dirty="0">
+                <a:hlinkClick r:id="rId2"/>
+              </a:rPr>
+              <a:t>github.com/</a:t>
+            </a:r>
+            <a:r>
+              <a:rPr lang="pt-BR" dirty="0" err="1">
+                <a:hlinkClick r:id="rId2"/>
+              </a:rPr>
+              <a:t>twbs</a:t>
+            </a:r>
+            <a:r>
+              <a:rPr lang="pt-BR" dirty="0">
+                <a:hlinkClick r:id="rId2"/>
+              </a:rPr>
+              <a:t>/</a:t>
+            </a:r>
+            <a:r>
+              <a:rPr lang="pt-BR" dirty="0" err="1">
+                <a:hlinkClick r:id="rId2"/>
+              </a:rPr>
+              <a:t>bootstrap</a:t>
+            </a:r>
+            <a:endParaRPr lang="pt-BR" dirty="0"/>
+          </a:p>
+          <a:p>
+            <a:pPr marL="457200" lvl="1" indent="0">
+              <a:spcBef>
+                <a:spcPts val="0"/>
+              </a:spcBef>
+              <a:buNone/>
+            </a:pPr>
+            <a:r>
+              <a:rPr lang="pt-BR" dirty="0"/>
+              <a:t>🛠️ </a:t>
+            </a:r>
+            <a:r>
+              <a:rPr lang="pt-BR" b="1" dirty="0"/>
+              <a:t>Vantagens:</a:t>
+            </a:r>
+            <a:endParaRPr lang="pt-BR" dirty="0"/>
+          </a:p>
+          <a:p>
+            <a:pPr lvl="2">
+              <a:spcBef>
+                <a:spcPts val="0"/>
+              </a:spcBef>
+            </a:pPr>
+            <a:r>
+              <a:rPr lang="pt-BR" dirty="0"/>
+              <a:t>Evolução rápida</a:t>
+            </a:r>
+          </a:p>
+          <a:p>
+            <a:pPr lvl="2">
+              <a:spcBef>
+                <a:spcPts val="0"/>
+              </a:spcBef>
+            </a:pPr>
+            <a:r>
+              <a:rPr lang="pt-BR" dirty="0"/>
+              <a:t>Colaboração global</a:t>
+            </a:r>
+          </a:p>
+          <a:p>
+            <a:pPr lvl="2">
+              <a:spcBef>
+                <a:spcPts val="0"/>
+              </a:spcBef>
+            </a:pPr>
+            <a:r>
+              <a:rPr lang="pt-BR" dirty="0"/>
+              <a:t>Uso gratuito</a:t>
+            </a:r>
+          </a:p>
+          <a:p>
+            <a:pPr marL="457200" lvl="1" indent="0">
+              <a:spcBef>
+                <a:spcPts val="0"/>
+              </a:spcBef>
+              <a:buNone/>
+            </a:pPr>
+            <a:r>
+              <a:rPr lang="pt-BR" dirty="0"/>
+              <a:t>🌍 </a:t>
+            </a:r>
+            <a:r>
+              <a:rPr lang="pt-BR" b="1" dirty="0"/>
+              <a:t>Comunidade Ativa:</a:t>
+            </a:r>
+            <a:endParaRPr lang="pt-BR" dirty="0"/>
+          </a:p>
+          <a:p>
+            <a:pPr lvl="2">
+              <a:spcBef>
+                <a:spcPts val="0"/>
+              </a:spcBef>
+            </a:pPr>
+            <a:r>
+              <a:rPr lang="pt-BR" dirty="0"/>
+              <a:t>Milhares de desenvolvedores contribuem com melhorias e novos recursos.</a:t>
+            </a:r>
+          </a:p>
+          <a:p>
+            <a:pPr lvl="2">
+              <a:spcBef>
+                <a:spcPts val="0"/>
+              </a:spcBef>
+            </a:pPr>
+            <a:r>
+              <a:rPr lang="pt-BR" dirty="0"/>
+              <a:t>Documentação oficial: </a:t>
+            </a:r>
+            <a:r>
+              <a:rPr lang="pt-BR" dirty="0">
+                <a:hlinkClick r:id="rId3"/>
+              </a:rPr>
+              <a:t>getbootstrap.com</a:t>
+            </a:r>
+            <a:endParaRPr lang="pt-BR" dirty="0"/>
           </a:p>
         </p:txBody>
       </p:sp>
     </p:spTree>
     <p:extLst>
       <p:ext uri="{BB962C8B-B14F-4D97-AF65-F5344CB8AC3E}">
-        <p14:creationId xmlns:p14="http://schemas.microsoft.com/office/powerpoint/2010/main" val="3388780424"/>
+        <p14:creationId xmlns:p14="http://schemas.microsoft.com/office/powerpoint/2010/main" val="266998314"/>
       </p:ext>
     </p:extLst>
   </p:cSld>
@@ -7694,7 +4677,7 @@
           <p:cNvPr id="2" name="Título 1">
             <a:extLst>
               <a:ext uri="{FF2B5EF4-FFF2-40B4-BE49-F238E27FC236}">
-                <a16:creationId xmlns:a16="http://schemas.microsoft.com/office/drawing/2014/main" id="{99B1D258-59A5-4810-A5FD-D0D7FB9E1E36}"/>
+                <a16:creationId xmlns:a16="http://schemas.microsoft.com/office/drawing/2014/main" id="{D16317BA-05E9-4C7C-A386-E99D942BC4DF}"/>
               </a:ext>
             </a:extLst>
           </p:cNvPr>
@@ -7712,8 +4695,13 @@
           <a:p>
             <a:r>
               <a:rPr lang="pt-BR" dirty="0"/>
-              <a:t>O que é JSON?</a:t>
-            </a:r>
+              <a:t>Como a usar o </a:t>
+            </a:r>
+            <a:r>
+              <a:rPr lang="pt-BR" dirty="0" err="1"/>
+              <a:t>Bootstrap</a:t>
+            </a:r>
+            <a:endParaRPr lang="pt-BR" dirty="0"/>
           </a:p>
         </p:txBody>
       </p:sp>
@@ -7722,7 +4710,7 @@
           <p:cNvPr id="3" name="Espaço Reservado para Conteúdo 2">
             <a:extLst>
               <a:ext uri="{FF2B5EF4-FFF2-40B4-BE49-F238E27FC236}">
-                <a16:creationId xmlns:a16="http://schemas.microsoft.com/office/drawing/2014/main" id="{BB448151-6978-4E43-BCC0-D82A5D1D6B22}"/>
+                <a16:creationId xmlns:a16="http://schemas.microsoft.com/office/drawing/2014/main" id="{D0D58ADF-9D22-4289-8884-EB4403FFDDB6}"/>
               </a:ext>
             </a:extLst>
           </p:cNvPr>
@@ -7733,91 +4721,111 @@
             <p:ph idx="1"/>
           </p:nvPr>
         </p:nvSpPr>
-        <p:spPr/>
+        <p:spPr>
+          <a:xfrm>
+            <a:off x="592347" y="1844675"/>
+            <a:ext cx="11007306" cy="1584325"/>
+          </a:xfrm>
+        </p:spPr>
         <p:txBody>
           <a:bodyPr/>
           <a:lstStyle/>
           <a:p>
             <a:r>
               <a:rPr lang="pt-BR" dirty="0"/>
-              <a:t>JSON (</a:t>
+              <a:t>O </a:t>
             </a:r>
             <a:r>
               <a:rPr lang="pt-BR" dirty="0" err="1"/>
-              <a:t>JavaScript</a:t>
-            </a:r>
-            <a:r>
-              <a:rPr lang="pt-BR" dirty="0"/>
-              <a:t> </a:t>
-            </a:r>
-            <a:r>
-              <a:rPr lang="pt-BR" dirty="0" err="1"/>
-              <a:t>Object</a:t>
-            </a:r>
-            <a:r>
-              <a:rPr lang="pt-BR" dirty="0"/>
-              <a:t> </a:t>
-            </a:r>
-            <a:r>
-              <a:rPr lang="pt-BR" dirty="0" err="1"/>
-              <a:t>Notation</a:t>
-            </a:r>
-            <a:r>
-              <a:rPr lang="pt-BR" dirty="0"/>
-              <a:t>) é um formato leve para armazenar e transmitir dados, estruturado como um conjunto de pares chave: valor. Ele é amplamente utilizado para comunicação entre aplicações web e APIs, sendo usado em aplicações como: </a:t>
-            </a:r>
-          </a:p>
-          <a:p>
-            <a:pPr marL="1028700" lvl="1" indent="-342900"/>
-            <a:r>
-              <a:rPr lang="pt-BR" dirty="0"/>
-              <a:t>Respostas de APIs (como </a:t>
-            </a:r>
-            <a:r>
-              <a:rPr lang="pt-BR" dirty="0" err="1"/>
-              <a:t>ViaCEP</a:t>
-            </a:r>
-            <a:r>
-              <a:rPr lang="pt-BR" dirty="0"/>
-              <a:t>, </a:t>
-            </a:r>
-            <a:r>
-              <a:rPr lang="pt-BR" dirty="0" err="1"/>
-              <a:t>OpenWeather</a:t>
-            </a:r>
-            <a:r>
-              <a:rPr lang="pt-BR" dirty="0"/>
-              <a:t>, etc.).</a:t>
-            </a:r>
-          </a:p>
-          <a:p>
-            <a:pPr marL="1028700" lvl="1" indent="-342900"/>
-            <a:r>
-              <a:rPr lang="pt-BR" dirty="0"/>
-              <a:t>Armazenamento de configurações (ex.: </a:t>
-            </a:r>
-            <a:r>
-              <a:rPr lang="pt-BR" dirty="0" err="1"/>
-              <a:t>package.json</a:t>
-            </a:r>
-            <a:r>
-              <a:rPr lang="pt-BR" dirty="0"/>
-              <a:t> em projetos Node.js).</a:t>
-            </a:r>
-          </a:p>
-          <a:p>
-            <a:pPr marL="1028700" lvl="1" indent="-342900"/>
-            <a:r>
-              <a:rPr lang="pt-BR" dirty="0"/>
-              <a:t>Troca de dados entre sistemas em aplicações web e móveis.</a:t>
-            </a:r>
-          </a:p>
-        </p:txBody>
-      </p:sp>
+              <a:t>Bootstrap</a:t>
+            </a:r>
+            <a:r>
+              <a:rPr lang="pt-BR" dirty="0"/>
+              <a:t> pode ser usado via CDN, de forma rápida e prática, ou por download, ideal para personalizações e uso offline. Para começar, a CDN é a melhor opção.</a:t>
+            </a:r>
+          </a:p>
+          <a:p>
+            <a:r>
+              <a:rPr lang="pt-BR" dirty="0"/>
+              <a:t>Acesse: </a:t>
+            </a:r>
+            <a:r>
+              <a:rPr lang="pt-BR" dirty="0">
+                <a:hlinkClick r:id="rId2"/>
+              </a:rPr>
+              <a:t>https://getbootstrap.com</a:t>
+            </a:r>
+            <a:endParaRPr lang="pt-BR" dirty="0"/>
+          </a:p>
+          <a:p>
+            <a:endParaRPr lang="pt-BR" dirty="0"/>
+          </a:p>
+        </p:txBody>
+      </p:sp>
+      <p:pic>
+        <p:nvPicPr>
+          <p:cNvPr id="4" name="Imagem 3">
+            <a:extLst>
+              <a:ext uri="{FF2B5EF4-FFF2-40B4-BE49-F238E27FC236}">
+                <a16:creationId xmlns:a16="http://schemas.microsoft.com/office/drawing/2014/main" id="{4CC84861-7B52-4818-A9C1-17B310A3213F}"/>
+              </a:ext>
+            </a:extLst>
+          </p:cNvPr>
+          <p:cNvPicPr>
+            <a:picLocks noChangeAspect="1"/>
+          </p:cNvPicPr>
+          <p:nvPr/>
+        </p:nvPicPr>
+        <p:blipFill>
+          <a:blip r:embed="rId3"/>
+          <a:stretch>
+            <a:fillRect/>
+          </a:stretch>
+        </p:blipFill>
+        <p:spPr>
+          <a:xfrm>
+            <a:off x="1258602" y="3637306"/>
+            <a:ext cx="4335250" cy="2739935"/>
+          </a:xfrm>
+          <a:prstGeom prst="rect">
+            <a:avLst/>
+          </a:prstGeom>
+        </p:spPr>
+      </p:pic>
+      <p:pic>
+        <p:nvPicPr>
+          <p:cNvPr id="5" name="Imagem 4">
+            <a:extLst>
+              <a:ext uri="{FF2B5EF4-FFF2-40B4-BE49-F238E27FC236}">
+                <a16:creationId xmlns:a16="http://schemas.microsoft.com/office/drawing/2014/main" id="{15D20E21-4EEE-4A57-899E-DD28EAB986BA}"/>
+              </a:ext>
+            </a:extLst>
+          </p:cNvPr>
+          <p:cNvPicPr>
+            <a:picLocks noChangeAspect="1"/>
+          </p:cNvPicPr>
+          <p:nvPr/>
+        </p:nvPicPr>
+        <p:blipFill>
+          <a:blip r:embed="rId4"/>
+          <a:stretch>
+            <a:fillRect/>
+          </a:stretch>
+        </p:blipFill>
+        <p:spPr>
+          <a:xfrm>
+            <a:off x="6852454" y="3637641"/>
+            <a:ext cx="4080943" cy="2739600"/>
+          </a:xfrm>
+          <a:prstGeom prst="rect">
+            <a:avLst/>
+          </a:prstGeom>
+        </p:spPr>
+      </p:pic>
     </p:spTree>
     <p:extLst>
       <p:ext uri="{BB962C8B-B14F-4D97-AF65-F5344CB8AC3E}">
-        <p14:creationId xmlns:p14="http://schemas.microsoft.com/office/powerpoint/2010/main" val="1383363926"/>
+        <p14:creationId xmlns:p14="http://schemas.microsoft.com/office/powerpoint/2010/main" val="1723995042"/>
       </p:ext>
     </p:extLst>
   </p:cSld>
@@ -7849,7 +4857,7 @@
           <p:cNvPr id="2" name="Título 1">
             <a:extLst>
               <a:ext uri="{FF2B5EF4-FFF2-40B4-BE49-F238E27FC236}">
-                <a16:creationId xmlns:a16="http://schemas.microsoft.com/office/drawing/2014/main" id="{E922F159-DE43-47FD-9738-53C3B8DEA35C}"/>
+                <a16:creationId xmlns:a16="http://schemas.microsoft.com/office/drawing/2014/main" id="{AF81317A-A2A5-40C0-9550-BDA18FFBEB2A}"/>
               </a:ext>
             </a:extLst>
           </p:cNvPr>
@@ -7866,17 +4874,17 @@
           <a:lstStyle/>
           <a:p>
             <a:r>
+              <a:rPr lang="pt-BR" dirty="0"/>
+              <a:t>Uso do </a:t>
+            </a:r>
+            <a:r>
               <a:rPr lang="pt-BR" dirty="0" err="1"/>
-              <a:t>JavaScript</a:t>
-            </a:r>
-            <a:r>
-              <a:rPr lang="pt-BR" dirty="0"/>
-              <a:t> Assíncrono e Consumo de APIs</a:t>
-            </a:r>
-            <a:br>
-              <a:rPr lang="pt-BR" dirty="0"/>
-            </a:br>
-            <a:endParaRPr lang="pt-BR" dirty="0"/>
+              <a:t>Bootstrap</a:t>
+            </a:r>
+            <a:r>
+              <a:rPr lang="pt-BR" dirty="0"/>
+              <a:t> via CDN</a:t>
+            </a:r>
           </a:p>
         </p:txBody>
       </p:sp>
@@ -7885,7 +4893,7 @@
           <p:cNvPr id="3" name="Espaço Reservado para Conteúdo 2">
             <a:extLst>
               <a:ext uri="{FF2B5EF4-FFF2-40B4-BE49-F238E27FC236}">
-                <a16:creationId xmlns:a16="http://schemas.microsoft.com/office/drawing/2014/main" id="{7C1D9F79-5563-4569-93E3-6EE930AACAE0}"/>
+                <a16:creationId xmlns:a16="http://schemas.microsoft.com/office/drawing/2014/main" id="{2CB6E974-5960-48A6-9EDC-5C0150FF4DD2}"/>
               </a:ext>
             </a:extLst>
           </p:cNvPr>
@@ -7899,60 +4907,919 @@
         <p:spPr>
           <a:xfrm>
             <a:off x="592347" y="1844675"/>
-            <a:ext cx="11007306" cy="2289175"/>
+            <a:ext cx="11007306" cy="955675"/>
           </a:xfrm>
         </p:spPr>
         <p:txBody>
           <a:bodyPr/>
           <a:lstStyle/>
           <a:p>
+            <a:r>
+              <a:rPr lang="pt-BR" dirty="0"/>
+              <a:t>Durante o curso, utilizaremos o </a:t>
+            </a:r>
+            <a:r>
+              <a:rPr lang="pt-BR" dirty="0" err="1"/>
+              <a:t>Bootstrap</a:t>
+            </a:r>
+            <a:r>
+              <a:rPr lang="pt-BR" dirty="0"/>
+              <a:t> via CDN por ser a forma mais rápida e prática de integrar o framework aos nossos projetos, sem a necessidade de downloads ou instalações adicionais.</a:t>
+            </a:r>
+          </a:p>
+        </p:txBody>
+      </p:sp>
+      <p:sp>
+        <p:nvSpPr>
+          <p:cNvPr id="5" name="Retângulo 4">
+            <a:extLst>
+              <a:ext uri="{FF2B5EF4-FFF2-40B4-BE49-F238E27FC236}">
+                <a16:creationId xmlns:a16="http://schemas.microsoft.com/office/drawing/2014/main" id="{B0F5894F-8AF6-4A27-BB1F-5893AF36E004}"/>
+              </a:ext>
+            </a:extLst>
+          </p:cNvPr>
+          <p:cNvSpPr/>
+          <p:nvPr/>
+        </p:nvSpPr>
+        <p:spPr>
+          <a:xfrm>
+            <a:off x="786711" y="3038475"/>
+            <a:ext cx="10618578" cy="3303468"/>
+          </a:xfrm>
+          <a:prstGeom prst="rect">
+            <a:avLst/>
+          </a:prstGeom>
+        </p:spPr>
+        <p:txBody>
+          <a:bodyPr wrap="square">
+            <a:spAutoFit/>
+          </a:bodyPr>
+          <a:lstStyle/>
+          <a:p>
             <a:pPr>
               <a:spcBef>
-                <a:spcPts val="0"/>
+                <a:spcPts val="150"/>
               </a:spcBef>
+              <a:spcAft>
+                <a:spcPts val="150"/>
+              </a:spcAft>
             </a:pPr>
             <a:r>
-              <a:rPr lang="pt-BR" dirty="0" err="1"/>
-              <a:t>JavaScript</a:t>
-            </a:r>
-            <a:r>
-              <a:rPr lang="pt-BR" dirty="0"/>
-              <a:t> é uma linguagem single-</a:t>
-            </a:r>
-            <a:r>
-              <a:rPr lang="pt-BR" dirty="0" err="1"/>
-              <a:t>threaded</a:t>
-            </a:r>
-            <a:r>
-              <a:rPr lang="pt-BR" dirty="0"/>
-              <a:t>, ou seja, executa uma instrução por vez. No entanto, ao lidar com operações demoradas, como requisições de APIs, precisamos evitar que o código fique travado esperando uma resposta.</a:t>
-            </a:r>
+              <a:rPr lang="pt-BR" sz="1400" dirty="0">
+                <a:solidFill>
+                  <a:srgbClr val="800000"/>
+                </a:solidFill>
+                <a:latin typeface="Consolas" panose="020B0609020204030204" pitchFamily="49" charset="0"/>
+              </a:rPr>
+              <a:t>&lt;!DOCTYPE</a:t>
+            </a:r>
+            <a:r>
+              <a:rPr lang="pt-BR" sz="1400" dirty="0">
+                <a:solidFill>
+                  <a:srgbClr val="000000"/>
+                </a:solidFill>
+                <a:latin typeface="Consolas" panose="020B0609020204030204" pitchFamily="49" charset="0"/>
+              </a:rPr>
+              <a:t> </a:t>
+            </a:r>
+            <a:r>
+              <a:rPr lang="pt-BR" sz="1400" dirty="0" err="1">
+                <a:solidFill>
+                  <a:srgbClr val="E50000"/>
+                </a:solidFill>
+                <a:latin typeface="Consolas" panose="020B0609020204030204" pitchFamily="49" charset="0"/>
+              </a:rPr>
+              <a:t>html</a:t>
+            </a:r>
+            <a:r>
+              <a:rPr lang="pt-BR" sz="1400" dirty="0">
+                <a:solidFill>
+                  <a:srgbClr val="800000"/>
+                </a:solidFill>
+                <a:latin typeface="Consolas" panose="020B0609020204030204" pitchFamily="49" charset="0"/>
+              </a:rPr>
+              <a:t>&gt;</a:t>
+            </a:r>
+            <a:endParaRPr lang="pt-BR" sz="1400" dirty="0">
+              <a:solidFill>
+                <a:srgbClr val="000000"/>
+              </a:solidFill>
+              <a:latin typeface="Consolas" panose="020B0609020204030204" pitchFamily="49" charset="0"/>
+            </a:endParaRPr>
           </a:p>
           <a:p>
             <a:pPr>
               <a:spcBef>
-                <a:spcPts val="0"/>
+                <a:spcPts val="150"/>
               </a:spcBef>
+              <a:spcAft>
+                <a:spcPts val="150"/>
+              </a:spcAft>
             </a:pPr>
             <a:r>
-              <a:rPr lang="pt-BR" dirty="0"/>
-              <a:t>O </a:t>
-            </a:r>
-            <a:r>
-              <a:rPr lang="pt-BR" dirty="0" err="1"/>
-              <a:t>JavaScript</a:t>
-            </a:r>
-            <a:r>
-              <a:rPr lang="pt-BR" dirty="0"/>
-              <a:t> assíncrono permite que essas operações ocorram em segundo plano enquanto o restante do código continua sendo executado.</a:t>
-            </a:r>
+              <a:rPr lang="pt-BR" sz="1400" dirty="0">
+                <a:solidFill>
+                  <a:srgbClr val="800000"/>
+                </a:solidFill>
+                <a:latin typeface="Consolas" panose="020B0609020204030204" pitchFamily="49" charset="0"/>
+              </a:rPr>
+              <a:t>&lt;</a:t>
+            </a:r>
+            <a:r>
+              <a:rPr lang="pt-BR" sz="1400" dirty="0" err="1">
+                <a:solidFill>
+                  <a:srgbClr val="800000"/>
+                </a:solidFill>
+                <a:latin typeface="Consolas" panose="020B0609020204030204" pitchFamily="49" charset="0"/>
+              </a:rPr>
+              <a:t>html</a:t>
+            </a:r>
+            <a:r>
+              <a:rPr lang="pt-BR" sz="1400" dirty="0">
+                <a:solidFill>
+                  <a:srgbClr val="000000"/>
+                </a:solidFill>
+                <a:latin typeface="Consolas" panose="020B0609020204030204" pitchFamily="49" charset="0"/>
+              </a:rPr>
+              <a:t> </a:t>
+            </a:r>
+            <a:r>
+              <a:rPr lang="pt-BR" sz="1400" dirty="0" err="1">
+                <a:solidFill>
+                  <a:srgbClr val="E50000"/>
+                </a:solidFill>
+                <a:latin typeface="Consolas" panose="020B0609020204030204" pitchFamily="49" charset="0"/>
+              </a:rPr>
+              <a:t>lang</a:t>
+            </a:r>
+            <a:r>
+              <a:rPr lang="pt-BR" sz="1400" dirty="0">
+                <a:solidFill>
+                  <a:srgbClr val="000000"/>
+                </a:solidFill>
+                <a:latin typeface="Consolas" panose="020B0609020204030204" pitchFamily="49" charset="0"/>
+              </a:rPr>
+              <a:t>=</a:t>
+            </a:r>
+            <a:r>
+              <a:rPr lang="pt-BR" sz="1400" dirty="0">
+                <a:solidFill>
+                  <a:srgbClr val="0000FF"/>
+                </a:solidFill>
+                <a:latin typeface="Consolas" panose="020B0609020204030204" pitchFamily="49" charset="0"/>
+              </a:rPr>
+              <a:t>“</a:t>
+            </a:r>
+            <a:r>
+              <a:rPr lang="pt-BR" sz="1400" dirty="0" err="1">
+                <a:solidFill>
+                  <a:srgbClr val="0000FF"/>
+                </a:solidFill>
+                <a:latin typeface="Consolas" panose="020B0609020204030204" pitchFamily="49" charset="0"/>
+              </a:rPr>
+              <a:t>pt-br</a:t>
+            </a:r>
+            <a:r>
+              <a:rPr lang="pt-BR" sz="1400" dirty="0">
+                <a:solidFill>
+                  <a:srgbClr val="0000FF"/>
+                </a:solidFill>
+                <a:latin typeface="Consolas" panose="020B0609020204030204" pitchFamily="49" charset="0"/>
+              </a:rPr>
+              <a:t>"</a:t>
+            </a:r>
+            <a:r>
+              <a:rPr lang="pt-BR" sz="1400" dirty="0">
+                <a:solidFill>
+                  <a:srgbClr val="800000"/>
+                </a:solidFill>
+                <a:latin typeface="Consolas" panose="020B0609020204030204" pitchFamily="49" charset="0"/>
+              </a:rPr>
+              <a:t>&gt;</a:t>
+            </a:r>
+            <a:endParaRPr lang="pt-BR" sz="1400" dirty="0">
+              <a:solidFill>
+                <a:srgbClr val="000000"/>
+              </a:solidFill>
+              <a:latin typeface="Consolas" panose="020B0609020204030204" pitchFamily="49" charset="0"/>
+            </a:endParaRPr>
+          </a:p>
+          <a:p>
+            <a:pPr>
+              <a:spcBef>
+                <a:spcPts val="150"/>
+              </a:spcBef>
+              <a:spcAft>
+                <a:spcPts val="150"/>
+              </a:spcAft>
+            </a:pPr>
+            <a:r>
+              <a:rPr lang="pt-BR" sz="1400" dirty="0">
+                <a:solidFill>
+                  <a:srgbClr val="800000"/>
+                </a:solidFill>
+                <a:latin typeface="Consolas" panose="020B0609020204030204" pitchFamily="49" charset="0"/>
+              </a:rPr>
+              <a:t>&lt;</a:t>
+            </a:r>
+            <a:r>
+              <a:rPr lang="pt-BR" sz="1400" dirty="0" err="1">
+                <a:solidFill>
+                  <a:srgbClr val="800000"/>
+                </a:solidFill>
+                <a:latin typeface="Consolas" panose="020B0609020204030204" pitchFamily="49" charset="0"/>
+              </a:rPr>
+              <a:t>head</a:t>
+            </a:r>
+            <a:r>
+              <a:rPr lang="pt-BR" sz="1400" dirty="0">
+                <a:solidFill>
+                  <a:srgbClr val="800000"/>
+                </a:solidFill>
+                <a:latin typeface="Consolas" panose="020B0609020204030204" pitchFamily="49" charset="0"/>
+              </a:rPr>
+              <a:t>&gt;</a:t>
+            </a:r>
+            <a:endParaRPr lang="pt-BR" sz="1400" dirty="0">
+              <a:solidFill>
+                <a:srgbClr val="000000"/>
+              </a:solidFill>
+              <a:latin typeface="Consolas" panose="020B0609020204030204" pitchFamily="49" charset="0"/>
+            </a:endParaRPr>
+          </a:p>
+          <a:p>
+            <a:pPr marL="457200">
+              <a:spcBef>
+                <a:spcPts val="150"/>
+              </a:spcBef>
+              <a:spcAft>
+                <a:spcPts val="150"/>
+              </a:spcAft>
+            </a:pPr>
+            <a:r>
+              <a:rPr lang="pt-BR" sz="1400" dirty="0">
+                <a:solidFill>
+                  <a:srgbClr val="800000"/>
+                </a:solidFill>
+                <a:latin typeface="Consolas" panose="020B0609020204030204" pitchFamily="49" charset="0"/>
+              </a:rPr>
+              <a:t>&lt;link</a:t>
+            </a:r>
+            <a:r>
+              <a:rPr lang="pt-BR" sz="1400" dirty="0">
+                <a:solidFill>
+                  <a:srgbClr val="000000"/>
+                </a:solidFill>
+                <a:latin typeface="Consolas" panose="020B0609020204030204" pitchFamily="49" charset="0"/>
+              </a:rPr>
+              <a:t> </a:t>
+            </a:r>
+            <a:r>
+              <a:rPr lang="pt-BR" sz="1400" dirty="0" err="1">
+                <a:solidFill>
+                  <a:srgbClr val="E50000"/>
+                </a:solidFill>
+                <a:latin typeface="Consolas" panose="020B0609020204030204" pitchFamily="49" charset="0"/>
+              </a:rPr>
+              <a:t>href</a:t>
+            </a:r>
+            <a:r>
+              <a:rPr lang="pt-BR" sz="1400" dirty="0">
+                <a:solidFill>
+                  <a:srgbClr val="000000"/>
+                </a:solidFill>
+                <a:latin typeface="Consolas" panose="020B0609020204030204" pitchFamily="49" charset="0"/>
+              </a:rPr>
+              <a:t>=</a:t>
+            </a:r>
+            <a:r>
+              <a:rPr lang="pt-BR" sz="1400" dirty="0">
+                <a:solidFill>
+                  <a:srgbClr val="0000FF"/>
+                </a:solidFill>
+                <a:latin typeface="Consolas" panose="020B0609020204030204" pitchFamily="49" charset="0"/>
+              </a:rPr>
+              <a:t>"https://cdn.jsdelivr.net/</a:t>
+            </a:r>
+            <a:r>
+              <a:rPr lang="pt-BR" sz="1400" dirty="0" err="1">
+                <a:solidFill>
+                  <a:srgbClr val="0000FF"/>
+                </a:solidFill>
+                <a:latin typeface="Consolas" panose="020B0609020204030204" pitchFamily="49" charset="0"/>
+              </a:rPr>
+              <a:t>npm</a:t>
+            </a:r>
+            <a:r>
+              <a:rPr lang="pt-BR" sz="1400" dirty="0">
+                <a:solidFill>
+                  <a:srgbClr val="0000FF"/>
+                </a:solidFill>
+                <a:latin typeface="Consolas" panose="020B0609020204030204" pitchFamily="49" charset="0"/>
+              </a:rPr>
+              <a:t>/bootstrap@5.3.4/</a:t>
+            </a:r>
+            <a:r>
+              <a:rPr lang="pt-BR" sz="1400" dirty="0" err="1">
+                <a:solidFill>
+                  <a:srgbClr val="0000FF"/>
+                </a:solidFill>
+                <a:latin typeface="Consolas" panose="020B0609020204030204" pitchFamily="49" charset="0"/>
+              </a:rPr>
+              <a:t>dist</a:t>
+            </a:r>
+            <a:r>
+              <a:rPr lang="pt-BR" sz="1400" dirty="0">
+                <a:solidFill>
+                  <a:srgbClr val="0000FF"/>
+                </a:solidFill>
+                <a:latin typeface="Consolas" panose="020B0609020204030204" pitchFamily="49" charset="0"/>
+              </a:rPr>
+              <a:t>/</a:t>
+            </a:r>
+            <a:r>
+              <a:rPr lang="pt-BR" sz="1400" dirty="0" err="1">
+                <a:solidFill>
+                  <a:srgbClr val="0000FF"/>
+                </a:solidFill>
+                <a:latin typeface="Consolas" panose="020B0609020204030204" pitchFamily="49" charset="0"/>
+              </a:rPr>
+              <a:t>css</a:t>
+            </a:r>
+            <a:r>
+              <a:rPr lang="pt-BR" sz="1400" dirty="0">
+                <a:solidFill>
+                  <a:srgbClr val="0000FF"/>
+                </a:solidFill>
+                <a:latin typeface="Consolas" panose="020B0609020204030204" pitchFamily="49" charset="0"/>
+              </a:rPr>
+              <a:t>/bootstrap.min.css"</a:t>
+            </a:r>
+            <a:r>
+              <a:rPr lang="pt-BR" sz="1400" dirty="0">
+                <a:solidFill>
+                  <a:srgbClr val="000000"/>
+                </a:solidFill>
+                <a:latin typeface="Consolas" panose="020B0609020204030204" pitchFamily="49" charset="0"/>
+              </a:rPr>
+              <a:t> </a:t>
+            </a:r>
+            <a:r>
+              <a:rPr lang="pt-BR" sz="1400" dirty="0" err="1">
+                <a:solidFill>
+                  <a:srgbClr val="E50000"/>
+                </a:solidFill>
+                <a:latin typeface="Consolas" panose="020B0609020204030204" pitchFamily="49" charset="0"/>
+              </a:rPr>
+              <a:t>rel</a:t>
+            </a:r>
+            <a:r>
+              <a:rPr lang="pt-BR" sz="1400" dirty="0">
+                <a:solidFill>
+                  <a:srgbClr val="000000"/>
+                </a:solidFill>
+                <a:latin typeface="Consolas" panose="020B0609020204030204" pitchFamily="49" charset="0"/>
+              </a:rPr>
+              <a:t>=</a:t>
+            </a:r>
+            <a:r>
+              <a:rPr lang="pt-BR" sz="1400" dirty="0">
+                <a:solidFill>
+                  <a:srgbClr val="0000FF"/>
+                </a:solidFill>
+                <a:latin typeface="Consolas" panose="020B0609020204030204" pitchFamily="49" charset="0"/>
+              </a:rPr>
+              <a:t>"</a:t>
+            </a:r>
+            <a:r>
+              <a:rPr lang="pt-BR" sz="1400" dirty="0" err="1">
+                <a:solidFill>
+                  <a:srgbClr val="0000FF"/>
+                </a:solidFill>
+                <a:latin typeface="Consolas" panose="020B0609020204030204" pitchFamily="49" charset="0"/>
+              </a:rPr>
+              <a:t>stylesheet</a:t>
+            </a:r>
+            <a:r>
+              <a:rPr lang="pt-BR" sz="1400" dirty="0">
+                <a:solidFill>
+                  <a:srgbClr val="0000FF"/>
+                </a:solidFill>
+                <a:latin typeface="Consolas" panose="020B0609020204030204" pitchFamily="49" charset="0"/>
+              </a:rPr>
+              <a:t>“ </a:t>
+            </a:r>
+            <a:r>
+              <a:rPr lang="pt-BR" sz="1400" dirty="0" err="1">
+                <a:solidFill>
+                  <a:srgbClr val="E50000"/>
+                </a:solidFill>
+                <a:latin typeface="Consolas" panose="020B0609020204030204" pitchFamily="49" charset="0"/>
+              </a:rPr>
+              <a:t>integrity</a:t>
+            </a:r>
+            <a:r>
+              <a:rPr lang="pt-BR" sz="1400" dirty="0">
+                <a:solidFill>
+                  <a:srgbClr val="000000"/>
+                </a:solidFill>
+                <a:latin typeface="Consolas" panose="020B0609020204030204" pitchFamily="49" charset="0"/>
+              </a:rPr>
+              <a:t>=</a:t>
+            </a:r>
+            <a:r>
+              <a:rPr lang="pt-BR" sz="1400" dirty="0">
+                <a:solidFill>
+                  <a:srgbClr val="0000FF"/>
+                </a:solidFill>
+                <a:latin typeface="Consolas" panose="020B0609020204030204" pitchFamily="49" charset="0"/>
+              </a:rPr>
+              <a:t>"sha384-DQvkBjpPgn7RC31MCQoOeC9TI2kdqa4+BSgNMNj8v77fdC77Kj5zpWFTJaaAoMbC"</a:t>
+            </a:r>
+            <a:r>
+              <a:rPr lang="pt-BR" sz="1400" dirty="0">
+                <a:solidFill>
+                  <a:srgbClr val="000000"/>
+                </a:solidFill>
+                <a:latin typeface="Consolas" panose="020B0609020204030204" pitchFamily="49" charset="0"/>
+              </a:rPr>
+              <a:t> </a:t>
+            </a:r>
+            <a:r>
+              <a:rPr lang="pt-BR" sz="1400" dirty="0" err="1">
+                <a:solidFill>
+                  <a:srgbClr val="E50000"/>
+                </a:solidFill>
+                <a:latin typeface="Consolas" panose="020B0609020204030204" pitchFamily="49" charset="0"/>
+              </a:rPr>
+              <a:t>crossorigin</a:t>
+            </a:r>
+            <a:r>
+              <a:rPr lang="pt-BR" sz="1400" dirty="0">
+                <a:solidFill>
+                  <a:srgbClr val="000000"/>
+                </a:solidFill>
+                <a:latin typeface="Consolas" panose="020B0609020204030204" pitchFamily="49" charset="0"/>
+              </a:rPr>
+              <a:t>=</a:t>
+            </a:r>
+            <a:r>
+              <a:rPr lang="pt-BR" sz="1400" dirty="0">
+                <a:solidFill>
+                  <a:srgbClr val="0000FF"/>
+                </a:solidFill>
+                <a:latin typeface="Consolas" panose="020B0609020204030204" pitchFamily="49" charset="0"/>
+              </a:rPr>
+              <a:t>"</a:t>
+            </a:r>
+            <a:r>
+              <a:rPr lang="pt-BR" sz="1400" dirty="0" err="1">
+                <a:solidFill>
+                  <a:srgbClr val="0000FF"/>
+                </a:solidFill>
+                <a:latin typeface="Consolas" panose="020B0609020204030204" pitchFamily="49" charset="0"/>
+              </a:rPr>
+              <a:t>anonymous</a:t>
+            </a:r>
+            <a:r>
+              <a:rPr lang="pt-BR" sz="1400" dirty="0">
+                <a:solidFill>
+                  <a:srgbClr val="0000FF"/>
+                </a:solidFill>
+                <a:latin typeface="Consolas" panose="020B0609020204030204" pitchFamily="49" charset="0"/>
+              </a:rPr>
+              <a:t>"</a:t>
+            </a:r>
+            <a:r>
+              <a:rPr lang="pt-BR" sz="1400" dirty="0">
+                <a:solidFill>
+                  <a:srgbClr val="800000"/>
+                </a:solidFill>
+                <a:latin typeface="Consolas" panose="020B0609020204030204" pitchFamily="49" charset="0"/>
+              </a:rPr>
+              <a:t>&gt;</a:t>
+            </a:r>
+            <a:endParaRPr lang="pt-BR" sz="1400" dirty="0">
+              <a:solidFill>
+                <a:srgbClr val="000000"/>
+              </a:solidFill>
+              <a:latin typeface="Consolas" panose="020B0609020204030204" pitchFamily="49" charset="0"/>
+            </a:endParaRPr>
+          </a:p>
+          <a:p>
+            <a:pPr>
+              <a:spcBef>
+                <a:spcPts val="150"/>
+              </a:spcBef>
+              <a:spcAft>
+                <a:spcPts val="150"/>
+              </a:spcAft>
+            </a:pPr>
+            <a:r>
+              <a:rPr lang="pt-BR" sz="1400" dirty="0">
+                <a:solidFill>
+                  <a:srgbClr val="800000"/>
+                </a:solidFill>
+                <a:latin typeface="Consolas" panose="020B0609020204030204" pitchFamily="49" charset="0"/>
+              </a:rPr>
+              <a:t>&lt;/</a:t>
+            </a:r>
+            <a:r>
+              <a:rPr lang="pt-BR" sz="1400" dirty="0" err="1">
+                <a:solidFill>
+                  <a:srgbClr val="800000"/>
+                </a:solidFill>
+                <a:latin typeface="Consolas" panose="020B0609020204030204" pitchFamily="49" charset="0"/>
+              </a:rPr>
+              <a:t>head</a:t>
+            </a:r>
+            <a:r>
+              <a:rPr lang="pt-BR" sz="1400" dirty="0">
+                <a:solidFill>
+                  <a:srgbClr val="800000"/>
+                </a:solidFill>
+                <a:latin typeface="Consolas" panose="020B0609020204030204" pitchFamily="49" charset="0"/>
+              </a:rPr>
+              <a:t>&gt;</a:t>
+            </a:r>
+            <a:endParaRPr lang="pt-BR" sz="1400" dirty="0">
+              <a:solidFill>
+                <a:srgbClr val="000000"/>
+              </a:solidFill>
+              <a:latin typeface="Consolas" panose="020B0609020204030204" pitchFamily="49" charset="0"/>
+            </a:endParaRPr>
+          </a:p>
+          <a:p>
+            <a:pPr>
+              <a:spcBef>
+                <a:spcPts val="150"/>
+              </a:spcBef>
+              <a:spcAft>
+                <a:spcPts val="150"/>
+              </a:spcAft>
+            </a:pPr>
+            <a:r>
+              <a:rPr lang="pt-BR" sz="1400" dirty="0">
+                <a:solidFill>
+                  <a:srgbClr val="800000"/>
+                </a:solidFill>
+                <a:latin typeface="Consolas" panose="020B0609020204030204" pitchFamily="49" charset="0"/>
+              </a:rPr>
+              <a:t>&lt;</a:t>
+            </a:r>
+            <a:r>
+              <a:rPr lang="pt-BR" sz="1400" dirty="0" err="1">
+                <a:solidFill>
+                  <a:srgbClr val="800000"/>
+                </a:solidFill>
+                <a:latin typeface="Consolas" panose="020B0609020204030204" pitchFamily="49" charset="0"/>
+              </a:rPr>
+              <a:t>body</a:t>
+            </a:r>
+            <a:r>
+              <a:rPr lang="pt-BR" sz="1400" dirty="0">
+                <a:solidFill>
+                  <a:srgbClr val="800000"/>
+                </a:solidFill>
+                <a:latin typeface="Consolas" panose="020B0609020204030204" pitchFamily="49" charset="0"/>
+              </a:rPr>
+              <a:t>&gt;</a:t>
+            </a:r>
+            <a:r>
+              <a:rPr lang="pt-BR" sz="1400" dirty="0">
+                <a:solidFill>
+                  <a:srgbClr val="000000"/>
+                </a:solidFill>
+                <a:latin typeface="Consolas" panose="020B0609020204030204" pitchFamily="49" charset="0"/>
+              </a:rPr>
+              <a:t>    </a:t>
+            </a:r>
+          </a:p>
+          <a:p>
+            <a:pPr marL="457200">
+              <a:spcBef>
+                <a:spcPts val="150"/>
+              </a:spcBef>
+              <a:spcAft>
+                <a:spcPts val="150"/>
+              </a:spcAft>
+            </a:pPr>
+            <a:r>
+              <a:rPr lang="pt-BR" sz="1400" dirty="0">
+                <a:solidFill>
+                  <a:srgbClr val="800000"/>
+                </a:solidFill>
+                <a:latin typeface="Consolas" panose="020B0609020204030204" pitchFamily="49" charset="0"/>
+              </a:rPr>
+              <a:t>&lt;script</a:t>
+            </a:r>
+            <a:r>
+              <a:rPr lang="pt-BR" sz="1400" dirty="0">
+                <a:solidFill>
+                  <a:srgbClr val="000000"/>
+                </a:solidFill>
+                <a:latin typeface="Consolas" panose="020B0609020204030204" pitchFamily="49" charset="0"/>
+              </a:rPr>
+              <a:t> </a:t>
+            </a:r>
+            <a:r>
+              <a:rPr lang="pt-BR" sz="1400" dirty="0" err="1">
+                <a:solidFill>
+                  <a:srgbClr val="E50000"/>
+                </a:solidFill>
+                <a:latin typeface="Consolas" panose="020B0609020204030204" pitchFamily="49" charset="0"/>
+              </a:rPr>
+              <a:t>src</a:t>
+            </a:r>
+            <a:r>
+              <a:rPr lang="pt-BR" sz="1400" dirty="0">
+                <a:solidFill>
+                  <a:srgbClr val="000000"/>
+                </a:solidFill>
+                <a:latin typeface="Consolas" panose="020B0609020204030204" pitchFamily="49" charset="0"/>
+              </a:rPr>
+              <a:t>=</a:t>
+            </a:r>
+            <a:r>
+              <a:rPr lang="pt-BR" sz="1400" dirty="0">
+                <a:solidFill>
+                  <a:srgbClr val="0000FF"/>
+                </a:solidFill>
+                <a:latin typeface="Consolas" panose="020B0609020204030204" pitchFamily="49" charset="0"/>
+              </a:rPr>
+              <a:t>"https://cdn.jsdelivr.net/</a:t>
+            </a:r>
+            <a:r>
+              <a:rPr lang="pt-BR" sz="1400" dirty="0" err="1">
+                <a:solidFill>
+                  <a:srgbClr val="0000FF"/>
+                </a:solidFill>
+                <a:latin typeface="Consolas" panose="020B0609020204030204" pitchFamily="49" charset="0"/>
+              </a:rPr>
+              <a:t>npm</a:t>
+            </a:r>
+            <a:r>
+              <a:rPr lang="pt-BR" sz="1400" dirty="0">
+                <a:solidFill>
+                  <a:srgbClr val="0000FF"/>
+                </a:solidFill>
+                <a:latin typeface="Consolas" panose="020B0609020204030204" pitchFamily="49" charset="0"/>
+              </a:rPr>
+              <a:t>/bootstrap@5.3.4/</a:t>
+            </a:r>
+            <a:r>
+              <a:rPr lang="pt-BR" sz="1400" dirty="0" err="1">
+                <a:solidFill>
+                  <a:srgbClr val="0000FF"/>
+                </a:solidFill>
+                <a:latin typeface="Consolas" panose="020B0609020204030204" pitchFamily="49" charset="0"/>
+              </a:rPr>
+              <a:t>dist</a:t>
+            </a:r>
+            <a:r>
+              <a:rPr lang="pt-BR" sz="1400" dirty="0">
+                <a:solidFill>
+                  <a:srgbClr val="0000FF"/>
+                </a:solidFill>
+                <a:latin typeface="Consolas" panose="020B0609020204030204" pitchFamily="49" charset="0"/>
+              </a:rPr>
+              <a:t>/</a:t>
+            </a:r>
+            <a:r>
+              <a:rPr lang="pt-BR" sz="1400" dirty="0" err="1">
+                <a:solidFill>
+                  <a:srgbClr val="0000FF"/>
+                </a:solidFill>
+                <a:latin typeface="Consolas" panose="020B0609020204030204" pitchFamily="49" charset="0"/>
+              </a:rPr>
+              <a:t>js</a:t>
+            </a:r>
+            <a:r>
+              <a:rPr lang="pt-BR" sz="1400" dirty="0">
+                <a:solidFill>
+                  <a:srgbClr val="0000FF"/>
+                </a:solidFill>
+                <a:latin typeface="Consolas" panose="020B0609020204030204" pitchFamily="49" charset="0"/>
+              </a:rPr>
+              <a:t>/bootstrap.bundle.min.js"</a:t>
+            </a:r>
+            <a:r>
+              <a:rPr lang="pt-BR" sz="1400" dirty="0">
+                <a:solidFill>
+                  <a:srgbClr val="000000"/>
+                </a:solidFill>
+                <a:latin typeface="Consolas" panose="020B0609020204030204" pitchFamily="49" charset="0"/>
+              </a:rPr>
+              <a:t> </a:t>
+            </a:r>
+            <a:r>
+              <a:rPr lang="pt-BR" sz="1400" dirty="0" err="1">
+                <a:solidFill>
+                  <a:srgbClr val="E50000"/>
+                </a:solidFill>
+                <a:latin typeface="Consolas" panose="020B0609020204030204" pitchFamily="49" charset="0"/>
+              </a:rPr>
+              <a:t>integrity</a:t>
+            </a:r>
+            <a:r>
+              <a:rPr lang="pt-BR" sz="1400" dirty="0">
+                <a:solidFill>
+                  <a:srgbClr val="000000"/>
+                </a:solidFill>
+                <a:latin typeface="Consolas" panose="020B0609020204030204" pitchFamily="49" charset="0"/>
+              </a:rPr>
+              <a:t>=</a:t>
+            </a:r>
+            <a:r>
+              <a:rPr lang="pt-BR" sz="1400" dirty="0">
+                <a:solidFill>
+                  <a:srgbClr val="0000FF"/>
+                </a:solidFill>
+                <a:latin typeface="Consolas" panose="020B0609020204030204" pitchFamily="49" charset="0"/>
+              </a:rPr>
+              <a:t>"sha384-YUe2LzesAfftltw+PEaao2tjU/</a:t>
+            </a:r>
+            <a:r>
+              <a:rPr lang="pt-BR" sz="1400" dirty="0" err="1">
+                <a:solidFill>
+                  <a:srgbClr val="0000FF"/>
+                </a:solidFill>
+                <a:latin typeface="Consolas" panose="020B0609020204030204" pitchFamily="49" charset="0"/>
+              </a:rPr>
+              <a:t>QATaW</a:t>
+            </a:r>
+            <a:r>
+              <a:rPr lang="pt-BR" sz="1400" dirty="0">
+                <a:solidFill>
+                  <a:srgbClr val="0000FF"/>
+                </a:solidFill>
+                <a:latin typeface="Consolas" panose="020B0609020204030204" pitchFamily="49" charset="0"/>
+              </a:rPr>
+              <a:t>/rOitAq67e0CT0Zi2VVRL0oC4+gAaeBKu"</a:t>
+            </a:r>
+            <a:r>
+              <a:rPr lang="pt-BR" sz="1400" dirty="0">
+                <a:solidFill>
+                  <a:srgbClr val="000000"/>
+                </a:solidFill>
+                <a:latin typeface="Consolas" panose="020B0609020204030204" pitchFamily="49" charset="0"/>
+              </a:rPr>
+              <a:t> </a:t>
+            </a:r>
+            <a:r>
+              <a:rPr lang="pt-BR" sz="1400" dirty="0" err="1">
+                <a:solidFill>
+                  <a:srgbClr val="E50000"/>
+                </a:solidFill>
+                <a:latin typeface="Consolas" panose="020B0609020204030204" pitchFamily="49" charset="0"/>
+              </a:rPr>
+              <a:t>crossorigin</a:t>
+            </a:r>
+            <a:r>
+              <a:rPr lang="pt-BR" sz="1400" dirty="0">
+                <a:solidFill>
+                  <a:srgbClr val="000000"/>
+                </a:solidFill>
+                <a:latin typeface="Consolas" panose="020B0609020204030204" pitchFamily="49" charset="0"/>
+              </a:rPr>
+              <a:t>=</a:t>
+            </a:r>
+            <a:r>
+              <a:rPr lang="pt-BR" sz="1400" dirty="0">
+                <a:solidFill>
+                  <a:srgbClr val="0000FF"/>
+                </a:solidFill>
+                <a:latin typeface="Consolas" panose="020B0609020204030204" pitchFamily="49" charset="0"/>
+              </a:rPr>
+              <a:t>"</a:t>
+            </a:r>
+            <a:r>
+              <a:rPr lang="pt-BR" sz="1400" dirty="0" err="1">
+                <a:solidFill>
+                  <a:srgbClr val="0000FF"/>
+                </a:solidFill>
+                <a:latin typeface="Consolas" panose="020B0609020204030204" pitchFamily="49" charset="0"/>
+              </a:rPr>
+              <a:t>anonymous</a:t>
+            </a:r>
+            <a:r>
+              <a:rPr lang="pt-BR" sz="1400" dirty="0">
+                <a:solidFill>
+                  <a:srgbClr val="0000FF"/>
+                </a:solidFill>
+                <a:latin typeface="Consolas" panose="020B0609020204030204" pitchFamily="49" charset="0"/>
+              </a:rPr>
+              <a:t>"</a:t>
+            </a:r>
+            <a:r>
+              <a:rPr lang="pt-BR" sz="1400" dirty="0">
+                <a:solidFill>
+                  <a:srgbClr val="800000"/>
+                </a:solidFill>
+                <a:latin typeface="Consolas" panose="020B0609020204030204" pitchFamily="49" charset="0"/>
+              </a:rPr>
+              <a:t>&gt;&lt;/script&gt;</a:t>
+            </a:r>
+            <a:endParaRPr lang="pt-BR" sz="1400" dirty="0">
+              <a:solidFill>
+                <a:srgbClr val="000000"/>
+              </a:solidFill>
+              <a:latin typeface="Consolas" panose="020B0609020204030204" pitchFamily="49" charset="0"/>
+            </a:endParaRPr>
+          </a:p>
+          <a:p>
+            <a:pPr>
+              <a:spcBef>
+                <a:spcPts val="150"/>
+              </a:spcBef>
+              <a:spcAft>
+                <a:spcPts val="150"/>
+              </a:spcAft>
+            </a:pPr>
+            <a:r>
+              <a:rPr lang="pt-BR" sz="1400" dirty="0">
+                <a:solidFill>
+                  <a:srgbClr val="800000"/>
+                </a:solidFill>
+                <a:latin typeface="Consolas" panose="020B0609020204030204" pitchFamily="49" charset="0"/>
+              </a:rPr>
+              <a:t>&lt;/</a:t>
+            </a:r>
+            <a:r>
+              <a:rPr lang="pt-BR" sz="1400" dirty="0" err="1">
+                <a:solidFill>
+                  <a:srgbClr val="800000"/>
+                </a:solidFill>
+                <a:latin typeface="Consolas" panose="020B0609020204030204" pitchFamily="49" charset="0"/>
+              </a:rPr>
+              <a:t>body</a:t>
+            </a:r>
+            <a:r>
+              <a:rPr lang="pt-BR" sz="1400" dirty="0">
+                <a:solidFill>
+                  <a:srgbClr val="800000"/>
+                </a:solidFill>
+                <a:latin typeface="Consolas" panose="020B0609020204030204" pitchFamily="49" charset="0"/>
+              </a:rPr>
+              <a:t>&gt;</a:t>
+            </a:r>
+            <a:endParaRPr lang="pt-BR" sz="1400" dirty="0">
+              <a:solidFill>
+                <a:srgbClr val="000000"/>
+              </a:solidFill>
+              <a:latin typeface="Consolas" panose="020B0609020204030204" pitchFamily="49" charset="0"/>
+            </a:endParaRPr>
+          </a:p>
+          <a:p>
+            <a:pPr>
+              <a:spcBef>
+                <a:spcPts val="150"/>
+              </a:spcBef>
+              <a:spcAft>
+                <a:spcPts val="150"/>
+              </a:spcAft>
+            </a:pPr>
+            <a:r>
+              <a:rPr lang="pt-BR" sz="1400" dirty="0">
+                <a:solidFill>
+                  <a:srgbClr val="800000"/>
+                </a:solidFill>
+                <a:latin typeface="Consolas" panose="020B0609020204030204" pitchFamily="49" charset="0"/>
+              </a:rPr>
+              <a:t>&lt;/</a:t>
+            </a:r>
+            <a:r>
+              <a:rPr lang="pt-BR" sz="1400" dirty="0" err="1">
+                <a:solidFill>
+                  <a:srgbClr val="800000"/>
+                </a:solidFill>
+                <a:latin typeface="Consolas" panose="020B0609020204030204" pitchFamily="49" charset="0"/>
+              </a:rPr>
+              <a:t>html</a:t>
+            </a:r>
+            <a:r>
+              <a:rPr lang="pt-BR" sz="1400" dirty="0">
+                <a:solidFill>
+                  <a:srgbClr val="800000"/>
+                </a:solidFill>
+                <a:latin typeface="Consolas" panose="020B0609020204030204" pitchFamily="49" charset="0"/>
+              </a:rPr>
+              <a:t>&gt;</a:t>
+            </a:r>
+            <a:endParaRPr lang="pt-BR" sz="1400" b="0" dirty="0">
+              <a:solidFill>
+                <a:srgbClr val="000000"/>
+              </a:solidFill>
+              <a:effectLst/>
+              <a:latin typeface="Consolas" panose="020B0609020204030204" pitchFamily="49" charset="0"/>
+            </a:endParaRPr>
           </a:p>
         </p:txBody>
       </p:sp>
     </p:spTree>
     <p:extLst>
       <p:ext uri="{BB962C8B-B14F-4D97-AF65-F5344CB8AC3E}">
-        <p14:creationId xmlns:p14="http://schemas.microsoft.com/office/powerpoint/2010/main" val="592185381"/>
+        <p14:creationId xmlns:p14="http://schemas.microsoft.com/office/powerpoint/2010/main" val="1087498607"/>
       </p:ext>
     </p:extLst>
   </p:cSld>
@@ -7984,7 +5851,7 @@
           <p:cNvPr id="2" name="Título 1">
             <a:extLst>
               <a:ext uri="{FF2B5EF4-FFF2-40B4-BE49-F238E27FC236}">
-                <a16:creationId xmlns:a16="http://schemas.microsoft.com/office/drawing/2014/main" id="{E922F159-DE43-47FD-9738-53C3B8DEA35C}"/>
+                <a16:creationId xmlns:a16="http://schemas.microsoft.com/office/drawing/2014/main" id="{56E5367B-B8D9-4376-A025-C1091D697551}"/>
               </a:ext>
             </a:extLst>
           </p:cNvPr>
@@ -8002,16 +5869,13 @@
           <a:p>
             <a:r>
               <a:rPr lang="pt-BR" dirty="0"/>
-              <a:t>Por que usamos </a:t>
+              <a:t>Documentação </a:t>
             </a:r>
             <a:r>
               <a:rPr lang="pt-BR" dirty="0" err="1"/>
-              <a:t>JavaScript</a:t>
-            </a:r>
-            <a:r>
-              <a:rPr lang="pt-BR" dirty="0"/>
-              <a:t> Assíncrono para consumir APIs?</a:t>
-            </a:r>
+              <a:t>Bootstrap</a:t>
+            </a:r>
+            <a:endParaRPr lang="pt-BR" dirty="0"/>
           </a:p>
         </p:txBody>
       </p:sp>
@@ -8020,7 +5884,7 @@
           <p:cNvPr id="3" name="Espaço Reservado para Conteúdo 2">
             <a:extLst>
               <a:ext uri="{FF2B5EF4-FFF2-40B4-BE49-F238E27FC236}">
-                <a16:creationId xmlns:a16="http://schemas.microsoft.com/office/drawing/2014/main" id="{7C1D9F79-5563-4569-93E3-6EE930AACAE0}"/>
+                <a16:creationId xmlns:a16="http://schemas.microsoft.com/office/drawing/2014/main" id="{7DE1640B-6FA4-4F19-A777-AC37B5917731}"/>
               </a:ext>
             </a:extLst>
           </p:cNvPr>
@@ -8031,153 +5895,44 @@
             <p:ph idx="1"/>
           </p:nvPr>
         </p:nvSpPr>
-        <p:spPr>
-          <a:xfrm>
-            <a:off x="592347" y="1844675"/>
-            <a:ext cx="11007306" cy="2289175"/>
-          </a:xfrm>
-        </p:spPr>
+        <p:spPr/>
         <p:txBody>
           <a:bodyPr/>
           <a:lstStyle/>
           <a:p>
-            <a:pPr>
-              <a:spcBef>
-                <a:spcPts val="0"/>
-              </a:spcBef>
-            </a:pPr>
-            <a:r>
-              <a:rPr lang="pt-BR" dirty="0"/>
-              <a:t>APIs estão hospedadas em servidores e podem demorar para responder devido a fatores como conexão lenta ou grande volume de dados. Se o código fosse síncrono, ele ficaria bloqueado aguardando a resposta. Com a programação assíncrona, evitamos esse problema e garantimos uma melhor experiência ao usuário.</a:t>
-            </a:r>
-          </a:p>
-          <a:p>
-            <a:pPr>
-              <a:spcBef>
-                <a:spcPts val="0"/>
-              </a:spcBef>
-            </a:pPr>
-            <a:r>
-              <a:rPr lang="pt-BR" dirty="0"/>
-              <a:t>Sintaxe: </a:t>
-            </a:r>
-          </a:p>
-        </p:txBody>
-      </p:sp>
-      <p:sp>
-        <p:nvSpPr>
-          <p:cNvPr id="4" name="Retângulo 3">
-            <a:extLst>
-              <a:ext uri="{FF2B5EF4-FFF2-40B4-BE49-F238E27FC236}">
-                <a16:creationId xmlns:a16="http://schemas.microsoft.com/office/drawing/2014/main" id="{1047E3F8-9B94-4EFB-8779-7D07AE295DB1}"/>
-              </a:ext>
-            </a:extLst>
-          </p:cNvPr>
-          <p:cNvSpPr/>
-          <p:nvPr/>
-        </p:nvSpPr>
-        <p:spPr>
-          <a:xfrm>
-            <a:off x="4129087" y="4675532"/>
-            <a:ext cx="3933825" cy="923330"/>
-          </a:xfrm>
-          <a:prstGeom prst="rect">
-            <a:avLst/>
-          </a:prstGeom>
-        </p:spPr>
-        <p:txBody>
-          <a:bodyPr wrap="square">
-            <a:spAutoFit/>
-          </a:bodyPr>
-          <a:lstStyle/>
-          <a:p>
-            <a:r>
-              <a:rPr lang="pt-BR" dirty="0" err="1">
-                <a:solidFill>
-                  <a:srgbClr val="0000FF"/>
-                </a:solidFill>
-                <a:latin typeface="Consolas" panose="020B0609020204030204" pitchFamily="49" charset="0"/>
-              </a:rPr>
-              <a:t>async</a:t>
+            <a:r>
+              <a:rPr lang="pt-BR" dirty="0"/>
+              <a:t>A documentação do </a:t>
+            </a:r>
+            <a:r>
+              <a:rPr lang="pt-BR" dirty="0" err="1"/>
+              <a:t>Bootstrap</a:t>
+            </a:r>
+            <a:r>
+              <a:rPr lang="pt-BR" dirty="0"/>
+              <a:t> é uma das mais completas e bem estruturadas entre os frameworks front-end. Ela traz exemplos práticos, trechos de código prontos, explicações detalhadas sobre cada componente e instruções para personalização. Além disso, está sempre atualizada conforme novas versões são lançadas, o que facilita o aprendizado e o uso mesmo para quem está começando.</a:t>
+            </a:r>
+          </a:p>
+          <a:p>
+            <a:pPr lvl="1"/>
+            <a:r>
+              <a:rPr lang="pt-BR" dirty="0"/>
+              <a:t>Acesse em: </a:t>
             </a:r>
             <a:r>
               <a:rPr lang="pt-BR" dirty="0">
-                <a:solidFill>
-                  <a:srgbClr val="000000"/>
-                </a:solidFill>
-                <a:latin typeface="Consolas" panose="020B0609020204030204" pitchFamily="49" charset="0"/>
-              </a:rPr>
-              <a:t> </a:t>
-            </a:r>
-            <a:r>
-              <a:rPr lang="pt-BR" dirty="0" err="1">
-                <a:solidFill>
-                  <a:srgbClr val="0000FF"/>
-                </a:solidFill>
-                <a:latin typeface="Consolas" panose="020B0609020204030204" pitchFamily="49" charset="0"/>
-              </a:rPr>
-              <a:t>function</a:t>
-            </a:r>
-            <a:r>
-              <a:rPr lang="pt-BR" dirty="0">
-                <a:solidFill>
-                  <a:srgbClr val="000000"/>
-                </a:solidFill>
-                <a:latin typeface="Consolas" panose="020B0609020204030204" pitchFamily="49" charset="0"/>
-              </a:rPr>
-              <a:t> </a:t>
-            </a:r>
-            <a:r>
-              <a:rPr lang="pt-BR" dirty="0" err="1">
-                <a:solidFill>
-                  <a:srgbClr val="000000"/>
-                </a:solidFill>
-                <a:latin typeface="Consolas" panose="020B0609020204030204" pitchFamily="49" charset="0"/>
-              </a:rPr>
-              <a:t>nomeFunção</a:t>
-            </a:r>
-            <a:r>
-              <a:rPr lang="pt-BR" dirty="0">
-                <a:solidFill>
-                  <a:srgbClr val="000000"/>
-                </a:solidFill>
-                <a:latin typeface="Consolas" panose="020B0609020204030204" pitchFamily="49" charset="0"/>
-              </a:rPr>
-              <a:t>() {</a:t>
-            </a:r>
-          </a:p>
-          <a:p>
-            <a:br>
-              <a:rPr lang="pt-BR" dirty="0">
-                <a:solidFill>
-                  <a:srgbClr val="000000"/>
-                </a:solidFill>
-                <a:latin typeface="Consolas" panose="020B0609020204030204" pitchFamily="49" charset="0"/>
-              </a:rPr>
-            </a:br>
-            <a:r>
-              <a:rPr lang="pt-BR" dirty="0">
-                <a:solidFill>
-                  <a:srgbClr val="000000"/>
-                </a:solidFill>
-                <a:latin typeface="Consolas" panose="020B0609020204030204" pitchFamily="49" charset="0"/>
-              </a:rPr>
-              <a:t>}</a:t>
-            </a:r>
-            <a:endParaRPr lang="pt-BR" b="0" dirty="0">
-              <a:solidFill>
-                <a:srgbClr val="000000"/>
-              </a:solidFill>
-              <a:effectLst/>
-              <a:latin typeface="Consolas" panose="020B0609020204030204" pitchFamily="49" charset="0"/>
-            </a:endParaRPr>
+                <a:hlinkClick r:id="rId2"/>
+              </a:rPr>
+              <a:t>https://getbootstrap.com/docs/</a:t>
+            </a:r>
+            <a:endParaRPr lang="pt-BR" dirty="0"/>
           </a:p>
         </p:txBody>
       </p:sp>
     </p:spTree>
     <p:extLst>
       <p:ext uri="{BB962C8B-B14F-4D97-AF65-F5344CB8AC3E}">
-        <p14:creationId xmlns:p14="http://schemas.microsoft.com/office/powerpoint/2010/main" val="3356402365"/>
+        <p14:creationId xmlns:p14="http://schemas.microsoft.com/office/powerpoint/2010/main" val="659597013"/>
       </p:ext>
     </p:extLst>
   </p:cSld>
@@ -8209,7 +5964,7 @@
           <p:cNvPr id="2" name="Título 1">
             <a:extLst>
               <a:ext uri="{FF2B5EF4-FFF2-40B4-BE49-F238E27FC236}">
-                <a16:creationId xmlns:a16="http://schemas.microsoft.com/office/drawing/2014/main" id="{B00FECBC-A724-4C8D-8D2C-CDCA5B8DE3C3}"/>
+                <a16:creationId xmlns:a16="http://schemas.microsoft.com/office/drawing/2014/main" id="{0784D66E-A054-4616-BAFD-EDBB2F5F9844}"/>
               </a:ext>
             </a:extLst>
           </p:cNvPr>
@@ -8227,16 +5982,21 @@
           <a:p>
             <a:r>
               <a:rPr lang="pt-BR" dirty="0"/>
-              <a:t>O que são </a:t>
+              <a:t>Menu à Esquerda – </a:t>
             </a:r>
             <a:r>
               <a:rPr lang="pt-BR" dirty="0" err="1"/>
-              <a:t>Promises</a:t>
-            </a:r>
-            <a:r>
-              <a:rPr lang="pt-BR" dirty="0"/>
-              <a:t> ?</a:t>
-            </a:r>
+              <a:t>Bootstrap</a:t>
+            </a:r>
+            <a:r>
+              <a:rPr lang="pt-BR" dirty="0"/>
+              <a:t> </a:t>
+            </a:r>
+            <a:r>
+              <a:rPr lang="pt-BR" dirty="0" err="1"/>
+              <a:t>Documentation</a:t>
+            </a:r>
+            <a:endParaRPr lang="pt-BR" dirty="0"/>
           </a:p>
         </p:txBody>
       </p:sp>
@@ -8245,7 +6005,7 @@
           <p:cNvPr id="3" name="Espaço Reservado para Conteúdo 2">
             <a:extLst>
               <a:ext uri="{FF2B5EF4-FFF2-40B4-BE49-F238E27FC236}">
-                <a16:creationId xmlns:a16="http://schemas.microsoft.com/office/drawing/2014/main" id="{D2624DC3-F541-454B-B0AF-B67A9C1B9070}"/>
+                <a16:creationId xmlns:a16="http://schemas.microsoft.com/office/drawing/2014/main" id="{DD268538-45D0-424F-BDA5-C232EE18CE36}"/>
               </a:ext>
             </a:extLst>
           </p:cNvPr>
@@ -8256,116 +6016,135 @@
             <p:ph idx="1"/>
           </p:nvPr>
         </p:nvSpPr>
-        <p:spPr>
-          <a:xfrm>
-            <a:off x="592347" y="1844674"/>
-            <a:ext cx="11007306" cy="2860675"/>
-          </a:xfrm>
-        </p:spPr>
+        <p:spPr/>
         <p:txBody>
           <a:bodyPr/>
           <a:lstStyle/>
           <a:p>
             <a:r>
-              <a:rPr lang="pt-BR" dirty="0"/>
-              <a:t>Uma </a:t>
-            </a:r>
-            <a:r>
-              <a:rPr lang="pt-BR" b="1" dirty="0" err="1"/>
-              <a:t>Promise</a:t>
-            </a:r>
-            <a:r>
-              <a:rPr lang="pt-BR" dirty="0"/>
-              <a:t> é um objeto que representa </a:t>
-            </a:r>
-            <a:r>
-              <a:rPr lang="pt-BR" b="1" dirty="0"/>
-              <a:t>algo que ainda não aconteceu</a:t>
-            </a:r>
-            <a:r>
-              <a:rPr lang="pt-BR" dirty="0"/>
-              <a:t>, mas que pode acontecer no futuro, podendo estar em três estados:</a:t>
-            </a:r>
-          </a:p>
-          <a:p>
-            <a:pPr marL="1028700" lvl="1" indent="-342900"/>
-            <a:r>
-              <a:rPr lang="pt-BR" b="1" dirty="0"/>
-              <a:t>Pendente</a:t>
+              <a:rPr lang="pt-BR" dirty="0" err="1"/>
+              <a:t>Getting</a:t>
             </a:r>
             <a:r>
               <a:rPr lang="pt-BR" dirty="0"/>
               <a:t> </a:t>
             </a:r>
             <a:r>
-              <a:rPr lang="pt-BR" i="1" dirty="0"/>
-              <a:t>(</a:t>
-            </a:r>
-            <a:r>
-              <a:rPr lang="pt-BR" i="1" dirty="0" err="1"/>
-              <a:t>pending</a:t>
-            </a:r>
-            <a:r>
-              <a:rPr lang="pt-BR" i="1" dirty="0"/>
-              <a:t>)</a:t>
-            </a:r>
-            <a:r>
-              <a:rPr lang="pt-BR" dirty="0"/>
-              <a:t> → A operação ainda está em andamento.</a:t>
-            </a:r>
-          </a:p>
-          <a:p>
-            <a:pPr marL="1028700" lvl="1" indent="-342900"/>
-            <a:r>
-              <a:rPr lang="pt-BR" b="1" dirty="0"/>
-              <a:t>Resolvida</a:t>
-            </a:r>
-            <a:r>
-              <a:rPr lang="pt-BR" dirty="0"/>
-              <a:t> </a:t>
-            </a:r>
-            <a:r>
-              <a:rPr lang="pt-BR" i="1" dirty="0"/>
-              <a:t>(</a:t>
-            </a:r>
-            <a:r>
-              <a:rPr lang="pt-BR" i="1" dirty="0" err="1"/>
-              <a:t>fulfilled</a:t>
-            </a:r>
-            <a:r>
-              <a:rPr lang="pt-BR" i="1" dirty="0"/>
-              <a:t>)</a:t>
-            </a:r>
-            <a:r>
-              <a:rPr lang="pt-BR" dirty="0"/>
-              <a:t> → A operação foi concluída com sucesso.</a:t>
-            </a:r>
-          </a:p>
-          <a:p>
-            <a:pPr marL="1028700" lvl="1" indent="-342900"/>
-            <a:r>
-              <a:rPr lang="pt-BR" b="1" dirty="0"/>
-              <a:t>Rejeitada</a:t>
-            </a:r>
-            <a:r>
-              <a:rPr lang="pt-BR" dirty="0"/>
-              <a:t> </a:t>
-            </a:r>
-            <a:r>
-              <a:rPr lang="pt-BR" i="1" dirty="0"/>
-              <a:t>(</a:t>
-            </a:r>
-            <a:r>
-              <a:rPr lang="pt-BR" i="1" dirty="0" err="1"/>
-              <a:t>rejected</a:t>
-            </a:r>
-            <a:r>
-              <a:rPr lang="pt-BR" i="1" dirty="0"/>
-              <a:t>)</a:t>
-            </a:r>
-            <a:r>
-              <a:rPr lang="pt-BR" dirty="0"/>
-              <a:t> → Algo deu errado.</a:t>
+              <a:rPr lang="pt-BR" dirty="0" err="1"/>
+              <a:t>started</a:t>
+            </a:r>
+            <a:r>
+              <a:rPr lang="pt-BR" dirty="0"/>
+              <a:t> (Primeiros passos)</a:t>
+            </a:r>
+          </a:p>
+          <a:p>
+            <a:pPr lvl="1" algn="just">
+              <a:spcBef>
+                <a:spcPts val="0"/>
+              </a:spcBef>
+            </a:pPr>
+            <a:r>
+              <a:rPr lang="pt-BR" dirty="0"/>
+              <a:t>Explica como começar a usar o </a:t>
+            </a:r>
+            <a:r>
+              <a:rPr lang="pt-BR" dirty="0" err="1"/>
+              <a:t>Bootstrap</a:t>
+            </a:r>
+            <a:r>
+              <a:rPr lang="pt-BR" dirty="0"/>
+              <a:t>. Traz informações sobre instalação, estrutura de arquivos, e exemplos iniciais.</a:t>
+            </a:r>
+          </a:p>
+          <a:p>
+            <a:pPr>
+              <a:spcBef>
+                <a:spcPts val="0"/>
+              </a:spcBef>
+            </a:pPr>
+            <a:r>
+              <a:rPr lang="pt-BR" dirty="0"/>
+              <a:t>Layout</a:t>
+            </a:r>
+          </a:p>
+          <a:p>
+            <a:pPr lvl="1" algn="just">
+              <a:spcBef>
+                <a:spcPts val="0"/>
+              </a:spcBef>
+            </a:pPr>
+            <a:r>
+              <a:rPr lang="pt-BR" dirty="0"/>
+              <a:t>Aborda o sistema de grid (colunas e linhas), containers, utilitários de espaçamento e alinhamento, além de como estruturar páginas responsivas.</a:t>
+            </a:r>
+          </a:p>
+          <a:p>
+            <a:pPr>
+              <a:spcBef>
+                <a:spcPts val="0"/>
+              </a:spcBef>
+            </a:pPr>
+            <a:r>
+              <a:rPr lang="pt-BR" dirty="0" err="1"/>
+              <a:t>Content</a:t>
+            </a:r>
+            <a:r>
+              <a:rPr lang="pt-BR" dirty="0"/>
+              <a:t> (Conteúdo)</a:t>
+            </a:r>
+          </a:p>
+          <a:p>
+            <a:pPr lvl="1" algn="just">
+              <a:spcBef>
+                <a:spcPts val="0"/>
+              </a:spcBef>
+            </a:pPr>
+            <a:r>
+              <a:rPr lang="pt-BR" dirty="0"/>
+              <a:t>Mostra como estilizar tipografia, tabelas, imagens, figuras e outros elementos de conteúdo do site.</a:t>
+            </a:r>
+          </a:p>
+          <a:p>
+            <a:pPr>
+              <a:spcBef>
+                <a:spcPts val="0"/>
+              </a:spcBef>
+            </a:pPr>
+            <a:r>
+              <a:rPr lang="pt-BR" dirty="0" err="1"/>
+              <a:t>Forms</a:t>
+            </a:r>
+            <a:r>
+              <a:rPr lang="pt-BR" dirty="0"/>
+              <a:t> (Formulários)</a:t>
+            </a:r>
+          </a:p>
+          <a:p>
+            <a:pPr lvl="1" algn="just">
+              <a:spcBef>
+                <a:spcPts val="0"/>
+              </a:spcBef>
+            </a:pPr>
+            <a:r>
+              <a:rPr lang="pt-BR" dirty="0"/>
+              <a:t>Traz estilos e componentes prontos para criar formulários bonitos e funcionais, como campos de texto, </a:t>
+            </a:r>
+            <a:r>
+              <a:rPr lang="pt-BR" dirty="0" err="1"/>
+              <a:t>checkbox</a:t>
+            </a:r>
+            <a:r>
+              <a:rPr lang="pt-BR" dirty="0"/>
+              <a:t>, radio, </a:t>
+            </a:r>
+            <a:r>
+              <a:rPr lang="pt-BR" dirty="0" err="1"/>
+              <a:t>select</a:t>
+            </a:r>
+            <a:r>
+              <a:rPr lang="pt-BR" dirty="0"/>
+              <a:t>, etc.’</a:t>
             </a:r>
           </a:p>
         </p:txBody>
@@ -8373,7 +6152,7 @@
     </p:spTree>
     <p:extLst>
       <p:ext uri="{BB962C8B-B14F-4D97-AF65-F5344CB8AC3E}">
-        <p14:creationId xmlns:p14="http://schemas.microsoft.com/office/powerpoint/2010/main" val="469017755"/>
+        <p14:creationId xmlns:p14="http://schemas.microsoft.com/office/powerpoint/2010/main" val="3846751192"/>
       </p:ext>
     </p:extLst>
   </p:cSld>
@@ -8405,7 +6184,7 @@
           <p:cNvPr id="2" name="Título 1">
             <a:extLst>
               <a:ext uri="{FF2B5EF4-FFF2-40B4-BE49-F238E27FC236}">
-                <a16:creationId xmlns:a16="http://schemas.microsoft.com/office/drawing/2014/main" id="{B00FECBC-A724-4C8D-8D2C-CDCA5B8DE3C3}"/>
+                <a16:creationId xmlns:a16="http://schemas.microsoft.com/office/drawing/2014/main" id="{0784D66E-A054-4616-BAFD-EDBB2F5F9844}"/>
               </a:ext>
             </a:extLst>
           </p:cNvPr>
@@ -8414,12 +6193,53 @@
           </p:cNvSpPr>
           <p:nvPr>
             <p:ph type="title"/>
+          </p:nvPr>
+        </p:nvSpPr>
+        <p:spPr/>
+        <p:txBody>
+          <a:bodyPr/>
+          <a:lstStyle/>
+          <a:p>
+            <a:r>
+              <a:rPr lang="pt-BR" dirty="0"/>
+              <a:t>Menu à Esquerda – </a:t>
+            </a:r>
+            <a:r>
+              <a:rPr lang="pt-BR" dirty="0" err="1"/>
+              <a:t>Bootstrap</a:t>
+            </a:r>
+            <a:r>
+              <a:rPr lang="pt-BR" dirty="0"/>
+              <a:t> </a:t>
+            </a:r>
+            <a:r>
+              <a:rPr lang="pt-BR" dirty="0" err="1"/>
+              <a:t>Documentation</a:t>
+            </a:r>
+            <a:endParaRPr lang="pt-BR" dirty="0"/>
+          </a:p>
+        </p:txBody>
+      </p:sp>
+      <p:sp>
+        <p:nvSpPr>
+          <p:cNvPr id="3" name="Espaço Reservado para Conteúdo 2">
+            <a:extLst>
+              <a:ext uri="{FF2B5EF4-FFF2-40B4-BE49-F238E27FC236}">
+                <a16:creationId xmlns:a16="http://schemas.microsoft.com/office/drawing/2014/main" id="{DD268538-45D0-424F-BDA5-C232EE18CE36}"/>
+              </a:ext>
+            </a:extLst>
+          </p:cNvPr>
+          <p:cNvSpPr>
+            <a:spLocks noGrp="1"/>
+          </p:cNvSpPr>
+          <p:nvPr>
+            <p:ph idx="1"/>
           </p:nvPr>
         </p:nvSpPr>
         <p:spPr>
           <a:xfrm>
-            <a:off x="749185" y="854420"/>
-            <a:ext cx="9409981" cy="448573"/>
+            <a:off x="592347" y="1844675"/>
+            <a:ext cx="11007306" cy="4832350"/>
           </a:xfrm>
         </p:spPr>
         <p:txBody>
@@ -8427,503 +6247,33 @@
           <a:lstStyle/>
           <a:p>
             <a:r>
-              <a:rPr lang="pt-BR" dirty="0"/>
-              <a:t>Como funciona uma </a:t>
-            </a:r>
-            <a:r>
               <a:rPr lang="pt-BR" dirty="0" err="1"/>
-              <a:t>Promisse</a:t>
-            </a:r>
-            <a:r>
-              <a:rPr lang="pt-BR" dirty="0"/>
-              <a:t> ?</a:t>
-            </a:r>
-          </a:p>
-        </p:txBody>
-      </p:sp>
-      <p:sp>
-        <p:nvSpPr>
-          <p:cNvPr id="3" name="Espaço Reservado para Conteúdo 2">
-            <a:extLst>
-              <a:ext uri="{FF2B5EF4-FFF2-40B4-BE49-F238E27FC236}">
-                <a16:creationId xmlns:a16="http://schemas.microsoft.com/office/drawing/2014/main" id="{D2624DC3-F541-454B-B0AF-B67A9C1B9070}"/>
-              </a:ext>
-            </a:extLst>
-          </p:cNvPr>
-          <p:cNvSpPr>
-            <a:spLocks noGrp="1"/>
-          </p:cNvSpPr>
-          <p:nvPr>
-            <p:ph idx="1"/>
-          </p:nvPr>
-        </p:nvSpPr>
-        <p:spPr>
-          <a:xfrm>
-            <a:off x="592347" y="3771900"/>
-            <a:ext cx="11007306" cy="2047875"/>
-          </a:xfrm>
-        </p:spPr>
-        <p:txBody>
-          <a:bodyPr/>
-          <a:lstStyle/>
-          <a:p>
-            <a:pPr marL="342900" indent="-342900">
+              <a:t>Components</a:t>
+            </a:r>
+            <a:r>
+              <a:rPr lang="pt-BR" dirty="0"/>
+              <a:t> (Componentes)</a:t>
+            </a:r>
+          </a:p>
+          <a:p>
+            <a:pPr lvl="1">
               <a:spcBef>
                 <a:spcPts val="0"/>
               </a:spcBef>
-              <a:buFont typeface="Arial" panose="020B0604020202020204" pitchFamily="34" charset="0"/>
-              <a:buChar char="•"/>
             </a:pPr>
             <a:r>
+              <a:rPr lang="pt-BR" dirty="0"/>
+              <a:t>Uma das seções mais importantes. Aqui estão os botões, menus, </a:t>
+            </a:r>
+            <a:r>
               <a:rPr lang="pt-BR" dirty="0" err="1"/>
-              <a:t>fetch</a:t>
-            </a:r>
-            <a:r>
-              <a:rPr lang="pt-BR" dirty="0"/>
-              <a:t>() faz a requisição para a API do </a:t>
-            </a:r>
-            <a:r>
-              <a:rPr lang="pt-BR" dirty="0" err="1"/>
-              <a:t>ViaCEP</a:t>
-            </a:r>
-            <a:r>
-              <a:rPr lang="pt-BR" dirty="0"/>
-              <a:t>.</a:t>
-            </a:r>
-          </a:p>
-          <a:p>
-            <a:pPr marL="342900" indent="-342900">
-              <a:spcBef>
-                <a:spcPts val="0"/>
-              </a:spcBef>
-              <a:buFont typeface="Arial" panose="020B0604020202020204" pitchFamily="34" charset="0"/>
-              <a:buChar char="•"/>
-            </a:pPr>
-            <a:r>
-              <a:rPr lang="pt-BR" dirty="0"/>
-              <a:t>Como a resposta demora um pouco, o </a:t>
-            </a:r>
-            <a:r>
-              <a:rPr lang="pt-BR" dirty="0" err="1"/>
-              <a:t>fetch</a:t>
-            </a:r>
-            <a:r>
-              <a:rPr lang="pt-BR" dirty="0"/>
-              <a:t>() retorna uma </a:t>
-            </a:r>
-            <a:r>
-              <a:rPr lang="pt-BR" dirty="0" err="1"/>
-              <a:t>Promise</a:t>
-            </a:r>
-            <a:r>
-              <a:rPr lang="pt-BR" dirty="0"/>
-              <a:t>.</a:t>
-            </a:r>
-          </a:p>
-          <a:p>
-            <a:pPr marL="342900" indent="-342900">
-              <a:spcBef>
-                <a:spcPts val="0"/>
-              </a:spcBef>
-              <a:buFont typeface="Arial" panose="020B0604020202020204" pitchFamily="34" charset="0"/>
-              <a:buChar char="•"/>
-            </a:pPr>
-            <a:r>
-              <a:rPr lang="pt-BR" dirty="0"/>
-              <a:t>O </a:t>
-            </a:r>
-            <a:r>
-              <a:rPr lang="pt-BR" dirty="0" err="1"/>
-              <a:t>await</a:t>
-            </a:r>
-            <a:r>
-              <a:rPr lang="pt-BR" dirty="0"/>
-              <a:t> faz o código esperar até que a resposta chegue.</a:t>
-            </a:r>
-          </a:p>
-          <a:p>
-            <a:pPr marL="342900" indent="-342900">
-              <a:spcBef>
-                <a:spcPts val="0"/>
-              </a:spcBef>
-              <a:buFont typeface="Arial" panose="020B0604020202020204" pitchFamily="34" charset="0"/>
-              <a:buChar char="•"/>
-            </a:pPr>
-            <a:r>
-              <a:rPr lang="pt-BR" dirty="0"/>
-              <a:t>Quando a </a:t>
-            </a:r>
-            <a:r>
-              <a:rPr lang="pt-BR" dirty="0" err="1"/>
-              <a:t>Promise</a:t>
-            </a:r>
-            <a:r>
-              <a:rPr lang="pt-BR" dirty="0"/>
-              <a:t> for resolvida, a variável </a:t>
-            </a:r>
-            <a:r>
-              <a:rPr lang="pt-BR" dirty="0" err="1"/>
-              <a:t>consultaCEP</a:t>
-            </a:r>
-            <a:r>
-              <a:rPr lang="pt-BR" dirty="0"/>
-              <a:t> recebe a resposta da requisição.</a:t>
-            </a:r>
-          </a:p>
-        </p:txBody>
-      </p:sp>
-      <p:sp>
-        <p:nvSpPr>
-          <p:cNvPr id="4" name="Retângulo 3">
-            <a:extLst>
-              <a:ext uri="{FF2B5EF4-FFF2-40B4-BE49-F238E27FC236}">
-                <a16:creationId xmlns:a16="http://schemas.microsoft.com/office/drawing/2014/main" id="{4760ADE6-25A3-49E3-8AEA-33FE51807C69}"/>
-              </a:ext>
-            </a:extLst>
-          </p:cNvPr>
-          <p:cNvSpPr/>
-          <p:nvPr/>
-        </p:nvSpPr>
-        <p:spPr>
-          <a:xfrm>
-            <a:off x="1504950" y="2968110"/>
-            <a:ext cx="9182100" cy="369332"/>
-          </a:xfrm>
-          <a:prstGeom prst="rect">
-            <a:avLst/>
-          </a:prstGeom>
-        </p:spPr>
-        <p:txBody>
-          <a:bodyPr wrap="square">
-            <a:spAutoFit/>
-          </a:bodyPr>
-          <a:lstStyle/>
-          <a:p>
-            <a:r>
-              <a:rPr lang="en-US" dirty="0">
-                <a:solidFill>
-                  <a:srgbClr val="0000FF"/>
-                </a:solidFill>
-                <a:latin typeface="Consolas" panose="020B0609020204030204" pitchFamily="49" charset="0"/>
-              </a:rPr>
-              <a:t>let</a:t>
-            </a:r>
-            <a:r>
-              <a:rPr lang="en-US" dirty="0">
-                <a:solidFill>
-                  <a:srgbClr val="000000"/>
-                </a:solidFill>
-                <a:latin typeface="Consolas" panose="020B0609020204030204" pitchFamily="49" charset="0"/>
-              </a:rPr>
-              <a:t> </a:t>
-            </a:r>
-            <a:r>
-              <a:rPr lang="en-US" dirty="0" err="1">
-                <a:solidFill>
-                  <a:srgbClr val="000000"/>
-                </a:solidFill>
-                <a:latin typeface="Consolas" panose="020B0609020204030204" pitchFamily="49" charset="0"/>
-              </a:rPr>
-              <a:t>consultaCEP</a:t>
-            </a:r>
-            <a:r>
-              <a:rPr lang="en-US" dirty="0">
-                <a:solidFill>
-                  <a:srgbClr val="000000"/>
-                </a:solidFill>
-                <a:latin typeface="Consolas" panose="020B0609020204030204" pitchFamily="49" charset="0"/>
-              </a:rPr>
-              <a:t> = </a:t>
-            </a:r>
-            <a:r>
-              <a:rPr lang="en-US" dirty="0">
-                <a:solidFill>
-                  <a:srgbClr val="0000FF"/>
-                </a:solidFill>
-                <a:latin typeface="Consolas" panose="020B0609020204030204" pitchFamily="49" charset="0"/>
-              </a:rPr>
-              <a:t>await</a:t>
-            </a:r>
-            <a:r>
-              <a:rPr lang="en-US" dirty="0">
-                <a:solidFill>
-                  <a:srgbClr val="000000"/>
-                </a:solidFill>
-                <a:latin typeface="Consolas" panose="020B0609020204030204" pitchFamily="49" charset="0"/>
-              </a:rPr>
-              <a:t> fetch(</a:t>
-            </a:r>
-            <a:r>
-              <a:rPr lang="en-US" dirty="0">
-                <a:solidFill>
-                  <a:srgbClr val="A31515"/>
-                </a:solidFill>
-                <a:latin typeface="Consolas" panose="020B0609020204030204" pitchFamily="49" charset="0"/>
-              </a:rPr>
-              <a:t>`https://viacep.com.br/</a:t>
-            </a:r>
-            <a:r>
-              <a:rPr lang="en-US" dirty="0" err="1">
-                <a:solidFill>
-                  <a:srgbClr val="A31515"/>
-                </a:solidFill>
-                <a:latin typeface="Consolas" panose="020B0609020204030204" pitchFamily="49" charset="0"/>
-              </a:rPr>
-              <a:t>ws</a:t>
-            </a:r>
-            <a:r>
-              <a:rPr lang="en-US" dirty="0">
-                <a:solidFill>
-                  <a:srgbClr val="A31515"/>
-                </a:solidFill>
-                <a:latin typeface="Consolas" panose="020B0609020204030204" pitchFamily="49" charset="0"/>
-              </a:rPr>
-              <a:t>/</a:t>
-            </a:r>
-            <a:r>
-              <a:rPr lang="en-US" dirty="0">
-                <a:solidFill>
-                  <a:srgbClr val="0000FF"/>
-                </a:solidFill>
-                <a:latin typeface="Consolas" panose="020B0609020204030204" pitchFamily="49" charset="0"/>
-              </a:rPr>
-              <a:t>${</a:t>
-            </a:r>
-            <a:r>
-              <a:rPr lang="en-US" dirty="0">
-                <a:solidFill>
-                  <a:srgbClr val="000000"/>
-                </a:solidFill>
-                <a:latin typeface="Consolas" panose="020B0609020204030204" pitchFamily="49" charset="0"/>
-              </a:rPr>
-              <a:t>cep</a:t>
-            </a:r>
-            <a:r>
-              <a:rPr lang="en-US" dirty="0">
-                <a:solidFill>
-                  <a:srgbClr val="0000FF"/>
-                </a:solidFill>
-                <a:latin typeface="Consolas" panose="020B0609020204030204" pitchFamily="49" charset="0"/>
-              </a:rPr>
-              <a:t>}</a:t>
-            </a:r>
-            <a:r>
-              <a:rPr lang="en-US" dirty="0">
-                <a:solidFill>
-                  <a:srgbClr val="A31515"/>
-                </a:solidFill>
-                <a:latin typeface="Consolas" panose="020B0609020204030204" pitchFamily="49" charset="0"/>
-              </a:rPr>
-              <a:t>/json/`</a:t>
-            </a:r>
-            <a:r>
-              <a:rPr lang="en-US" dirty="0">
-                <a:solidFill>
-                  <a:srgbClr val="000000"/>
-                </a:solidFill>
-                <a:latin typeface="Consolas" panose="020B0609020204030204" pitchFamily="49" charset="0"/>
-              </a:rPr>
-              <a:t>);</a:t>
-            </a:r>
-            <a:endParaRPr lang="en-US" b="0" dirty="0">
-              <a:solidFill>
-                <a:srgbClr val="000000"/>
-              </a:solidFill>
-              <a:effectLst/>
-              <a:latin typeface="Consolas" panose="020B0609020204030204" pitchFamily="49" charset="0"/>
-            </a:endParaRPr>
-          </a:p>
-        </p:txBody>
-      </p:sp>
-      <p:sp>
-        <p:nvSpPr>
-          <p:cNvPr id="7" name="Espaço Reservado para Conteúdo 2">
-            <a:extLst>
-              <a:ext uri="{FF2B5EF4-FFF2-40B4-BE49-F238E27FC236}">
-                <a16:creationId xmlns:a16="http://schemas.microsoft.com/office/drawing/2014/main" id="{E9D0014F-9A90-479F-AD67-73FCECC084C6}"/>
-              </a:ext>
-            </a:extLst>
-          </p:cNvPr>
-          <p:cNvSpPr txBox="1">
-            <a:spLocks/>
-          </p:cNvSpPr>
-          <p:nvPr/>
-        </p:nvSpPr>
-        <p:spPr>
-          <a:xfrm>
-            <a:off x="592347" y="1877497"/>
-            <a:ext cx="11007306" cy="656154"/>
-          </a:xfrm>
-          <a:prstGeom prst="rect">
-            <a:avLst/>
-          </a:prstGeom>
-        </p:spPr>
-        <p:txBody>
-          <a:bodyPr/>
-          <a:lstStyle>
-            <a:lvl1pPr marL="0" indent="0" algn="just" defTabSz="914400" rtl="0" eaLnBrk="1" latinLnBrk="0" hangingPunct="1">
-              <a:lnSpc>
-                <a:spcPct val="150000"/>
-              </a:lnSpc>
-              <a:spcBef>
-                <a:spcPts val="1000"/>
-              </a:spcBef>
-              <a:buFont typeface="Arial" panose="020B0604020202020204" pitchFamily="34" charset="0"/>
-              <a:buNone/>
-              <a:defRPr sz="2000" kern="1200">
-                <a:solidFill>
-                  <a:schemeClr val="tx1"/>
-                </a:solidFill>
-                <a:latin typeface="Times New Roman" panose="02020603050405020304" pitchFamily="18" charset="0"/>
-                <a:ea typeface="+mn-ea"/>
-                <a:cs typeface="Times New Roman" panose="02020603050405020304" pitchFamily="18" charset="0"/>
-              </a:defRPr>
-            </a:lvl1pPr>
-            <a:lvl2pPr marL="685800" indent="-228600" algn="l" defTabSz="914400" rtl="0" eaLnBrk="1" latinLnBrk="0" hangingPunct="1">
-              <a:lnSpc>
-                <a:spcPct val="150000"/>
-              </a:lnSpc>
-              <a:spcBef>
-                <a:spcPts val="500"/>
-              </a:spcBef>
-              <a:buFont typeface="Arial" panose="020B0604020202020204" pitchFamily="34" charset="0"/>
-              <a:buChar char="•"/>
-              <a:defRPr sz="1600" kern="1200">
-                <a:solidFill>
-                  <a:schemeClr val="tx1"/>
-                </a:solidFill>
-                <a:latin typeface="Times New Roman" panose="02020603050405020304" pitchFamily="18" charset="0"/>
-                <a:ea typeface="+mn-ea"/>
-                <a:cs typeface="Times New Roman" panose="02020603050405020304" pitchFamily="18" charset="0"/>
-              </a:defRPr>
-            </a:lvl2pPr>
-            <a:lvl3pPr marL="1143000" indent="-228600" algn="l" defTabSz="914400" rtl="0" eaLnBrk="1" latinLnBrk="0" hangingPunct="1">
-              <a:lnSpc>
-                <a:spcPct val="150000"/>
-              </a:lnSpc>
-              <a:spcBef>
-                <a:spcPts val="500"/>
-              </a:spcBef>
-              <a:buFont typeface="Arial" panose="020B0604020202020204" pitchFamily="34" charset="0"/>
-              <a:buChar char="•"/>
-              <a:defRPr sz="1400" kern="1200">
-                <a:solidFill>
-                  <a:schemeClr val="tx1"/>
-                </a:solidFill>
-                <a:latin typeface="Times New Roman" panose="02020603050405020304" pitchFamily="18" charset="0"/>
-                <a:ea typeface="+mn-ea"/>
-                <a:cs typeface="Times New Roman" panose="02020603050405020304" pitchFamily="18" charset="0"/>
-              </a:defRPr>
-            </a:lvl3pPr>
-            <a:lvl4pPr marL="1600200" indent="-228600" algn="l" defTabSz="914400" rtl="0" eaLnBrk="1" latinLnBrk="0" hangingPunct="1">
-              <a:lnSpc>
-                <a:spcPct val="150000"/>
-              </a:lnSpc>
-              <a:spcBef>
-                <a:spcPts val="500"/>
-              </a:spcBef>
-              <a:buFont typeface="Arial" panose="020B0604020202020204" pitchFamily="34" charset="0"/>
-              <a:buChar char="•"/>
-              <a:defRPr sz="1200" kern="1200">
-                <a:solidFill>
-                  <a:schemeClr val="tx1"/>
-                </a:solidFill>
-                <a:latin typeface="Times New Roman" panose="02020603050405020304" pitchFamily="18" charset="0"/>
-                <a:ea typeface="+mn-ea"/>
-                <a:cs typeface="Times New Roman" panose="02020603050405020304" pitchFamily="18" charset="0"/>
-              </a:defRPr>
-            </a:lvl4pPr>
-            <a:lvl5pPr marL="2057400" indent="-228600" algn="l" defTabSz="914400" rtl="0" eaLnBrk="1" latinLnBrk="0" hangingPunct="1">
-              <a:lnSpc>
-                <a:spcPct val="150000"/>
-              </a:lnSpc>
-              <a:spcBef>
-                <a:spcPts val="500"/>
-              </a:spcBef>
-              <a:buFont typeface="Arial" panose="020B0604020202020204" pitchFamily="34" charset="0"/>
-              <a:buChar char="•"/>
-              <a:defRPr sz="1000" kern="1200">
-                <a:solidFill>
-                  <a:schemeClr val="tx1"/>
-                </a:solidFill>
-                <a:latin typeface="Times New Roman" panose="02020603050405020304" pitchFamily="18" charset="0"/>
-                <a:ea typeface="+mn-ea"/>
-                <a:cs typeface="Times New Roman" panose="02020603050405020304" pitchFamily="18" charset="0"/>
-              </a:defRPr>
-            </a:lvl5pPr>
-            <a:lvl6pPr marL="2514600" indent="-228600" algn="l" defTabSz="914400" rtl="0" eaLnBrk="1" latinLnBrk="0" hangingPunct="1">
-              <a:lnSpc>
-                <a:spcPct val="90000"/>
-              </a:lnSpc>
-              <a:spcBef>
-                <a:spcPts val="500"/>
-              </a:spcBef>
-              <a:buFont typeface="Arial" panose="020B0604020202020204" pitchFamily="34" charset="0"/>
-              <a:buChar char="•"/>
-              <a:defRPr sz="1800" kern="1200">
-                <a:solidFill>
-                  <a:schemeClr val="tx1"/>
-                </a:solidFill>
-                <a:latin typeface="+mn-lt"/>
-                <a:ea typeface="+mn-ea"/>
-                <a:cs typeface="+mn-cs"/>
-              </a:defRPr>
-            </a:lvl6pPr>
-            <a:lvl7pPr marL="2971800" indent="-228600" algn="l" defTabSz="914400" rtl="0" eaLnBrk="1" latinLnBrk="0" hangingPunct="1">
-              <a:lnSpc>
-                <a:spcPct val="90000"/>
-              </a:lnSpc>
-              <a:spcBef>
-                <a:spcPts val="500"/>
-              </a:spcBef>
-              <a:buFont typeface="Arial" panose="020B0604020202020204" pitchFamily="34" charset="0"/>
-              <a:buChar char="•"/>
-              <a:defRPr sz="1800" kern="1200">
-                <a:solidFill>
-                  <a:schemeClr val="tx1"/>
-                </a:solidFill>
-                <a:latin typeface="+mn-lt"/>
-                <a:ea typeface="+mn-ea"/>
-                <a:cs typeface="+mn-cs"/>
-              </a:defRPr>
-            </a:lvl7pPr>
-            <a:lvl8pPr marL="3429000" indent="-228600" algn="l" defTabSz="914400" rtl="0" eaLnBrk="1" latinLnBrk="0" hangingPunct="1">
-              <a:lnSpc>
-                <a:spcPct val="90000"/>
-              </a:lnSpc>
-              <a:spcBef>
-                <a:spcPts val="500"/>
-              </a:spcBef>
-              <a:buFont typeface="Arial" panose="020B0604020202020204" pitchFamily="34" charset="0"/>
-              <a:buChar char="•"/>
-              <a:defRPr sz="1800" kern="1200">
-                <a:solidFill>
-                  <a:schemeClr val="tx1"/>
-                </a:solidFill>
-                <a:latin typeface="+mn-lt"/>
-                <a:ea typeface="+mn-ea"/>
-                <a:cs typeface="+mn-cs"/>
-              </a:defRPr>
-            </a:lvl8pPr>
-            <a:lvl9pPr marL="3886200" indent="-228600" algn="l" defTabSz="914400" rtl="0" eaLnBrk="1" latinLnBrk="0" hangingPunct="1">
-              <a:lnSpc>
-                <a:spcPct val="90000"/>
-              </a:lnSpc>
-              <a:spcBef>
-                <a:spcPts val="500"/>
-              </a:spcBef>
-              <a:buFont typeface="Arial" panose="020B0604020202020204" pitchFamily="34" charset="0"/>
-              <a:buChar char="•"/>
-              <a:defRPr sz="1800" kern="1200">
-                <a:solidFill>
-                  <a:schemeClr val="tx1"/>
-                </a:solidFill>
-                <a:latin typeface="+mn-lt"/>
-                <a:ea typeface="+mn-ea"/>
-                <a:cs typeface="+mn-cs"/>
-              </a:defRPr>
-            </a:lvl9pPr>
-          </a:lstStyle>
+              <a:t>cards</a:t>
+            </a:r>
+            <a:r>
+              <a:rPr lang="pt-BR" dirty="0"/>
+              <a:t>, modais, carrosséis e muitos outros elementos interativos.</a:t>
+            </a:r>
+          </a:p>
           <a:p>
             <a:pPr>
               <a:spcBef>
@@ -8931,8 +6281,99 @@
               </a:spcBef>
             </a:pPr>
             <a:r>
-              <a:rPr lang="pt-BR" dirty="0"/>
-              <a:t>Sintaxe:</a:t>
+              <a:rPr lang="pt-BR" dirty="0" err="1"/>
+              <a:t>Helpers</a:t>
+            </a:r>
+            <a:r>
+              <a:rPr lang="pt-BR" dirty="0"/>
+              <a:t> (Auxiliares)</a:t>
+            </a:r>
+          </a:p>
+          <a:p>
+            <a:pPr lvl="1">
+              <a:spcBef>
+                <a:spcPts val="0"/>
+              </a:spcBef>
+            </a:pPr>
+            <a:r>
+              <a:rPr lang="pt-BR" dirty="0"/>
+              <a:t>Oferece classes utilitárias para facilitar ajustes visuais rápidos, como esconder elementos, controlar overflow, centralizar, entre outros.</a:t>
+            </a:r>
+          </a:p>
+          <a:p>
+            <a:pPr>
+              <a:spcBef>
+                <a:spcPts val="0"/>
+              </a:spcBef>
+            </a:pPr>
+            <a:r>
+              <a:rPr lang="pt-BR" dirty="0" err="1"/>
+              <a:t>Utilities</a:t>
+            </a:r>
+            <a:r>
+              <a:rPr lang="pt-BR" dirty="0"/>
+              <a:t> (Utilitários)</a:t>
+            </a:r>
+          </a:p>
+          <a:p>
+            <a:pPr lvl="1">
+              <a:spcBef>
+                <a:spcPts val="0"/>
+              </a:spcBef>
+            </a:pPr>
+            <a:r>
+              <a:rPr lang="pt-BR" dirty="0"/>
+              <a:t>Agrupa classes prontas para aplicar margens, </a:t>
+            </a:r>
+            <a:r>
+              <a:rPr lang="pt-BR" dirty="0" err="1"/>
+              <a:t>padding</a:t>
+            </a:r>
+            <a:r>
+              <a:rPr lang="pt-BR" dirty="0"/>
+              <a:t>, cores, fontes, display e mais, sem precisar escrever CSS personalizado.</a:t>
+            </a:r>
+          </a:p>
+          <a:p>
+            <a:pPr>
+              <a:spcBef>
+                <a:spcPts val="0"/>
+              </a:spcBef>
+            </a:pPr>
+            <a:r>
+              <a:rPr lang="pt-BR" dirty="0" err="1"/>
+              <a:t>Extend</a:t>
+            </a:r>
+            <a:r>
+              <a:rPr lang="pt-BR" dirty="0"/>
+              <a:t> (Estender)</a:t>
+            </a:r>
+          </a:p>
+          <a:p>
+            <a:pPr lvl="1">
+              <a:spcBef>
+                <a:spcPts val="0"/>
+              </a:spcBef>
+            </a:pPr>
+            <a:r>
+              <a:rPr lang="pt-BR" dirty="0"/>
+              <a:t>Explica como customizar e estender o </a:t>
+            </a:r>
+            <a:r>
+              <a:rPr lang="pt-BR" dirty="0" err="1"/>
+              <a:t>Bootstrap</a:t>
+            </a:r>
+            <a:r>
+              <a:rPr lang="pt-BR" dirty="0"/>
+              <a:t> com </a:t>
+            </a:r>
+            <a:r>
+              <a:rPr lang="pt-BR" dirty="0" err="1"/>
+              <a:t>Sass</a:t>
+            </a:r>
+            <a:r>
+              <a:rPr lang="pt-BR" dirty="0"/>
+              <a:t>, criando temas e modificando variáveis padrão.</a:t>
             </a:r>
           </a:p>
         </p:txBody>
@@ -8940,7 +6381,7 @@
     </p:spTree>
     <p:extLst>
       <p:ext uri="{BB962C8B-B14F-4D97-AF65-F5344CB8AC3E}">
-        <p14:creationId xmlns:p14="http://schemas.microsoft.com/office/powerpoint/2010/main" val="320058629"/>
+        <p14:creationId xmlns:p14="http://schemas.microsoft.com/office/powerpoint/2010/main" val="3394115133"/>
       </p:ext>
     </p:extLst>
   </p:cSld>
